--- a/实验-7-预测.pptx
+++ b/实验-7-预测.pptx
@@ -11,11 +11,12 @@
     <p:sldId id="263" r:id="rId5"/>
     <p:sldId id="268" r:id="rId6"/>
     <p:sldId id="265" r:id="rId7"/>
-    <p:sldId id="267" r:id="rId8"/>
-    <p:sldId id="259" r:id="rId9"/>
-    <p:sldId id="261" r:id="rId10"/>
-    <p:sldId id="264" r:id="rId11"/>
-    <p:sldId id="266" r:id="rId12"/>
+    <p:sldId id="269" r:id="rId8"/>
+    <p:sldId id="267" r:id="rId9"/>
+    <p:sldId id="259" r:id="rId10"/>
+    <p:sldId id="261" r:id="rId11"/>
+    <p:sldId id="264" r:id="rId12"/>
+    <p:sldId id="266" r:id="rId13"/>
   </p:sldIdLst>
   <p:sldSz cx="12192000" cy="6858000"/>
   <p:notesSz cx="6858000" cy="9144000"/>
@@ -348,7 +349,7 @@
           <a:p>
             <a:fld id="{22B5609F-EBEC-463B-AA32-A5BE38243DB0}" type="datetimeFigureOut">
               <a:rPr lang="zh-CN" altLang="en-US" smtClean="0"/>
-              <a:t>2017/11/26</a:t>
+              <a:t>2017/11/28</a:t>
             </a:fld>
             <a:endParaRPr lang="zh-CN" altLang="en-US"/>
           </a:p>
@@ -556,7 +557,7 @@
           <a:p>
             <a:fld id="{22B5609F-EBEC-463B-AA32-A5BE38243DB0}" type="datetimeFigureOut">
               <a:rPr lang="zh-CN" altLang="en-US" smtClean="0"/>
-              <a:t>2017/11/26</a:t>
+              <a:t>2017/11/28</a:t>
             </a:fld>
             <a:endParaRPr lang="zh-CN" altLang="en-US"/>
           </a:p>
@@ -812,7 +813,7 @@
           <a:p>
             <a:fld id="{22B5609F-EBEC-463B-AA32-A5BE38243DB0}" type="datetimeFigureOut">
               <a:rPr lang="zh-CN" altLang="en-US" smtClean="0"/>
-              <a:t>2017/11/26</a:t>
+              <a:t>2017/11/28</a:t>
             </a:fld>
             <a:endParaRPr lang="zh-CN" altLang="en-US"/>
           </a:p>
@@ -1011,7 +1012,7 @@
           <a:p>
             <a:fld id="{22B5609F-EBEC-463B-AA32-A5BE38243DB0}" type="datetimeFigureOut">
               <a:rPr lang="zh-CN" altLang="en-US" smtClean="0"/>
-              <a:t>2017/11/26</a:t>
+              <a:t>2017/11/28</a:t>
             </a:fld>
             <a:endParaRPr lang="zh-CN" altLang="en-US"/>
           </a:p>
@@ -1353,7 +1354,7 @@
           <a:p>
             <a:fld id="{22B5609F-EBEC-463B-AA32-A5BE38243DB0}" type="datetimeFigureOut">
               <a:rPr lang="zh-CN" altLang="en-US" smtClean="0"/>
-              <a:t>2017/11/26</a:t>
+              <a:t>2017/11/28</a:t>
             </a:fld>
             <a:endParaRPr lang="zh-CN" altLang="en-US"/>
           </a:p>
@@ -1628,7 +1629,7 @@
           <a:p>
             <a:fld id="{22B5609F-EBEC-463B-AA32-A5BE38243DB0}" type="datetimeFigureOut">
               <a:rPr lang="zh-CN" altLang="en-US" smtClean="0"/>
-              <a:t>2017/11/26</a:t>
+              <a:t>2017/11/28</a:t>
             </a:fld>
             <a:endParaRPr lang="zh-CN" altLang="en-US"/>
           </a:p>
@@ -2007,7 +2008,7 @@
           <a:p>
             <a:fld id="{22B5609F-EBEC-463B-AA32-A5BE38243DB0}" type="datetimeFigureOut">
               <a:rPr lang="zh-CN" altLang="en-US" smtClean="0"/>
-              <a:t>2017/11/26</a:t>
+              <a:t>2017/11/28</a:t>
             </a:fld>
             <a:endParaRPr lang="zh-CN" altLang="en-US"/>
           </a:p>
@@ -2125,7 +2126,7 @@
           <a:p>
             <a:fld id="{22B5609F-EBEC-463B-AA32-A5BE38243DB0}" type="datetimeFigureOut">
               <a:rPr lang="zh-CN" altLang="en-US" smtClean="0"/>
-              <a:t>2017/11/26</a:t>
+              <a:t>2017/11/28</a:t>
             </a:fld>
             <a:endParaRPr lang="zh-CN" altLang="en-US"/>
           </a:p>
@@ -2296,7 +2297,7 @@
           <a:p>
             <a:fld id="{22B5609F-EBEC-463B-AA32-A5BE38243DB0}" type="datetimeFigureOut">
               <a:rPr lang="zh-CN" altLang="en-US" smtClean="0"/>
-              <a:t>2017/11/26</a:t>
+              <a:t>2017/11/28</a:t>
             </a:fld>
             <a:endParaRPr lang="zh-CN" altLang="en-US"/>
           </a:p>
@@ -2650,7 +2651,7 @@
           <a:p>
             <a:fld id="{22B5609F-EBEC-463B-AA32-A5BE38243DB0}" type="datetimeFigureOut">
               <a:rPr lang="zh-CN" altLang="en-US" smtClean="0"/>
-              <a:t>2017/11/26</a:t>
+              <a:t>2017/11/28</a:t>
             </a:fld>
             <a:endParaRPr lang="zh-CN" altLang="en-US"/>
           </a:p>
@@ -3032,7 +3033,7 @@
           <a:p>
             <a:fld id="{22B5609F-EBEC-463B-AA32-A5BE38243DB0}" type="datetimeFigureOut">
               <a:rPr lang="zh-CN" altLang="en-US" smtClean="0"/>
-              <a:t>2017/11/26</a:t>
+              <a:t>2017/11/28</a:t>
             </a:fld>
             <a:endParaRPr lang="zh-CN" altLang="en-US"/>
           </a:p>
@@ -3319,7 +3320,7 @@
           <a:p>
             <a:fld id="{22B5609F-EBEC-463B-AA32-A5BE38243DB0}" type="datetimeFigureOut">
               <a:rPr lang="zh-CN" altLang="en-US" smtClean="0"/>
-              <a:t>2017/11/26</a:t>
+              <a:t>2017/11/28</a:t>
             </a:fld>
             <a:endParaRPr lang="zh-CN" altLang="en-US"/>
           </a:p>
@@ -3993,6 +3994,445 @@
           <a:bodyPr/>
           <a:lstStyle/>
           <a:p>
+            <a:r>
+              <a:rPr lang="en-US" altLang="zh-CN" dirty="0" smtClean="0"/>
+              <a:t>2</a:t>
+            </a:r>
+            <a:r>
+              <a:rPr lang="zh-CN" altLang="en-US" dirty="0" smtClean="0"/>
+              <a:t>时间序列</a:t>
+            </a:r>
+            <a:endParaRPr lang="zh-CN" altLang="en-US" dirty="0"/>
+          </a:p>
+        </p:txBody>
+      </p:sp>
+      <p:sp>
+        <p:nvSpPr>
+          <p:cNvPr id="3" name="内容占位符 2"/>
+          <p:cNvSpPr>
+            <a:spLocks noGrp="1"/>
+          </p:cNvSpPr>
+          <p:nvPr>
+            <p:ph idx="1"/>
+          </p:nvPr>
+        </p:nvSpPr>
+        <p:spPr/>
+        <p:txBody>
+          <a:bodyPr/>
+          <a:lstStyle/>
+          <a:p>
+            <a:r>
+              <a:rPr lang="zh-CN" altLang="en-US" dirty="0" smtClean="0"/>
+              <a:t>时间序列在经济管理的理论和实践中都是单独列为一类问题。虽然在理论上属于统计理论，但由于具有极高的使用价值，时间序列逐渐形成了一类特殊的理论体系。</a:t>
+            </a:r>
+            <a:endParaRPr lang="en-US" altLang="zh-CN" dirty="0" smtClean="0"/>
+          </a:p>
+          <a:p>
+            <a:r>
+              <a:rPr lang="zh-CN" altLang="en-US" dirty="0" smtClean="0"/>
+              <a:t>从数据类型上来讲，时间序列属于典型的有序数据集，</a:t>
+            </a:r>
+            <a:r>
+              <a:rPr lang="en-US" altLang="zh-CN" dirty="0" smtClean="0"/>
+              <a:t>R</a:t>
+            </a:r>
+            <a:r>
+              <a:rPr lang="zh-CN" altLang="en-US" dirty="0" smtClean="0"/>
+              <a:t>中是以</a:t>
+            </a:r>
+            <a:r>
+              <a:rPr lang="en-US" altLang="zh-CN" dirty="0" err="1" smtClean="0"/>
+              <a:t>ts</a:t>
+            </a:r>
+            <a:r>
+              <a:rPr lang="zh-CN" altLang="en-US" dirty="0" smtClean="0"/>
+              <a:t>类型变量专门存储时间序列。</a:t>
+            </a:r>
+            <a:endParaRPr lang="en-US" altLang="zh-CN" dirty="0" smtClean="0"/>
+          </a:p>
+          <a:p>
+            <a:r>
+              <a:rPr lang="en-US" altLang="zh-CN" dirty="0" err="1" smtClean="0"/>
+              <a:t>ts</a:t>
+            </a:r>
+            <a:r>
+              <a:rPr lang="zh-CN" altLang="en-US" dirty="0" smtClean="0"/>
+              <a:t>变量生成方法：</a:t>
+            </a:r>
+            <a:endParaRPr lang="zh-CN" altLang="en-US" dirty="0"/>
+          </a:p>
+        </p:txBody>
+      </p:sp>
+      <p:sp>
+        <p:nvSpPr>
+          <p:cNvPr id="4" name="Rectangle 1"/>
+          <p:cNvSpPr>
+            <a:spLocks noChangeArrowheads="1"/>
+          </p:cNvSpPr>
+          <p:nvPr/>
+        </p:nvSpPr>
+        <p:spPr bwMode="auto">
+          <a:xfrm>
+            <a:off x="3739080" y="3232725"/>
+            <a:ext cx="3997889" cy="1107996"/>
+          </a:xfrm>
+          <a:prstGeom prst="rect">
+            <a:avLst/>
+          </a:prstGeom>
+          <a:solidFill>
+            <a:srgbClr val="FFFFFF"/>
+          </a:solidFill>
+          <a:ln>
+            <a:noFill/>
+          </a:ln>
+          <a:effectLst/>
+          <a:extLst>
+            <a:ext uri="{91240B29-F687-4F45-9708-019B960494DF}">
+              <a14:hiddenLine xmlns:a14="http://schemas.microsoft.com/office/drawing/2010/main" w="9525">
+                <a:solidFill>
+                  <a:schemeClr val="tx1"/>
+                </a:solidFill>
+                <a:miter lim="800000"/>
+                <a:headEnd/>
+                <a:tailEnd/>
+              </a14:hiddenLine>
+            </a:ext>
+            <a:ext uri="{AF507438-7753-43E0-B8FC-AC1667EBCBE1}">
+              <a14:hiddenEffects xmlns:a14="http://schemas.microsoft.com/office/drawing/2010/main">
+                <a:effectLst>
+                  <a:outerShdw dist="35921" dir="2700000" algn="ctr" rotWithShape="0">
+                    <a:schemeClr val="bg2"/>
+                  </a:outerShdw>
+                </a:effectLst>
+              </a14:hiddenEffects>
+            </a:ext>
+          </a:extLst>
+        </p:spPr>
+        <p:txBody>
+          <a:bodyPr vert="horz" wrap="none" lIns="0" tIns="0" rIns="0" bIns="0" numCol="1" anchor="ctr" anchorCtr="0" compatLnSpc="1">
+            <a:prstTxWarp prst="textNoShape">
+              <a:avLst/>
+            </a:prstTxWarp>
+            <a:spAutoFit/>
+          </a:bodyPr>
+          <a:lstStyle/>
+          <a:p>
+            <a:pPr marL="0" marR="0" lvl="0" indent="0" algn="l" defTabSz="914400" rtl="0" eaLnBrk="0" fontAlgn="base" latinLnBrk="0" hangingPunct="0">
+              <a:lnSpc>
+                <a:spcPct val="100000"/>
+              </a:lnSpc>
+              <a:spcBef>
+                <a:spcPct val="0"/>
+              </a:spcBef>
+              <a:spcAft>
+                <a:spcPct val="0"/>
+              </a:spcAft>
+              <a:buClrTx/>
+              <a:buSzTx/>
+              <a:buFontTx/>
+              <a:buNone/>
+              <a:tabLst/>
+            </a:pPr>
+            <a:r>
+              <a:rPr kumimoji="0" lang="zh-CN" altLang="zh-CN" sz="1200" b="0" i="0" u="none" strike="noStrike" cap="none" normalizeH="0" baseline="0" dirty="0" smtClean="0">
+                <a:ln>
+                  <a:noFill/>
+                </a:ln>
+                <a:solidFill>
+                  <a:srgbClr val="0000FF"/>
+                </a:solidFill>
+                <a:effectLst/>
+                <a:latin typeface="Lucida Console" panose="020B0609040504020204" pitchFamily="49" charset="0"/>
+              </a:rPr>
+              <a:t>&gt; y &lt;- ts(c(123,39,78,52,110), start=2012) </a:t>
+            </a:r>
+            <a:endParaRPr kumimoji="0" lang="en-US" altLang="zh-CN" sz="1200" b="0" i="0" u="none" strike="noStrike" cap="none" normalizeH="0" baseline="0" dirty="0" smtClean="0">
+              <a:ln>
+                <a:noFill/>
+              </a:ln>
+              <a:solidFill>
+                <a:srgbClr val="0000FF"/>
+              </a:solidFill>
+              <a:effectLst/>
+              <a:latin typeface="Lucida Console" panose="020B0609040504020204" pitchFamily="49" charset="0"/>
+            </a:endParaRPr>
+          </a:p>
+          <a:p>
+            <a:pPr marL="0" marR="0" lvl="0" indent="0" algn="l" defTabSz="914400" rtl="0" eaLnBrk="0" fontAlgn="base" latinLnBrk="0" hangingPunct="0">
+              <a:lnSpc>
+                <a:spcPct val="100000"/>
+              </a:lnSpc>
+              <a:spcBef>
+                <a:spcPct val="0"/>
+              </a:spcBef>
+              <a:spcAft>
+                <a:spcPct val="0"/>
+              </a:spcAft>
+              <a:buClrTx/>
+              <a:buSzTx/>
+              <a:buFontTx/>
+              <a:buNone/>
+              <a:tabLst/>
+            </a:pPr>
+            <a:r>
+              <a:rPr kumimoji="0" lang="zh-CN" altLang="zh-CN" sz="1200" b="0" i="0" u="none" strike="noStrike" cap="none" normalizeH="0" baseline="0" dirty="0" smtClean="0">
+                <a:ln>
+                  <a:noFill/>
+                </a:ln>
+                <a:solidFill>
+                  <a:srgbClr val="0000FF"/>
+                </a:solidFill>
+                <a:effectLst/>
+                <a:latin typeface="Lucida Console" panose="020B0609040504020204" pitchFamily="49" charset="0"/>
+              </a:rPr>
+              <a:t>&gt; y </a:t>
+            </a:r>
+            <a:endParaRPr kumimoji="0" lang="en-US" altLang="zh-CN" sz="1200" b="0" i="0" u="none" strike="noStrike" cap="none" normalizeH="0" baseline="0" dirty="0" smtClean="0">
+              <a:ln>
+                <a:noFill/>
+              </a:ln>
+              <a:solidFill>
+                <a:srgbClr val="0000FF"/>
+              </a:solidFill>
+              <a:effectLst/>
+              <a:latin typeface="Lucida Console" panose="020B0609040504020204" pitchFamily="49" charset="0"/>
+            </a:endParaRPr>
+          </a:p>
+          <a:p>
+            <a:pPr marL="0" marR="0" lvl="0" indent="0" algn="l" defTabSz="914400" rtl="0" eaLnBrk="0" fontAlgn="base" latinLnBrk="0" hangingPunct="0">
+              <a:lnSpc>
+                <a:spcPct val="100000"/>
+              </a:lnSpc>
+              <a:spcBef>
+                <a:spcPct val="0"/>
+              </a:spcBef>
+              <a:spcAft>
+                <a:spcPct val="0"/>
+              </a:spcAft>
+              <a:buClrTx/>
+              <a:buSzTx/>
+              <a:buFontTx/>
+              <a:buNone/>
+              <a:tabLst/>
+            </a:pPr>
+            <a:r>
+              <a:rPr kumimoji="0" lang="zh-CN" altLang="zh-CN" sz="1200" b="0" i="0" u="none" strike="noStrike" cap="none" normalizeH="0" baseline="0" dirty="0" smtClean="0">
+                <a:ln>
+                  <a:noFill/>
+                </a:ln>
+                <a:solidFill>
+                  <a:srgbClr val="000000"/>
+                </a:solidFill>
+                <a:effectLst/>
+                <a:latin typeface="Lucida Console" panose="020B0609040504020204" pitchFamily="49" charset="0"/>
+              </a:rPr>
+              <a:t>Time Series: Start = 2012 </a:t>
+            </a:r>
+            <a:endParaRPr kumimoji="0" lang="en-US" altLang="zh-CN" sz="1200" b="0" i="0" u="none" strike="noStrike" cap="none" normalizeH="0" baseline="0" dirty="0" smtClean="0">
+              <a:ln>
+                <a:noFill/>
+              </a:ln>
+              <a:solidFill>
+                <a:srgbClr val="000000"/>
+              </a:solidFill>
+              <a:effectLst/>
+              <a:latin typeface="Lucida Console" panose="020B0609040504020204" pitchFamily="49" charset="0"/>
+            </a:endParaRPr>
+          </a:p>
+          <a:p>
+            <a:pPr marL="0" marR="0" lvl="0" indent="0" algn="l" defTabSz="914400" rtl="0" eaLnBrk="0" fontAlgn="base" latinLnBrk="0" hangingPunct="0">
+              <a:lnSpc>
+                <a:spcPct val="100000"/>
+              </a:lnSpc>
+              <a:spcBef>
+                <a:spcPct val="0"/>
+              </a:spcBef>
+              <a:spcAft>
+                <a:spcPct val="0"/>
+              </a:spcAft>
+              <a:buClrTx/>
+              <a:buSzTx/>
+              <a:buFontTx/>
+              <a:buNone/>
+              <a:tabLst/>
+            </a:pPr>
+            <a:r>
+              <a:rPr kumimoji="0" lang="zh-CN" altLang="zh-CN" sz="1200" b="0" i="0" u="none" strike="noStrike" cap="none" normalizeH="0" baseline="0" dirty="0" smtClean="0">
+                <a:ln>
+                  <a:noFill/>
+                </a:ln>
+                <a:solidFill>
+                  <a:srgbClr val="000000"/>
+                </a:solidFill>
+                <a:effectLst/>
+                <a:latin typeface="Lucida Console" panose="020B0609040504020204" pitchFamily="49" charset="0"/>
+              </a:rPr>
+              <a:t>End = 2016 </a:t>
+            </a:r>
+            <a:endParaRPr kumimoji="0" lang="en-US" altLang="zh-CN" sz="1200" b="0" i="0" u="none" strike="noStrike" cap="none" normalizeH="0" baseline="0" dirty="0" smtClean="0">
+              <a:ln>
+                <a:noFill/>
+              </a:ln>
+              <a:solidFill>
+                <a:srgbClr val="000000"/>
+              </a:solidFill>
+              <a:effectLst/>
+              <a:latin typeface="Lucida Console" panose="020B0609040504020204" pitchFamily="49" charset="0"/>
+            </a:endParaRPr>
+          </a:p>
+          <a:p>
+            <a:pPr marL="0" marR="0" lvl="0" indent="0" algn="l" defTabSz="914400" rtl="0" eaLnBrk="0" fontAlgn="base" latinLnBrk="0" hangingPunct="0">
+              <a:lnSpc>
+                <a:spcPct val="100000"/>
+              </a:lnSpc>
+              <a:spcBef>
+                <a:spcPct val="0"/>
+              </a:spcBef>
+              <a:spcAft>
+                <a:spcPct val="0"/>
+              </a:spcAft>
+              <a:buClrTx/>
+              <a:buSzTx/>
+              <a:buFontTx/>
+              <a:buNone/>
+              <a:tabLst/>
+            </a:pPr>
+            <a:r>
+              <a:rPr kumimoji="0" lang="zh-CN" altLang="zh-CN" sz="1200" b="0" i="0" u="none" strike="noStrike" cap="none" normalizeH="0" baseline="0" dirty="0" smtClean="0">
+                <a:ln>
+                  <a:noFill/>
+                </a:ln>
+                <a:solidFill>
+                  <a:srgbClr val="000000"/>
+                </a:solidFill>
+                <a:effectLst/>
+                <a:latin typeface="Lucida Console" panose="020B0609040504020204" pitchFamily="49" charset="0"/>
+              </a:rPr>
+              <a:t>Frequency = 1 </a:t>
+            </a:r>
+            <a:endParaRPr kumimoji="0" lang="en-US" altLang="zh-CN" sz="1200" b="0" i="0" u="none" strike="noStrike" cap="none" normalizeH="0" baseline="0" dirty="0" smtClean="0">
+              <a:ln>
+                <a:noFill/>
+              </a:ln>
+              <a:solidFill>
+                <a:srgbClr val="000000"/>
+              </a:solidFill>
+              <a:effectLst/>
+              <a:latin typeface="Lucida Console" panose="020B0609040504020204" pitchFamily="49" charset="0"/>
+            </a:endParaRPr>
+          </a:p>
+          <a:p>
+            <a:pPr marL="0" marR="0" lvl="0" indent="0" algn="l" defTabSz="914400" rtl="0" eaLnBrk="0" fontAlgn="base" latinLnBrk="0" hangingPunct="0">
+              <a:lnSpc>
+                <a:spcPct val="100000"/>
+              </a:lnSpc>
+              <a:spcBef>
+                <a:spcPct val="0"/>
+              </a:spcBef>
+              <a:spcAft>
+                <a:spcPct val="0"/>
+              </a:spcAft>
+              <a:buClrTx/>
+              <a:buSzTx/>
+              <a:buFontTx/>
+              <a:buNone/>
+              <a:tabLst/>
+            </a:pPr>
+            <a:r>
+              <a:rPr kumimoji="0" lang="zh-CN" altLang="zh-CN" sz="1200" b="0" i="0" u="none" strike="noStrike" cap="none" normalizeH="0" baseline="0" dirty="0" smtClean="0">
+                <a:ln>
+                  <a:noFill/>
+                </a:ln>
+                <a:solidFill>
+                  <a:srgbClr val="000000"/>
+                </a:solidFill>
+                <a:effectLst/>
+                <a:latin typeface="Lucida Console" panose="020B0609040504020204" pitchFamily="49" charset="0"/>
+              </a:rPr>
+              <a:t>[1] 123 39 78 52 110</a:t>
+            </a:r>
+            <a:endParaRPr kumimoji="0" lang="zh-CN" altLang="zh-CN" sz="2800" b="0" i="0" u="none" strike="noStrike" cap="none" normalizeH="0" baseline="0" dirty="0" smtClean="0">
+              <a:ln>
+                <a:noFill/>
+              </a:ln>
+              <a:solidFill>
+                <a:schemeClr val="tx1"/>
+              </a:solidFill>
+              <a:effectLst/>
+              <a:latin typeface="Arial" panose="020B0604020202020204" pitchFamily="34" charset="0"/>
+            </a:endParaRPr>
+          </a:p>
+        </p:txBody>
+      </p:sp>
+      <p:pic>
+        <p:nvPicPr>
+          <p:cNvPr id="5" name="图片 4"/>
+          <p:cNvPicPr>
+            <a:picLocks noChangeAspect="1"/>
+          </p:cNvPicPr>
+          <p:nvPr/>
+        </p:nvPicPr>
+        <p:blipFill>
+          <a:blip r:embed="rId2"/>
+          <a:stretch>
+            <a:fillRect/>
+          </a:stretch>
+        </p:blipFill>
+        <p:spPr>
+          <a:xfrm>
+            <a:off x="111442" y="4921048"/>
+            <a:ext cx="12030075" cy="1209675"/>
+          </a:xfrm>
+          <a:prstGeom prst="rect">
+            <a:avLst/>
+          </a:prstGeom>
+        </p:spPr>
+      </p:pic>
+    </p:spTree>
+    <p:extLst>
+      <p:ext uri="{BB962C8B-B14F-4D97-AF65-F5344CB8AC3E}">
+        <p14:creationId xmlns:p14="http://schemas.microsoft.com/office/powerpoint/2010/main" val="3680543794"/>
+      </p:ext>
+    </p:extLst>
+  </p:cSld>
+  <p:clrMapOvr>
+    <a:masterClrMapping/>
+  </p:clrMapOvr>
+</p:sld>
+</file>
+
+<file path=ppt/slides/slide11.xml><?xml version="1.0" encoding="utf-8"?>
+<p:sld xmlns:a="http://schemas.openxmlformats.org/drawingml/2006/main" xmlns:r="http://schemas.openxmlformats.org/officeDocument/2006/relationships" xmlns:p="http://schemas.openxmlformats.org/presentationml/2006/main">
+  <p:cSld>
+    <p:spTree>
+      <p:nvGrpSpPr>
+        <p:cNvPr id="1" name=""/>
+        <p:cNvGrpSpPr/>
+        <p:nvPr/>
+      </p:nvGrpSpPr>
+      <p:grpSpPr>
+        <a:xfrm>
+          <a:off x="0" y="0"/>
+          <a:ext cx="0" cy="0"/>
+          <a:chOff x="0" y="0"/>
+          <a:chExt cx="0" cy="0"/>
+        </a:xfrm>
+      </p:grpSpPr>
+      <p:sp>
+        <p:nvSpPr>
+          <p:cNvPr id="2" name="标题 1"/>
+          <p:cNvSpPr>
+            <a:spLocks noGrp="1"/>
+          </p:cNvSpPr>
+          <p:nvPr>
+            <p:ph type="title"/>
+          </p:nvPr>
+        </p:nvSpPr>
+        <p:spPr/>
+        <p:txBody>
+          <a:bodyPr/>
+          <a:lstStyle/>
+          <a:p>
             <a:endParaRPr lang="zh-CN" altLang="en-US"/>
           </a:p>
         </p:txBody>
@@ -4070,7 +4510,7 @@
 </p:sld>
 </file>
 
-<file path=ppt/slides/slide11.xml><?xml version="1.0" encoding="utf-8"?>
+<file path=ppt/slides/slide12.xml><?xml version="1.0" encoding="utf-8"?>
 <p:sld xmlns:a="http://schemas.openxmlformats.org/drawingml/2006/main" xmlns:r="http://schemas.openxmlformats.org/officeDocument/2006/relationships" xmlns:p="http://schemas.openxmlformats.org/presentationml/2006/main">
   <p:cSld>
     <p:spTree>
@@ -5294,7 +5734,7 @@
         </p:nvSpPr>
         <p:spPr bwMode="auto">
           <a:xfrm>
-            <a:off x="1097280" y="4192623"/>
+            <a:off x="263796" y="4120423"/>
             <a:ext cx="7251985" cy="369332"/>
           </a:xfrm>
           <a:prstGeom prst="rect">
@@ -5406,7 +5846,59 @@
                 <a:effectLst/>
                 <a:latin typeface="Lucida Console" panose="020B0609040504020204" pitchFamily="49" charset="0"/>
               </a:rPr>
-              <a:t>&gt; predict(fit,newdata=data.frame(height=165),interval="prediction",level=0.95)</a:t>
+              <a:t>&gt; predict(fit,newdata=data.frame(height</a:t>
+            </a:r>
+            <a:r>
+              <a:rPr kumimoji="0" lang="zh-CN" altLang="zh-CN" sz="1200" b="0" i="0" u="none" strike="noStrike" cap="none" normalizeH="0" baseline="0" dirty="0" smtClean="0">
+                <a:ln>
+                  <a:noFill/>
+                </a:ln>
+                <a:solidFill>
+                  <a:srgbClr val="0000FF"/>
+                </a:solidFill>
+                <a:effectLst/>
+                <a:latin typeface="Lucida Console" panose="020B0609040504020204" pitchFamily="49" charset="0"/>
+              </a:rPr>
+              <a:t>=</a:t>
+            </a:r>
+            <a:r>
+              <a:rPr kumimoji="0" lang="en-US" altLang="zh-CN" sz="1200" b="0" i="0" u="none" strike="noStrike" cap="none" normalizeH="0" baseline="0" dirty="0" smtClean="0">
+                <a:ln>
+                  <a:noFill/>
+                </a:ln>
+                <a:solidFill>
+                  <a:srgbClr val="0000FF"/>
+                </a:solidFill>
+                <a:effectLst/>
+                <a:latin typeface="Lucida Console" panose="020B0609040504020204" pitchFamily="49" charset="0"/>
+              </a:rPr>
+              <a:t>75</a:t>
+            </a:r>
+            <a:r>
+              <a:rPr kumimoji="0" lang="zh-CN" altLang="zh-CN" sz="1200" b="0" i="0" u="none" strike="noStrike" cap="none" normalizeH="0" baseline="0" dirty="0" smtClean="0">
+                <a:ln>
+                  <a:noFill/>
+                </a:ln>
+                <a:solidFill>
+                  <a:srgbClr val="0000FF"/>
+                </a:solidFill>
+                <a:effectLst/>
+                <a:latin typeface="Lucida Console" panose="020B0609040504020204" pitchFamily="49" charset="0"/>
+              </a:rPr>
+              <a:t>),</a:t>
+            </a:r>
+            <a:r>
+              <a:rPr kumimoji="0" lang="zh-CN" altLang="zh-CN" sz="1200" b="0" i="0" u="none" strike="noStrike" cap="none" normalizeH="0" baseline="0" dirty="0" smtClean="0">
+                <a:ln>
+                  <a:noFill/>
+                </a:ln>
+                <a:solidFill>
+                  <a:srgbClr val="0000FF"/>
+                </a:solidFill>
+                <a:effectLst/>
+                <a:latin typeface="Lucida Console" panose="020B0609040504020204" pitchFamily="49" charset="0"/>
+              </a:rPr>
+              <a:t>interval="prediction",level=0.95)</a:t>
             </a:r>
             <a:endParaRPr kumimoji="0" lang="zh-CN" altLang="zh-CN" sz="2800" b="0" i="0" u="none" strike="noStrike" cap="none" normalizeH="0" baseline="0" dirty="0" smtClean="0">
               <a:ln>
@@ -5429,7 +5921,7 @@
         </p:nvSpPr>
         <p:spPr>
           <a:xfrm>
-            <a:off x="8798312" y="4561955"/>
+            <a:off x="9110546" y="2196990"/>
             <a:ext cx="2674899" cy="830997"/>
           </a:xfrm>
           <a:prstGeom prst="rect">
@@ -5453,6 +5945,222 @@
             <a:endParaRPr lang="zh-CN" altLang="en-US" sz="1600" dirty="0">
               <a:latin typeface="华文楷体" panose="02010600040101010101" pitchFamily="2" charset="-122"/>
               <a:ea typeface="华文楷体" panose="02010600040101010101" pitchFamily="2" charset="-122"/>
+            </a:endParaRPr>
+          </a:p>
+        </p:txBody>
+      </p:sp>
+      <p:sp>
+        <p:nvSpPr>
+          <p:cNvPr id="3" name="Rectangle 1"/>
+          <p:cNvSpPr>
+            <a:spLocks noChangeArrowheads="1"/>
+          </p:cNvSpPr>
+          <p:nvPr/>
+        </p:nvSpPr>
+        <p:spPr bwMode="auto">
+          <a:xfrm>
+            <a:off x="263796" y="5003487"/>
+            <a:ext cx="9111469" cy="184666"/>
+          </a:xfrm>
+          <a:prstGeom prst="rect">
+            <a:avLst/>
+          </a:prstGeom>
+          <a:solidFill>
+            <a:srgbClr val="FFFFFF"/>
+          </a:solidFill>
+          <a:ln>
+            <a:noFill/>
+          </a:ln>
+          <a:effectLst/>
+          <a:extLst>
+            <a:ext uri="{91240B29-F687-4F45-9708-019B960494DF}">
+              <a14:hiddenLine xmlns:a14="http://schemas.microsoft.com/office/drawing/2010/main" w="9525">
+                <a:solidFill>
+                  <a:schemeClr val="tx1"/>
+                </a:solidFill>
+                <a:miter lim="800000"/>
+                <a:headEnd/>
+                <a:tailEnd/>
+              </a14:hiddenLine>
+            </a:ext>
+            <a:ext uri="{AF507438-7753-43E0-B8FC-AC1667EBCBE1}">
+              <a14:hiddenEffects xmlns:a14="http://schemas.microsoft.com/office/drawing/2010/main">
+                <a:effectLst>
+                  <a:outerShdw dist="35921" dir="2700000" algn="ctr" rotWithShape="0">
+                    <a:schemeClr val="bg2"/>
+                  </a:outerShdw>
+                </a:effectLst>
+              </a14:hiddenEffects>
+            </a:ext>
+          </a:extLst>
+        </p:spPr>
+        <p:txBody>
+          <a:bodyPr vert="horz" wrap="none" lIns="0" tIns="0" rIns="0" bIns="0" numCol="1" anchor="ctr" anchorCtr="0" compatLnSpc="1">
+            <a:prstTxWarp prst="textNoShape">
+              <a:avLst/>
+            </a:prstTxWarp>
+            <a:spAutoFit/>
+          </a:bodyPr>
+          <a:lstStyle/>
+          <a:p>
+            <a:pPr marL="0" marR="0" lvl="0" indent="0" algn="l" defTabSz="914400" rtl="0" eaLnBrk="0" fontAlgn="base" latinLnBrk="0" hangingPunct="0">
+              <a:lnSpc>
+                <a:spcPct val="100000"/>
+              </a:lnSpc>
+              <a:spcBef>
+                <a:spcPct val="0"/>
+              </a:spcBef>
+              <a:spcAft>
+                <a:spcPct val="0"/>
+              </a:spcAft>
+              <a:buClrTx/>
+              <a:buSzTx/>
+              <a:buFontTx/>
+              <a:buNone/>
+              <a:tabLst/>
+            </a:pPr>
+            <a:r>
+              <a:rPr kumimoji="0" lang="zh-CN" altLang="zh-CN" sz="1200" b="0" i="0" u="none" strike="noStrike" cap="none" normalizeH="0" baseline="0" dirty="0" smtClean="0">
+                <a:ln>
+                  <a:noFill/>
+                </a:ln>
+                <a:solidFill>
+                  <a:srgbClr val="0000FF"/>
+                </a:solidFill>
+                <a:effectLst/>
+                <a:latin typeface="Lucida Console" panose="020B0609040504020204" pitchFamily="49" charset="0"/>
+              </a:rPr>
+              <a:t>forecasts_values&lt;-predict(fit,newdata=data.frame(height=73:76),interval="prediction",level = 0.95)</a:t>
+            </a:r>
+            <a:endParaRPr kumimoji="0" lang="zh-CN" altLang="zh-CN" sz="2800" b="0" i="0" u="none" strike="noStrike" cap="none" normalizeH="0" baseline="0" dirty="0" smtClean="0">
+              <a:ln>
+                <a:noFill/>
+              </a:ln>
+              <a:solidFill>
+                <a:schemeClr val="tx1"/>
+              </a:solidFill>
+              <a:effectLst/>
+              <a:latin typeface="Arial" panose="020B0604020202020204" pitchFamily="34" charset="0"/>
+            </a:endParaRPr>
+          </a:p>
+        </p:txBody>
+      </p:sp>
+      <p:pic>
+        <p:nvPicPr>
+          <p:cNvPr id="4" name="图片 3"/>
+          <p:cNvPicPr>
+            <a:picLocks noChangeAspect="1"/>
+          </p:cNvPicPr>
+          <p:nvPr/>
+        </p:nvPicPr>
+        <p:blipFill>
+          <a:blip r:embed="rId3"/>
+          <a:stretch>
+            <a:fillRect/>
+          </a:stretch>
+        </p:blipFill>
+        <p:spPr>
+          <a:xfrm>
+            <a:off x="8687362" y="5764416"/>
+            <a:ext cx="3301802" cy="1128616"/>
+          </a:xfrm>
+          <a:prstGeom prst="rect">
+            <a:avLst/>
+          </a:prstGeom>
+        </p:spPr>
+      </p:pic>
+      <p:sp>
+        <p:nvSpPr>
+          <p:cNvPr id="9" name="Rectangle 2"/>
+          <p:cNvSpPr>
+            <a:spLocks noChangeArrowheads="1"/>
+          </p:cNvSpPr>
+          <p:nvPr/>
+        </p:nvSpPr>
+        <p:spPr bwMode="auto">
+          <a:xfrm>
+            <a:off x="8608741" y="5433230"/>
+            <a:ext cx="2417328" cy="184666"/>
+          </a:xfrm>
+          <a:prstGeom prst="rect">
+            <a:avLst/>
+          </a:prstGeom>
+          <a:solidFill>
+            <a:srgbClr val="FFFFFF"/>
+          </a:solidFill>
+          <a:ln>
+            <a:noFill/>
+          </a:ln>
+          <a:effectLst/>
+          <a:extLst>
+            <a:ext uri="{91240B29-F687-4F45-9708-019B960494DF}">
+              <a14:hiddenLine xmlns:a14="http://schemas.microsoft.com/office/drawing/2010/main" w="9525">
+                <a:solidFill>
+                  <a:schemeClr val="tx1"/>
+                </a:solidFill>
+                <a:miter lim="800000"/>
+                <a:headEnd/>
+                <a:tailEnd/>
+              </a14:hiddenLine>
+            </a:ext>
+            <a:ext uri="{AF507438-7753-43E0-B8FC-AC1667EBCBE1}">
+              <a14:hiddenEffects xmlns:a14="http://schemas.microsoft.com/office/drawing/2010/main">
+                <a:effectLst>
+                  <a:outerShdw dist="35921" dir="2700000" algn="ctr" rotWithShape="0">
+                    <a:schemeClr val="bg2"/>
+                  </a:outerShdw>
+                </a:effectLst>
+              </a14:hiddenEffects>
+            </a:ext>
+          </a:extLst>
+        </p:spPr>
+        <p:txBody>
+          <a:bodyPr vert="horz" wrap="none" lIns="0" tIns="0" rIns="0" bIns="0" numCol="1" anchor="ctr" anchorCtr="0" compatLnSpc="1">
+            <a:prstTxWarp prst="textNoShape">
+              <a:avLst/>
+            </a:prstTxWarp>
+            <a:spAutoFit/>
+          </a:bodyPr>
+          <a:lstStyle/>
+          <a:p>
+            <a:pPr marL="0" marR="0" lvl="0" indent="0" algn="l" defTabSz="914400" rtl="0" eaLnBrk="0" fontAlgn="base" latinLnBrk="0" hangingPunct="0">
+              <a:lnSpc>
+                <a:spcPct val="100000"/>
+              </a:lnSpc>
+              <a:spcBef>
+                <a:spcPct val="0"/>
+              </a:spcBef>
+              <a:spcAft>
+                <a:spcPct val="0"/>
+              </a:spcAft>
+              <a:buClrTx/>
+              <a:buSzTx/>
+              <a:buFontTx/>
+              <a:buNone/>
+              <a:tabLst/>
+            </a:pPr>
+            <a:r>
+              <a:rPr kumimoji="0" lang="zh-CN" altLang="zh-CN" sz="1200" b="0" i="0" u="none" strike="noStrike" cap="none" normalizeH="0" baseline="0" dirty="0" smtClean="0">
+                <a:ln>
+                  <a:noFill/>
+                </a:ln>
+                <a:solidFill>
+                  <a:srgbClr val="0000FF"/>
+                </a:solidFill>
+                <a:effectLst/>
+                <a:latin typeface="Lucida Console" panose="020B0609040504020204" pitchFamily="49" charset="0"/>
+              </a:rPr>
+              <a:t>&gt; forecasts_values[,"lwr"]</a:t>
+            </a:r>
+            <a:endParaRPr kumimoji="0" lang="zh-CN" altLang="zh-CN" sz="2800" b="0" i="0" u="none" strike="noStrike" cap="none" normalizeH="0" baseline="0" dirty="0" smtClean="0">
+              <a:ln>
+                <a:noFill/>
+              </a:ln>
+              <a:solidFill>
+                <a:schemeClr val="tx1"/>
+              </a:solidFill>
+              <a:effectLst/>
+              <a:latin typeface="Arial" panose="020B0604020202020204" pitchFamily="34" charset="0"/>
             </a:endParaRPr>
           </a:p>
         </p:txBody>
@@ -5611,7 +6319,7 @@
       </p:grpSpPr>
       <p:sp>
         <p:nvSpPr>
-          <p:cNvPr id="5" name="标题 4"/>
+          <p:cNvPr id="2" name="标题 1"/>
           <p:cNvSpPr>
             <a:spLocks noGrp="1"/>
           </p:cNvSpPr>
@@ -5626,7 +6334,7 @@
           <a:p>
             <a:r>
               <a:rPr lang="zh-CN" altLang="en-US" dirty="0" smtClean="0"/>
-              <a:t>多项式回归</a:t>
+              <a:t>拟合效果图</a:t>
             </a:r>
             <a:endParaRPr lang="zh-CN" altLang="en-US" dirty="0"/>
           </a:p>
@@ -5634,7 +6342,7 @@
       </p:sp>
       <p:sp>
         <p:nvSpPr>
-          <p:cNvPr id="6" name="内容占位符 5"/>
+          <p:cNvPr id="3" name="内容占位符 2"/>
           <p:cNvSpPr>
             <a:spLocks noGrp="1"/>
           </p:cNvSpPr>
@@ -5647,200 +6355,6 @@
           <a:bodyPr/>
           <a:lstStyle/>
           <a:p>
-            <a:endParaRPr lang="zh-CN" altLang="en-US"/>
-          </a:p>
-        </p:txBody>
-      </p:sp>
-    </p:spTree>
-    <p:extLst>
-      <p:ext uri="{BB962C8B-B14F-4D97-AF65-F5344CB8AC3E}">
-        <p14:creationId xmlns:p14="http://schemas.microsoft.com/office/powerpoint/2010/main" val="4171285098"/>
-      </p:ext>
-    </p:extLst>
-  </p:cSld>
-  <p:clrMapOvr>
-    <a:masterClrMapping/>
-  </p:clrMapOvr>
-</p:sld>
-</file>
-
-<file path=ppt/slides/slide8.xml><?xml version="1.0" encoding="utf-8"?>
-<p:sld xmlns:a="http://schemas.openxmlformats.org/drawingml/2006/main" xmlns:r="http://schemas.openxmlformats.org/officeDocument/2006/relationships" xmlns:p="http://schemas.openxmlformats.org/presentationml/2006/main">
-  <p:cSld>
-    <p:spTree>
-      <p:nvGrpSpPr>
-        <p:cNvPr id="1" name=""/>
-        <p:cNvGrpSpPr/>
-        <p:nvPr/>
-      </p:nvGrpSpPr>
-      <p:grpSpPr>
-        <a:xfrm>
-          <a:off x="0" y="0"/>
-          <a:ext cx="0" cy="0"/>
-          <a:chOff x="0" y="0"/>
-          <a:chExt cx="0" cy="0"/>
-        </a:xfrm>
-      </p:grpSpPr>
-      <p:sp>
-        <p:nvSpPr>
-          <p:cNvPr id="2" name="标题 1"/>
-          <p:cNvSpPr>
-            <a:spLocks noGrp="1"/>
-          </p:cNvSpPr>
-          <p:nvPr>
-            <p:ph type="title"/>
-          </p:nvPr>
-        </p:nvSpPr>
-        <p:spPr/>
-        <p:txBody>
-          <a:bodyPr/>
-          <a:lstStyle/>
-          <a:p>
-            <a:r>
-              <a:rPr lang="zh-CN" altLang="en-US" dirty="0" smtClean="0"/>
-              <a:t>多元</a:t>
-            </a:r>
-            <a:r>
-              <a:rPr lang="en-US" altLang="zh-CN" dirty="0" smtClean="0"/>
-              <a:t>/</a:t>
-            </a:r>
-            <a:r>
-              <a:rPr lang="zh-CN" altLang="en-US" dirty="0" smtClean="0"/>
-              <a:t>非线性回归</a:t>
-            </a:r>
-            <a:endParaRPr lang="zh-CN" altLang="en-US" dirty="0"/>
-          </a:p>
-        </p:txBody>
-      </p:sp>
-      <p:sp>
-        <p:nvSpPr>
-          <p:cNvPr id="3" name="内容占位符 2"/>
-          <p:cNvSpPr>
-            <a:spLocks noGrp="1"/>
-          </p:cNvSpPr>
-          <p:nvPr>
-            <p:ph idx="1"/>
-          </p:nvPr>
-        </p:nvSpPr>
-        <p:spPr/>
-        <p:txBody>
-          <a:bodyPr/>
-          <a:lstStyle/>
-          <a:p>
-            <a:endParaRPr lang="zh-CN" altLang="en-US"/>
-          </a:p>
-        </p:txBody>
-      </p:sp>
-    </p:spTree>
-    <p:extLst>
-      <p:ext uri="{BB962C8B-B14F-4D97-AF65-F5344CB8AC3E}">
-        <p14:creationId xmlns:p14="http://schemas.microsoft.com/office/powerpoint/2010/main" val="2204234421"/>
-      </p:ext>
-    </p:extLst>
-  </p:cSld>
-  <p:clrMapOvr>
-    <a:masterClrMapping/>
-  </p:clrMapOvr>
-</p:sld>
-</file>
-
-<file path=ppt/slides/slide9.xml><?xml version="1.0" encoding="utf-8"?>
-<p:sld xmlns:a="http://schemas.openxmlformats.org/drawingml/2006/main" xmlns:r="http://schemas.openxmlformats.org/officeDocument/2006/relationships" xmlns:p="http://schemas.openxmlformats.org/presentationml/2006/main">
-  <p:cSld>
-    <p:spTree>
-      <p:nvGrpSpPr>
-        <p:cNvPr id="1" name=""/>
-        <p:cNvGrpSpPr/>
-        <p:nvPr/>
-      </p:nvGrpSpPr>
-      <p:grpSpPr>
-        <a:xfrm>
-          <a:off x="0" y="0"/>
-          <a:ext cx="0" cy="0"/>
-          <a:chOff x="0" y="0"/>
-          <a:chExt cx="0" cy="0"/>
-        </a:xfrm>
-      </p:grpSpPr>
-      <p:sp>
-        <p:nvSpPr>
-          <p:cNvPr id="2" name="标题 1"/>
-          <p:cNvSpPr>
-            <a:spLocks noGrp="1"/>
-          </p:cNvSpPr>
-          <p:nvPr>
-            <p:ph type="title"/>
-          </p:nvPr>
-        </p:nvSpPr>
-        <p:spPr/>
-        <p:txBody>
-          <a:bodyPr/>
-          <a:lstStyle/>
-          <a:p>
-            <a:r>
-              <a:rPr lang="en-US" altLang="zh-CN" dirty="0" smtClean="0"/>
-              <a:t>2</a:t>
-            </a:r>
-            <a:r>
-              <a:rPr lang="zh-CN" altLang="en-US" dirty="0" smtClean="0"/>
-              <a:t>时间序列</a:t>
-            </a:r>
-            <a:endParaRPr lang="zh-CN" altLang="en-US" dirty="0"/>
-          </a:p>
-        </p:txBody>
-      </p:sp>
-      <p:sp>
-        <p:nvSpPr>
-          <p:cNvPr id="3" name="内容占位符 2"/>
-          <p:cNvSpPr>
-            <a:spLocks noGrp="1"/>
-          </p:cNvSpPr>
-          <p:nvPr>
-            <p:ph idx="1"/>
-          </p:nvPr>
-        </p:nvSpPr>
-        <p:spPr/>
-        <p:txBody>
-          <a:bodyPr/>
-          <a:lstStyle/>
-          <a:p>
-            <a:r>
-              <a:rPr lang="zh-CN" altLang="en-US" dirty="0" smtClean="0"/>
-              <a:t>时间序列在经济管理的理论和实践中都是单独列为一类问题。虽然在理论上属于统计理论，但由于具有极高的使用价值，时间序列逐渐形成了一类特殊的理论体系。</a:t>
-            </a:r>
-            <a:endParaRPr lang="en-US" altLang="zh-CN" dirty="0" smtClean="0"/>
-          </a:p>
-          <a:p>
-            <a:r>
-              <a:rPr lang="zh-CN" altLang="en-US" dirty="0" smtClean="0"/>
-              <a:t>从数据类型上来讲，时间序列属于典型的有序数据集，</a:t>
-            </a:r>
-            <a:r>
-              <a:rPr lang="en-US" altLang="zh-CN" dirty="0" smtClean="0"/>
-              <a:t>R</a:t>
-            </a:r>
-            <a:r>
-              <a:rPr lang="zh-CN" altLang="en-US" dirty="0" smtClean="0"/>
-              <a:t>中是以</a:t>
-            </a:r>
-            <a:r>
-              <a:rPr lang="en-US" altLang="zh-CN" dirty="0" err="1" smtClean="0"/>
-              <a:t>ts</a:t>
-            </a:r>
-            <a:r>
-              <a:rPr lang="zh-CN" altLang="en-US" dirty="0" smtClean="0"/>
-              <a:t>类型变量专门存储时间序列。</a:t>
-            </a:r>
-            <a:endParaRPr lang="en-US" altLang="zh-CN" dirty="0" smtClean="0"/>
-          </a:p>
-          <a:p>
-            <a:r>
-              <a:rPr lang="en-US" altLang="zh-CN" dirty="0" err="1" smtClean="0"/>
-              <a:t>ts</a:t>
-            </a:r>
-            <a:r>
-              <a:rPr lang="zh-CN" altLang="en-US" dirty="0" smtClean="0"/>
-              <a:t>变量生成方法：</a:t>
-            </a:r>
             <a:endParaRPr lang="zh-CN" altLang="en-US" dirty="0"/>
           </a:p>
         </p:txBody>
@@ -5855,8 +6369,8 @@
         </p:nvSpPr>
         <p:spPr bwMode="auto">
           <a:xfrm>
-            <a:off x="3739080" y="3232725"/>
-            <a:ext cx="3997889" cy="1107996"/>
+            <a:off x="858644" y="2355360"/>
+            <a:ext cx="11063926" cy="184666"/>
           </a:xfrm>
           <a:prstGeom prst="rect">
             <a:avLst/>
@@ -5916,6 +6430,19 @@
               <a:tabLst/>
             </a:pPr>
             <a:r>
+              <a:rPr kumimoji="0" lang="en-US" altLang="zh-CN" sz="1200" b="0" i="0" u="none" strike="noStrike" cap="none" normalizeH="0" baseline="0" dirty="0" smtClean="0">
+                <a:ln>
+                  <a:noFill/>
+                </a:ln>
+                <a:solidFill>
+                  <a:srgbClr val="0000FF"/>
+                </a:solidFill>
+                <a:effectLst/>
+                <a:latin typeface="Lucida Console" panose="020B0609040504020204" pitchFamily="49" charset="0"/>
+              </a:rPr>
+              <a:t>&gt; </a:t>
+            </a:r>
+            <a:r>
               <a:rPr kumimoji="0" lang="zh-CN" altLang="zh-CN" sz="1200" b="0" i="0" u="none" strike="noStrike" cap="none" normalizeH="0" baseline="0" dirty="0" smtClean="0">
                 <a:ln>
                   <a:noFill/>
@@ -5926,19 +6453,74 @@
                 <a:effectLst/>
                 <a:latin typeface="Lucida Console" panose="020B0609040504020204" pitchFamily="49" charset="0"/>
               </a:rPr>
-              <a:t>&gt; y &lt;- ts(c(123,39,78,52,110), start=2012) </a:t>
-            </a:r>
-            <a:endParaRPr kumimoji="0" lang="en-US" altLang="zh-CN" sz="1200" b="0" i="0" u="none" strike="noStrike" cap="none" normalizeH="0" baseline="0" dirty="0" smtClean="0">
+              <a:t>plot(58:76,c(fit$fitted.values,forecasts),type="b",pch=2,col="red",ylab="Weight(in pounds)",xlab="Height(in inches)")</a:t>
+            </a:r>
+            <a:endParaRPr kumimoji="0" lang="zh-CN" altLang="zh-CN" sz="2800" b="0" i="0" u="none" strike="noStrike" cap="none" normalizeH="0" baseline="0" dirty="0" smtClean="0">
               <a:ln>
                 <a:noFill/>
               </a:ln>
               <a:solidFill>
-                <a:srgbClr val="0000FF"/>
+                <a:schemeClr val="tx1"/>
               </a:solidFill>
               <a:effectLst/>
-              <a:latin typeface="Lucida Console" panose="020B0609040504020204" pitchFamily="49" charset="0"/>
+              <a:latin typeface="Arial" panose="020B0604020202020204" pitchFamily="34" charset="0"/>
             </a:endParaRPr>
           </a:p>
+        </p:txBody>
+      </p:sp>
+      <p:sp>
+        <p:nvSpPr>
+          <p:cNvPr id="5" name="Rectangle 2"/>
+          <p:cNvSpPr>
+            <a:spLocks noChangeArrowheads="1"/>
+          </p:cNvSpPr>
+          <p:nvPr/>
+        </p:nvSpPr>
+        <p:spPr bwMode="auto">
+          <a:xfrm>
+            <a:off x="858644" y="2864986"/>
+            <a:ext cx="3811941" cy="184666"/>
+          </a:xfrm>
+          <a:prstGeom prst="rect">
+            <a:avLst/>
+          </a:prstGeom>
+          <a:solidFill>
+            <a:srgbClr val="FFFFFF"/>
+          </a:solidFill>
+          <a:ln>
+            <a:noFill/>
+          </a:ln>
+          <a:effectLst/>
+          <a:extLst>
+            <a:ext uri="{91240B29-F687-4F45-9708-019B960494DF}">
+              <a14:hiddenLine xmlns:a14="http://schemas.microsoft.com/office/drawing/2010/main" w="9525">
+                <a:solidFill>
+                  <a:schemeClr val="tx1"/>
+                </a:solidFill>
+                <a:miter lim="800000"/>
+                <a:headEnd/>
+                <a:tailEnd/>
+              </a14:hiddenLine>
+            </a:ext>
+            <a:ext uri="{AF507438-7753-43E0-B8FC-AC1667EBCBE1}">
+              <a14:hiddenEffects xmlns:a14="http://schemas.microsoft.com/office/drawing/2010/main">
+                <a:effectLst>
+                  <a:outerShdw dist="35921" dir="2700000" algn="ctr" rotWithShape="0">
+                    <a:schemeClr val="bg2"/>
+                  </a:outerShdw>
+                </a:effectLst>
+              </a14:hiddenEffects>
+            </a:ext>
+          </a:extLst>
+        </p:spPr>
+        <p:txBody>
+          <a:bodyPr vert="horz" wrap="none" lIns="0" tIns="0" rIns="0" bIns="0" numCol="1" anchor="ctr" anchorCtr="0" compatLnSpc="1">
+            <a:prstTxWarp prst="textNoShape">
+              <a:avLst/>
+            </a:prstTxWarp>
+            <a:spAutoFit/>
+          </a:bodyPr>
+          <a:lstStyle/>
           <a:p>
             <a:pPr marL="0" marR="0" lvl="0" indent="0" algn="l" defTabSz="914400" rtl="0" eaLnBrk="0" fontAlgn="base" latinLnBrk="0" hangingPunct="0">
               <a:lnSpc>
@@ -5957,6 +6539,15 @@
               <a:tabLst/>
             </a:pPr>
             <a:r>
+              <a:rPr lang="en-US" altLang="zh-CN" sz="1200" dirty="0" smtClean="0">
+                <a:solidFill>
+                  <a:srgbClr val="0000FF"/>
+                </a:solidFill>
+                <a:latin typeface="Lucida Console" panose="020B0609040504020204" pitchFamily="49" charset="0"/>
+              </a:rPr>
+              <a:t>&gt; </a:t>
+            </a:r>
+            <a:r>
               <a:rPr kumimoji="0" lang="zh-CN" altLang="zh-CN" sz="1200" b="0" i="0" u="none" strike="noStrike" cap="none" normalizeH="0" baseline="0" dirty="0" smtClean="0">
                 <a:ln>
                   <a:noFill/>
@@ -5967,19 +6558,74 @@
                 <a:effectLst/>
                 <a:latin typeface="Lucida Console" panose="020B0609040504020204" pitchFamily="49" charset="0"/>
               </a:rPr>
-              <a:t>&gt; y </a:t>
-            </a:r>
-            <a:endParaRPr kumimoji="0" lang="en-US" altLang="zh-CN" sz="1200" b="0" i="0" u="none" strike="noStrike" cap="none" normalizeH="0" baseline="0" dirty="0" smtClean="0">
+              <a:t>points(women$height,women$weight,pch=1)</a:t>
+            </a:r>
+            <a:endParaRPr kumimoji="0" lang="zh-CN" altLang="zh-CN" sz="2800" b="0" i="0" u="none" strike="noStrike" cap="none" normalizeH="0" baseline="0" dirty="0" smtClean="0">
               <a:ln>
                 <a:noFill/>
               </a:ln>
               <a:solidFill>
-                <a:srgbClr val="0000FF"/>
+                <a:schemeClr val="tx1"/>
               </a:solidFill>
               <a:effectLst/>
-              <a:latin typeface="Lucida Console" panose="020B0609040504020204" pitchFamily="49" charset="0"/>
+              <a:latin typeface="Arial" panose="020B0604020202020204" pitchFamily="34" charset="0"/>
             </a:endParaRPr>
           </a:p>
+        </p:txBody>
+      </p:sp>
+      <p:sp>
+        <p:nvSpPr>
+          <p:cNvPr id="6" name="Rectangle 3"/>
+          <p:cNvSpPr>
+            <a:spLocks noChangeArrowheads="1"/>
+          </p:cNvSpPr>
+          <p:nvPr/>
+        </p:nvSpPr>
+        <p:spPr bwMode="auto">
+          <a:xfrm>
+            <a:off x="752191" y="3351377"/>
+            <a:ext cx="10403489" cy="738664"/>
+          </a:xfrm>
+          <a:prstGeom prst="rect">
+            <a:avLst/>
+          </a:prstGeom>
+          <a:solidFill>
+            <a:srgbClr val="FFFFFF"/>
+          </a:solidFill>
+          <a:ln>
+            <a:noFill/>
+          </a:ln>
+          <a:effectLst/>
+          <a:extLst>
+            <a:ext uri="{91240B29-F687-4F45-9708-019B960494DF}">
+              <a14:hiddenLine xmlns:a14="http://schemas.microsoft.com/office/drawing/2010/main" w="9525">
+                <a:solidFill>
+                  <a:schemeClr val="tx1"/>
+                </a:solidFill>
+                <a:miter lim="800000"/>
+                <a:headEnd/>
+                <a:tailEnd/>
+              </a14:hiddenLine>
+            </a:ext>
+            <a:ext uri="{AF507438-7753-43E0-B8FC-AC1667EBCBE1}">
+              <a14:hiddenEffects xmlns:a14="http://schemas.microsoft.com/office/drawing/2010/main">
+                <a:effectLst>
+                  <a:outerShdw dist="35921" dir="2700000" algn="ctr" rotWithShape="0">
+                    <a:schemeClr val="bg2"/>
+                  </a:outerShdw>
+                </a:effectLst>
+              </a14:hiddenEffects>
+            </a:ext>
+          </a:extLst>
+        </p:spPr>
+        <p:txBody>
+          <a:bodyPr vert="horz" wrap="none" lIns="0" tIns="0" rIns="0" bIns="0" numCol="1" anchor="ctr" anchorCtr="0" compatLnSpc="1">
+            <a:prstTxWarp prst="textNoShape">
+              <a:avLst/>
+            </a:prstTxWarp>
+            <a:spAutoFit/>
+          </a:bodyPr>
+          <a:lstStyle/>
           <a:p>
             <a:pPr marL="0" marR="0" lvl="0" indent="0" algn="l" defTabSz="914400" rtl="0" eaLnBrk="0" fontAlgn="base" latinLnBrk="0" hangingPunct="0">
               <a:lnSpc>
@@ -6003,19 +6649,19 @@
                   <a:noFill/>
                 </a:ln>
                 <a:solidFill>
-                  <a:srgbClr val="000000"/>
+                  <a:srgbClr val="0000FF"/>
                 </a:solidFill>
                 <a:effectLst/>
                 <a:latin typeface="Lucida Console" panose="020B0609040504020204" pitchFamily="49" charset="0"/>
               </a:rPr>
-              <a:t>Time Series: Start = 2012 </a:t>
+              <a:t>&gt; abline(v=72.5,lty=5) </a:t>
             </a:r>
             <a:endParaRPr kumimoji="0" lang="en-US" altLang="zh-CN" sz="1200" b="0" i="0" u="none" strike="noStrike" cap="none" normalizeH="0" baseline="0" dirty="0" smtClean="0">
               <a:ln>
                 <a:noFill/>
               </a:ln>
               <a:solidFill>
-                <a:srgbClr val="000000"/>
+                <a:srgbClr val="0000FF"/>
               </a:solidFill>
               <a:effectLst/>
               <a:latin typeface="Lucida Console" panose="020B0609040504020204" pitchFamily="49" charset="0"/>
@@ -6044,19 +6690,19 @@
                   <a:noFill/>
                 </a:ln>
                 <a:solidFill>
-                  <a:srgbClr val="000000"/>
+                  <a:srgbClr val="0000FF"/>
                 </a:solidFill>
                 <a:effectLst/>
                 <a:latin typeface="Lucida Console" panose="020B0609040504020204" pitchFamily="49" charset="0"/>
               </a:rPr>
-              <a:t>End = 2016 </a:t>
+              <a:t>&gt; legend("topleft",title="图例",legend=c("原数据","拟合数据"),pch=c(1,2),lty=c(NA,1),col=c("black","red"),bty="n") </a:t>
             </a:r>
             <a:endParaRPr kumimoji="0" lang="en-US" altLang="zh-CN" sz="1200" b="0" i="0" u="none" strike="noStrike" cap="none" normalizeH="0" baseline="0" dirty="0" smtClean="0">
               <a:ln>
                 <a:noFill/>
               </a:ln>
               <a:solidFill>
-                <a:srgbClr val="000000"/>
+                <a:srgbClr val="0000FF"/>
               </a:solidFill>
               <a:effectLst/>
               <a:latin typeface="Lucida Console" panose="020B0609040504020204" pitchFamily="49" charset="0"/>
@@ -6085,19 +6731,19 @@
                   <a:noFill/>
                 </a:ln>
                 <a:solidFill>
-                  <a:srgbClr val="000000"/>
+                  <a:srgbClr val="0000FF"/>
                 </a:solidFill>
                 <a:effectLst/>
                 <a:latin typeface="Lucida Console" panose="020B0609040504020204" pitchFamily="49" charset="0"/>
               </a:rPr>
-              <a:t>Frequency = 1 </a:t>
+              <a:t>&gt; text(70,170,"拟合部分") </a:t>
             </a:r>
             <a:endParaRPr kumimoji="0" lang="en-US" altLang="zh-CN" sz="1200" b="0" i="0" u="none" strike="noStrike" cap="none" normalizeH="0" baseline="0" dirty="0" smtClean="0">
               <a:ln>
                 <a:noFill/>
               </a:ln>
               <a:solidFill>
-                <a:srgbClr val="000000"/>
+                <a:srgbClr val="0000FF"/>
               </a:solidFill>
               <a:effectLst/>
               <a:latin typeface="Lucida Console" panose="020B0609040504020204" pitchFamily="49" charset="0"/>
@@ -6126,12 +6772,12 @@
                   <a:noFill/>
                 </a:ln>
                 <a:solidFill>
-                  <a:srgbClr val="000000"/>
+                  <a:srgbClr val="0000FF"/>
                 </a:solidFill>
                 <a:effectLst/>
                 <a:latin typeface="Lucida Console" panose="020B0609040504020204" pitchFamily="49" charset="0"/>
               </a:rPr>
-              <a:t>[1] 123 39 78 52 110</a:t>
+              <a:t>&gt; text(75,150,"预测部分")</a:t>
             </a:r>
             <a:endParaRPr kumimoji="0" lang="zh-CN" altLang="zh-CN" sz="2800" b="0" i="0" u="none" strike="noStrike" cap="none" normalizeH="0" baseline="0" dirty="0" smtClean="0">
               <a:ln>
@@ -6146,34 +6792,299 @@
           </a:p>
         </p:txBody>
       </p:sp>
-      <p:pic>
-        <p:nvPicPr>
-          <p:cNvPr id="5" name="图片 4"/>
-          <p:cNvPicPr>
-            <a:picLocks noChangeAspect="1"/>
-          </p:cNvPicPr>
+      <p:sp>
+        <p:nvSpPr>
+          <p:cNvPr id="7" name="Rectangle 4"/>
+          <p:cNvSpPr>
+            <a:spLocks noChangeArrowheads="1"/>
+          </p:cNvSpPr>
           <p:nvPr/>
-        </p:nvPicPr>
-        <p:blipFill>
-          <a:blip r:embed="rId2"/>
-          <a:stretch>
-            <a:fillRect/>
-          </a:stretch>
-        </p:blipFill>
-        <p:spPr>
+        </p:nvSpPr>
+        <p:spPr bwMode="auto">
           <a:xfrm>
-            <a:off x="111442" y="4921048"/>
-            <a:ext cx="12030075" cy="1209675"/>
+            <a:off x="807895" y="4532060"/>
+            <a:ext cx="4276812" cy="369332"/>
           </a:xfrm>
           <a:prstGeom prst="rect">
             <a:avLst/>
           </a:prstGeom>
+          <a:solidFill>
+            <a:srgbClr val="FFFFFF"/>
+          </a:solidFill>
+          <a:ln>
+            <a:noFill/>
+          </a:ln>
+          <a:effectLst/>
+          <a:extLst>
+            <a:ext uri="{91240B29-F687-4F45-9708-019B960494DF}">
+              <a14:hiddenLine xmlns:a14="http://schemas.microsoft.com/office/drawing/2010/main" w="9525">
+                <a:solidFill>
+                  <a:schemeClr val="tx1"/>
+                </a:solidFill>
+                <a:miter lim="800000"/>
+                <a:headEnd/>
+                <a:tailEnd/>
+              </a14:hiddenLine>
+            </a:ext>
+            <a:ext uri="{AF507438-7753-43E0-B8FC-AC1667EBCBE1}">
+              <a14:hiddenEffects xmlns:a14="http://schemas.microsoft.com/office/drawing/2010/main">
+                <a:effectLst>
+                  <a:outerShdw dist="35921" dir="2700000" algn="ctr" rotWithShape="0">
+                    <a:schemeClr val="bg2"/>
+                  </a:outerShdw>
+                </a:effectLst>
+              </a14:hiddenEffects>
+            </a:ext>
+          </a:extLst>
         </p:spPr>
-      </p:pic>
+        <p:txBody>
+          <a:bodyPr vert="horz" wrap="none" lIns="0" tIns="0" rIns="0" bIns="0" numCol="1" anchor="ctr" anchorCtr="0" compatLnSpc="1">
+            <a:prstTxWarp prst="textNoShape">
+              <a:avLst/>
+            </a:prstTxWarp>
+            <a:spAutoFit/>
+          </a:bodyPr>
+          <a:lstStyle/>
+          <a:p>
+            <a:pPr marL="0" marR="0" lvl="0" indent="0" algn="l" defTabSz="914400" rtl="0" eaLnBrk="0" fontAlgn="base" latinLnBrk="0" hangingPunct="0">
+              <a:lnSpc>
+                <a:spcPct val="100000"/>
+              </a:lnSpc>
+              <a:spcBef>
+                <a:spcPct val="0"/>
+              </a:spcBef>
+              <a:spcAft>
+                <a:spcPct val="0"/>
+              </a:spcAft>
+              <a:buClrTx/>
+              <a:buSzTx/>
+              <a:buFontTx/>
+              <a:buNone/>
+              <a:tabLst/>
+            </a:pPr>
+            <a:r>
+              <a:rPr kumimoji="0" lang="zh-CN" altLang="zh-CN" sz="1200" b="0" i="0" u="none" strike="noStrike" cap="none" normalizeH="0" baseline="0" dirty="0" smtClean="0">
+                <a:ln>
+                  <a:noFill/>
+                </a:ln>
+                <a:solidFill>
+                  <a:srgbClr val="0000FF"/>
+                </a:solidFill>
+                <a:effectLst/>
+                <a:latin typeface="Lucida Console" panose="020B0609040504020204" pitchFamily="49" charset="0"/>
+              </a:rPr>
+              <a:t>&gt; lines(73:76,forecasts_values[,'lwr'],lty=5) </a:t>
+            </a:r>
+            <a:endParaRPr kumimoji="0" lang="en-US" altLang="zh-CN" sz="1200" b="0" i="0" u="none" strike="noStrike" cap="none" normalizeH="0" baseline="0" dirty="0" smtClean="0">
+              <a:ln>
+                <a:noFill/>
+              </a:ln>
+              <a:solidFill>
+                <a:srgbClr val="0000FF"/>
+              </a:solidFill>
+              <a:effectLst/>
+              <a:latin typeface="Lucida Console" panose="020B0609040504020204" pitchFamily="49" charset="0"/>
+            </a:endParaRPr>
+          </a:p>
+          <a:p>
+            <a:pPr marL="0" marR="0" lvl="0" indent="0" algn="l" defTabSz="914400" rtl="0" eaLnBrk="0" fontAlgn="base" latinLnBrk="0" hangingPunct="0">
+              <a:lnSpc>
+                <a:spcPct val="100000"/>
+              </a:lnSpc>
+              <a:spcBef>
+                <a:spcPct val="0"/>
+              </a:spcBef>
+              <a:spcAft>
+                <a:spcPct val="0"/>
+              </a:spcAft>
+              <a:buClrTx/>
+              <a:buSzTx/>
+              <a:buFontTx/>
+              <a:buNone/>
+              <a:tabLst/>
+            </a:pPr>
+            <a:r>
+              <a:rPr kumimoji="0" lang="zh-CN" altLang="zh-CN" sz="1200" b="0" i="0" u="none" strike="noStrike" cap="none" normalizeH="0" baseline="0" dirty="0" smtClean="0">
+                <a:ln>
+                  <a:noFill/>
+                </a:ln>
+                <a:solidFill>
+                  <a:srgbClr val="0000FF"/>
+                </a:solidFill>
+                <a:effectLst/>
+                <a:latin typeface="Lucida Console" panose="020B0609040504020204" pitchFamily="49" charset="0"/>
+              </a:rPr>
+              <a:t>&gt; lines(73:76,forecasts_values[,'upr'],lty=5)</a:t>
+            </a:r>
+            <a:endParaRPr kumimoji="0" lang="zh-CN" altLang="zh-CN" sz="2800" b="0" i="0" u="none" strike="noStrike" cap="none" normalizeH="0" baseline="0" dirty="0" smtClean="0">
+              <a:ln>
+                <a:noFill/>
+              </a:ln>
+              <a:solidFill>
+                <a:schemeClr val="tx1"/>
+              </a:solidFill>
+              <a:effectLst/>
+              <a:latin typeface="Arial" panose="020B0604020202020204" pitchFamily="34" charset="0"/>
+            </a:endParaRPr>
+          </a:p>
+        </p:txBody>
+      </p:sp>
     </p:spTree>
     <p:extLst>
       <p:ext uri="{BB962C8B-B14F-4D97-AF65-F5344CB8AC3E}">
-        <p14:creationId xmlns:p14="http://schemas.microsoft.com/office/powerpoint/2010/main" val="3680543794"/>
+        <p14:creationId xmlns:p14="http://schemas.microsoft.com/office/powerpoint/2010/main" val="2589309055"/>
+      </p:ext>
+    </p:extLst>
+  </p:cSld>
+  <p:clrMapOvr>
+    <a:masterClrMapping/>
+  </p:clrMapOvr>
+</p:sld>
+</file>
+
+<file path=ppt/slides/slide8.xml><?xml version="1.0" encoding="utf-8"?>
+<p:sld xmlns:a="http://schemas.openxmlformats.org/drawingml/2006/main" xmlns:r="http://schemas.openxmlformats.org/officeDocument/2006/relationships" xmlns:p="http://schemas.openxmlformats.org/presentationml/2006/main">
+  <p:cSld>
+    <p:spTree>
+      <p:nvGrpSpPr>
+        <p:cNvPr id="1" name=""/>
+        <p:cNvGrpSpPr/>
+        <p:nvPr/>
+      </p:nvGrpSpPr>
+      <p:grpSpPr>
+        <a:xfrm>
+          <a:off x="0" y="0"/>
+          <a:ext cx="0" cy="0"/>
+          <a:chOff x="0" y="0"/>
+          <a:chExt cx="0" cy="0"/>
+        </a:xfrm>
+      </p:grpSpPr>
+      <p:sp>
+        <p:nvSpPr>
+          <p:cNvPr id="5" name="标题 4"/>
+          <p:cNvSpPr>
+            <a:spLocks noGrp="1"/>
+          </p:cNvSpPr>
+          <p:nvPr>
+            <p:ph type="title"/>
+          </p:nvPr>
+        </p:nvSpPr>
+        <p:spPr/>
+        <p:txBody>
+          <a:bodyPr/>
+          <a:lstStyle/>
+          <a:p>
+            <a:r>
+              <a:rPr lang="zh-CN" altLang="en-US" dirty="0" smtClean="0"/>
+              <a:t>多项式回归</a:t>
+            </a:r>
+            <a:endParaRPr lang="zh-CN" altLang="en-US" dirty="0"/>
+          </a:p>
+        </p:txBody>
+      </p:sp>
+      <p:sp>
+        <p:nvSpPr>
+          <p:cNvPr id="6" name="内容占位符 5"/>
+          <p:cNvSpPr>
+            <a:spLocks noGrp="1"/>
+          </p:cNvSpPr>
+          <p:nvPr>
+            <p:ph idx="1"/>
+          </p:nvPr>
+        </p:nvSpPr>
+        <p:spPr/>
+        <p:txBody>
+          <a:bodyPr/>
+          <a:lstStyle/>
+          <a:p>
+            <a:endParaRPr lang="zh-CN" altLang="en-US"/>
+          </a:p>
+        </p:txBody>
+      </p:sp>
+    </p:spTree>
+    <p:extLst>
+      <p:ext uri="{BB962C8B-B14F-4D97-AF65-F5344CB8AC3E}">
+        <p14:creationId xmlns:p14="http://schemas.microsoft.com/office/powerpoint/2010/main" val="4171285098"/>
+      </p:ext>
+    </p:extLst>
+  </p:cSld>
+  <p:clrMapOvr>
+    <a:masterClrMapping/>
+  </p:clrMapOvr>
+</p:sld>
+</file>
+
+<file path=ppt/slides/slide9.xml><?xml version="1.0" encoding="utf-8"?>
+<p:sld xmlns:a="http://schemas.openxmlformats.org/drawingml/2006/main" xmlns:r="http://schemas.openxmlformats.org/officeDocument/2006/relationships" xmlns:p="http://schemas.openxmlformats.org/presentationml/2006/main">
+  <p:cSld>
+    <p:spTree>
+      <p:nvGrpSpPr>
+        <p:cNvPr id="1" name=""/>
+        <p:cNvGrpSpPr/>
+        <p:nvPr/>
+      </p:nvGrpSpPr>
+      <p:grpSpPr>
+        <a:xfrm>
+          <a:off x="0" y="0"/>
+          <a:ext cx="0" cy="0"/>
+          <a:chOff x="0" y="0"/>
+          <a:chExt cx="0" cy="0"/>
+        </a:xfrm>
+      </p:grpSpPr>
+      <p:sp>
+        <p:nvSpPr>
+          <p:cNvPr id="2" name="标题 1"/>
+          <p:cNvSpPr>
+            <a:spLocks noGrp="1"/>
+          </p:cNvSpPr>
+          <p:nvPr>
+            <p:ph type="title"/>
+          </p:nvPr>
+        </p:nvSpPr>
+        <p:spPr/>
+        <p:txBody>
+          <a:bodyPr/>
+          <a:lstStyle/>
+          <a:p>
+            <a:r>
+              <a:rPr lang="zh-CN" altLang="en-US" dirty="0" smtClean="0"/>
+              <a:t>多元</a:t>
+            </a:r>
+            <a:r>
+              <a:rPr lang="en-US" altLang="zh-CN" dirty="0" smtClean="0"/>
+              <a:t>/</a:t>
+            </a:r>
+            <a:r>
+              <a:rPr lang="zh-CN" altLang="en-US" dirty="0" smtClean="0"/>
+              <a:t>非线性回归</a:t>
+            </a:r>
+            <a:endParaRPr lang="zh-CN" altLang="en-US" dirty="0"/>
+          </a:p>
+        </p:txBody>
+      </p:sp>
+      <p:sp>
+        <p:nvSpPr>
+          <p:cNvPr id="3" name="内容占位符 2"/>
+          <p:cNvSpPr>
+            <a:spLocks noGrp="1"/>
+          </p:cNvSpPr>
+          <p:nvPr>
+            <p:ph idx="1"/>
+          </p:nvPr>
+        </p:nvSpPr>
+        <p:spPr/>
+        <p:txBody>
+          <a:bodyPr/>
+          <a:lstStyle/>
+          <a:p>
+            <a:endParaRPr lang="zh-CN" altLang="en-US"/>
+          </a:p>
+        </p:txBody>
+      </p:sp>
+    </p:spTree>
+    <p:extLst>
+      <p:ext uri="{BB962C8B-B14F-4D97-AF65-F5344CB8AC3E}">
+        <p14:creationId xmlns:p14="http://schemas.microsoft.com/office/powerpoint/2010/main" val="2204234421"/>
       </p:ext>
     </p:extLst>
   </p:cSld>

--- a/实验-7-预测.pptx
+++ b/实验-7-预测.pptx
@@ -16,7 +16,11 @@
     <p:sldId id="259" r:id="rId10"/>
     <p:sldId id="261" r:id="rId11"/>
     <p:sldId id="264" r:id="rId12"/>
-    <p:sldId id="266" r:id="rId13"/>
+    <p:sldId id="271" r:id="rId13"/>
+    <p:sldId id="266" r:id="rId14"/>
+    <p:sldId id="270" r:id="rId15"/>
+    <p:sldId id="272" r:id="rId16"/>
+    <p:sldId id="273" r:id="rId17"/>
   </p:sldIdLst>
   <p:sldSz cx="12192000" cy="6858000"/>
   <p:notesSz cx="6858000" cy="9144000"/>
@@ -349,7 +353,7 @@
           <a:p>
             <a:fld id="{22B5609F-EBEC-463B-AA32-A5BE38243DB0}" type="datetimeFigureOut">
               <a:rPr lang="zh-CN" altLang="en-US" smtClean="0"/>
-              <a:t>2017/11/28</a:t>
+              <a:t>2017/11/29</a:t>
             </a:fld>
             <a:endParaRPr lang="zh-CN" altLang="en-US"/>
           </a:p>
@@ -557,7 +561,7 @@
           <a:p>
             <a:fld id="{22B5609F-EBEC-463B-AA32-A5BE38243DB0}" type="datetimeFigureOut">
               <a:rPr lang="zh-CN" altLang="en-US" smtClean="0"/>
-              <a:t>2017/11/28</a:t>
+              <a:t>2017/11/29</a:t>
             </a:fld>
             <a:endParaRPr lang="zh-CN" altLang="en-US"/>
           </a:p>
@@ -813,7 +817,7 @@
           <a:p>
             <a:fld id="{22B5609F-EBEC-463B-AA32-A5BE38243DB0}" type="datetimeFigureOut">
               <a:rPr lang="zh-CN" altLang="en-US" smtClean="0"/>
-              <a:t>2017/11/28</a:t>
+              <a:t>2017/11/29</a:t>
             </a:fld>
             <a:endParaRPr lang="zh-CN" altLang="en-US"/>
           </a:p>
@@ -1012,7 +1016,7 @@
           <a:p>
             <a:fld id="{22B5609F-EBEC-463B-AA32-A5BE38243DB0}" type="datetimeFigureOut">
               <a:rPr lang="zh-CN" altLang="en-US" smtClean="0"/>
-              <a:t>2017/11/28</a:t>
+              <a:t>2017/11/29</a:t>
             </a:fld>
             <a:endParaRPr lang="zh-CN" altLang="en-US"/>
           </a:p>
@@ -1354,7 +1358,7 @@
           <a:p>
             <a:fld id="{22B5609F-EBEC-463B-AA32-A5BE38243DB0}" type="datetimeFigureOut">
               <a:rPr lang="zh-CN" altLang="en-US" smtClean="0"/>
-              <a:t>2017/11/28</a:t>
+              <a:t>2017/11/29</a:t>
             </a:fld>
             <a:endParaRPr lang="zh-CN" altLang="en-US"/>
           </a:p>
@@ -1629,7 +1633,7 @@
           <a:p>
             <a:fld id="{22B5609F-EBEC-463B-AA32-A5BE38243DB0}" type="datetimeFigureOut">
               <a:rPr lang="zh-CN" altLang="en-US" smtClean="0"/>
-              <a:t>2017/11/28</a:t>
+              <a:t>2017/11/29</a:t>
             </a:fld>
             <a:endParaRPr lang="zh-CN" altLang="en-US"/>
           </a:p>
@@ -2008,7 +2012,7 @@
           <a:p>
             <a:fld id="{22B5609F-EBEC-463B-AA32-A5BE38243DB0}" type="datetimeFigureOut">
               <a:rPr lang="zh-CN" altLang="en-US" smtClean="0"/>
-              <a:t>2017/11/28</a:t>
+              <a:t>2017/11/29</a:t>
             </a:fld>
             <a:endParaRPr lang="zh-CN" altLang="en-US"/>
           </a:p>
@@ -2126,7 +2130,7 @@
           <a:p>
             <a:fld id="{22B5609F-EBEC-463B-AA32-A5BE38243DB0}" type="datetimeFigureOut">
               <a:rPr lang="zh-CN" altLang="en-US" smtClean="0"/>
-              <a:t>2017/11/28</a:t>
+              <a:t>2017/11/29</a:t>
             </a:fld>
             <a:endParaRPr lang="zh-CN" altLang="en-US"/>
           </a:p>
@@ -2297,7 +2301,7 @@
           <a:p>
             <a:fld id="{22B5609F-EBEC-463B-AA32-A5BE38243DB0}" type="datetimeFigureOut">
               <a:rPr lang="zh-CN" altLang="en-US" smtClean="0"/>
-              <a:t>2017/11/28</a:t>
+              <a:t>2017/11/29</a:t>
             </a:fld>
             <a:endParaRPr lang="zh-CN" altLang="en-US"/>
           </a:p>
@@ -2651,7 +2655,7 @@
           <a:p>
             <a:fld id="{22B5609F-EBEC-463B-AA32-A5BE38243DB0}" type="datetimeFigureOut">
               <a:rPr lang="zh-CN" altLang="en-US" smtClean="0"/>
-              <a:t>2017/11/28</a:t>
+              <a:t>2017/11/29</a:t>
             </a:fld>
             <a:endParaRPr lang="zh-CN" altLang="en-US"/>
           </a:p>
@@ -3033,7 +3037,7 @@
           <a:p>
             <a:fld id="{22B5609F-EBEC-463B-AA32-A5BE38243DB0}" type="datetimeFigureOut">
               <a:rPr lang="zh-CN" altLang="en-US" smtClean="0"/>
-              <a:t>2017/11/28</a:t>
+              <a:t>2017/11/29</a:t>
             </a:fld>
             <a:endParaRPr lang="zh-CN" altLang="en-US"/>
           </a:p>
@@ -3320,7 +3324,7 @@
           <a:p>
             <a:fld id="{22B5609F-EBEC-463B-AA32-A5BE38243DB0}" type="datetimeFigureOut">
               <a:rPr lang="zh-CN" altLang="en-US" smtClean="0"/>
-              <a:t>2017/11/28</a:t>
+              <a:t>2017/11/29</a:t>
             </a:fld>
             <a:endParaRPr lang="zh-CN" altLang="en-US"/>
           </a:p>
@@ -4073,7 +4077,7 @@
         </p:nvSpPr>
         <p:spPr bwMode="auto">
           <a:xfrm>
-            <a:off x="3739080" y="3232725"/>
+            <a:off x="1642651" y="4002159"/>
             <a:ext cx="3997889" cy="1107996"/>
           </a:xfrm>
           <a:prstGeom prst="rect">
@@ -4364,30 +4368,6 @@
           </a:p>
         </p:txBody>
       </p:sp>
-      <p:pic>
-        <p:nvPicPr>
-          <p:cNvPr id="5" name="图片 4"/>
-          <p:cNvPicPr>
-            <a:picLocks noChangeAspect="1"/>
-          </p:cNvPicPr>
-          <p:nvPr/>
-        </p:nvPicPr>
-        <p:blipFill>
-          <a:blip r:embed="rId2"/>
-          <a:stretch>
-            <a:fillRect/>
-          </a:stretch>
-        </p:blipFill>
-        <p:spPr>
-          <a:xfrm>
-            <a:off x="111442" y="4921048"/>
-            <a:ext cx="12030075" cy="1209675"/>
-          </a:xfrm>
-          <a:prstGeom prst="rect">
-            <a:avLst/>
-          </a:prstGeom>
-        </p:spPr>
-      </p:pic>
     </p:spTree>
     <p:extLst>
       <p:ext uri="{BB962C8B-B14F-4D97-AF65-F5344CB8AC3E}">
@@ -4433,7 +4413,11 @@
           <a:bodyPr/>
           <a:lstStyle/>
           <a:p>
-            <a:endParaRPr lang="zh-CN" altLang="en-US"/>
+            <a:r>
+              <a:rPr lang="zh-CN" altLang="en-US" dirty="0" smtClean="0"/>
+              <a:t>生成时间序列</a:t>
+            </a:r>
+            <a:endParaRPr lang="zh-CN" altLang="en-US" dirty="0"/>
           </a:p>
         </p:txBody>
       </p:sp>
@@ -4452,7 +4436,34 @@
           <a:bodyPr/>
           <a:lstStyle/>
           <a:p>
-            <a:endParaRPr lang="zh-CN" altLang="en-US"/>
+            <a:r>
+              <a:rPr lang="en-US" altLang="zh-CN" dirty="0" err="1" smtClean="0"/>
+              <a:t>ts</a:t>
+            </a:r>
+            <a:r>
+              <a:rPr lang="zh-CN" altLang="en-US" dirty="0" smtClean="0"/>
+              <a:t>中的参数含义： </a:t>
+            </a:r>
+            <a:r>
+              <a:rPr lang="en-US" altLang="zh-CN" dirty="0" smtClean="0"/>
+              <a:t>frequency=</a:t>
+            </a:r>
+          </a:p>
+          <a:p>
+            <a:endParaRPr lang="en-US" altLang="zh-CN" dirty="0"/>
+          </a:p>
+          <a:p>
+            <a:endParaRPr lang="en-US" altLang="zh-CN" dirty="0" smtClean="0"/>
+          </a:p>
+          <a:p>
+            <a:endParaRPr lang="en-US" altLang="zh-CN" dirty="0"/>
+          </a:p>
+          <a:p>
+            <a:r>
+              <a:rPr lang="zh-CN" altLang="en-US" dirty="0" smtClean="0"/>
+              <a:t>截取数据段</a:t>
+            </a:r>
+            <a:endParaRPr lang="zh-CN" altLang="en-US" dirty="0"/>
           </a:p>
         </p:txBody>
       </p:sp>
@@ -4479,7 +4490,7 @@
         </p:blipFill>
         <p:spPr bwMode="auto">
           <a:xfrm>
-            <a:off x="4058908" y="2759436"/>
+            <a:off x="4505325" y="4162424"/>
             <a:ext cx="7686675" cy="2695576"/>
           </a:xfrm>
           <a:prstGeom prst="rect">
@@ -4497,6 +4508,126 @@
           </a:extLst>
         </p:spPr>
       </p:pic>
+      <p:pic>
+        <p:nvPicPr>
+          <p:cNvPr id="5" name="图片 4"/>
+          <p:cNvPicPr>
+            <a:picLocks noChangeAspect="1"/>
+          </p:cNvPicPr>
+          <p:nvPr/>
+        </p:nvPicPr>
+        <p:blipFill>
+          <a:blip r:embed="rId3"/>
+          <a:stretch>
+            <a:fillRect/>
+          </a:stretch>
+        </p:blipFill>
+        <p:spPr>
+          <a:xfrm>
+            <a:off x="60960" y="2345055"/>
+            <a:ext cx="12030075" cy="1209675"/>
+          </a:xfrm>
+          <a:prstGeom prst="rect">
+            <a:avLst/>
+          </a:prstGeom>
+        </p:spPr>
+      </p:pic>
+      <p:sp>
+        <p:nvSpPr>
+          <p:cNvPr id="4" name="Rectangle 1"/>
+          <p:cNvSpPr>
+            <a:spLocks noChangeArrowheads="1"/>
+          </p:cNvSpPr>
+          <p:nvPr/>
+        </p:nvSpPr>
+        <p:spPr bwMode="auto">
+          <a:xfrm>
+            <a:off x="941819" y="4261973"/>
+            <a:ext cx="3718967" cy="184666"/>
+          </a:xfrm>
+          <a:prstGeom prst="rect">
+            <a:avLst/>
+          </a:prstGeom>
+          <a:solidFill>
+            <a:srgbClr val="FFFFFF"/>
+          </a:solidFill>
+          <a:ln>
+            <a:noFill/>
+          </a:ln>
+          <a:effectLst/>
+          <a:extLst>
+            <a:ext uri="{91240B29-F687-4F45-9708-019B960494DF}">
+              <a14:hiddenLine xmlns:a14="http://schemas.microsoft.com/office/drawing/2010/main" w="9525">
+                <a:solidFill>
+                  <a:schemeClr val="tx1"/>
+                </a:solidFill>
+                <a:miter lim="800000"/>
+                <a:headEnd/>
+                <a:tailEnd/>
+              </a14:hiddenLine>
+            </a:ext>
+            <a:ext uri="{AF507438-7753-43E0-B8FC-AC1667EBCBE1}">
+              <a14:hiddenEffects xmlns:a14="http://schemas.microsoft.com/office/drawing/2010/main">
+                <a:effectLst>
+                  <a:outerShdw dist="35921" dir="2700000" algn="ctr" rotWithShape="0">
+                    <a:schemeClr val="bg2"/>
+                  </a:outerShdw>
+                </a:effectLst>
+              </a14:hiddenEffects>
+            </a:ext>
+          </a:extLst>
+        </p:spPr>
+        <p:txBody>
+          <a:bodyPr vert="horz" wrap="none" lIns="0" tIns="0" rIns="0" bIns="0" numCol="1" anchor="ctr" anchorCtr="0" compatLnSpc="1">
+            <a:prstTxWarp prst="textNoShape">
+              <a:avLst/>
+            </a:prstTxWarp>
+            <a:spAutoFit/>
+          </a:bodyPr>
+          <a:lstStyle/>
+          <a:p>
+            <a:pPr marL="0" marR="0" lvl="0" indent="0" algn="l" defTabSz="914400" rtl="0" eaLnBrk="0" fontAlgn="base" latinLnBrk="0" hangingPunct="0">
+              <a:lnSpc>
+                <a:spcPct val="100000"/>
+              </a:lnSpc>
+              <a:spcBef>
+                <a:spcPct val="0"/>
+              </a:spcBef>
+              <a:spcAft>
+                <a:spcPct val="0"/>
+              </a:spcAft>
+              <a:buClrTx/>
+              <a:buSzTx/>
+              <a:buFontTx/>
+              <a:buNone/>
+              <a:tabLst/>
+            </a:pPr>
+            <a:r>
+              <a:rPr kumimoji="0" lang="zh-CN" altLang="zh-CN" sz="1200" b="0" i="0" u="none" strike="noStrike" cap="none" normalizeH="0" baseline="0" dirty="0" smtClean="0">
+                <a:ln>
+                  <a:noFill/>
+                </a:ln>
+                <a:solidFill>
+                  <a:srgbClr val="0000FF"/>
+                </a:solidFill>
+                <a:effectLst/>
+                <a:latin typeface="Lucida Console" panose="020B0609040504020204" pitchFamily="49" charset="0"/>
+              </a:rPr>
+              <a:t>&gt; y1&lt;-window(y,start=2001,end=c(2006,4))</a:t>
+            </a:r>
+            <a:endParaRPr kumimoji="0" lang="zh-CN" altLang="zh-CN" sz="2800" b="0" i="0" u="none" strike="noStrike" cap="none" normalizeH="0" baseline="0" dirty="0" smtClean="0">
+              <a:ln>
+                <a:noFill/>
+              </a:ln>
+              <a:solidFill>
+                <a:schemeClr val="tx1"/>
+              </a:solidFill>
+              <a:effectLst/>
+              <a:latin typeface="Arial" panose="020B0604020202020204" pitchFamily="34" charset="0"/>
+            </a:endParaRPr>
+          </a:p>
+        </p:txBody>
+      </p:sp>
     </p:spTree>
     <p:extLst>
       <p:ext uri="{BB962C8B-B14F-4D97-AF65-F5344CB8AC3E}">
@@ -4544,7 +4675,7 @@
           <a:p>
             <a:r>
               <a:rPr lang="zh-CN" altLang="en-US" dirty="0" smtClean="0"/>
-              <a:t>几种时间序列模型</a:t>
+              <a:t>时间序列作图</a:t>
             </a:r>
             <a:endParaRPr lang="zh-CN" altLang="en-US" dirty="0"/>
           </a:p>
@@ -4565,7 +4696,965 @@
           <a:bodyPr/>
           <a:lstStyle/>
           <a:p>
-            <a:endParaRPr lang="zh-CN" altLang="en-US"/>
+            <a:r>
+              <a:rPr lang="zh-CN" altLang="en-US" dirty="0" smtClean="0"/>
+              <a:t>基础作图函数</a:t>
+            </a:r>
+            <a:endParaRPr lang="en-US" altLang="zh-CN" dirty="0" smtClean="0"/>
+          </a:p>
+          <a:p>
+            <a:endParaRPr lang="en-US" altLang="zh-CN" dirty="0"/>
+          </a:p>
+          <a:p>
+            <a:r>
+              <a:rPr lang="en-US" altLang="zh-CN" dirty="0" smtClean="0"/>
+              <a:t>ggplot2</a:t>
+            </a:r>
+            <a:r>
+              <a:rPr lang="zh-CN" altLang="en-US" dirty="0" smtClean="0"/>
+              <a:t>自动作图</a:t>
+            </a:r>
+            <a:endParaRPr lang="en-US" altLang="zh-CN" dirty="0" smtClean="0"/>
+          </a:p>
+          <a:p>
+            <a:endParaRPr lang="zh-CN" altLang="en-US" dirty="0"/>
+          </a:p>
+        </p:txBody>
+      </p:sp>
+      <p:sp>
+        <p:nvSpPr>
+          <p:cNvPr id="4" name="Rectangle 1"/>
+          <p:cNvSpPr>
+            <a:spLocks noChangeArrowheads="1"/>
+          </p:cNvSpPr>
+          <p:nvPr/>
+        </p:nvSpPr>
+        <p:spPr bwMode="auto">
+          <a:xfrm>
+            <a:off x="1315844" y="2344208"/>
+            <a:ext cx="1394613" cy="184666"/>
+          </a:xfrm>
+          <a:prstGeom prst="rect">
+            <a:avLst/>
+          </a:prstGeom>
+          <a:solidFill>
+            <a:srgbClr val="FFFFFF"/>
+          </a:solidFill>
+          <a:ln>
+            <a:noFill/>
+          </a:ln>
+          <a:effectLst/>
+          <a:extLst>
+            <a:ext uri="{91240B29-F687-4F45-9708-019B960494DF}">
+              <a14:hiddenLine xmlns:a14="http://schemas.microsoft.com/office/drawing/2010/main" w="9525">
+                <a:solidFill>
+                  <a:schemeClr val="tx1"/>
+                </a:solidFill>
+                <a:miter lim="800000"/>
+                <a:headEnd/>
+                <a:tailEnd/>
+              </a14:hiddenLine>
+            </a:ext>
+            <a:ext uri="{AF507438-7753-43E0-B8FC-AC1667EBCBE1}">
+              <a14:hiddenEffects xmlns:a14="http://schemas.microsoft.com/office/drawing/2010/main">
+                <a:effectLst>
+                  <a:outerShdw dist="35921" dir="2700000" algn="ctr" rotWithShape="0">
+                    <a:schemeClr val="bg2"/>
+                  </a:outerShdw>
+                </a:effectLst>
+              </a14:hiddenEffects>
+            </a:ext>
+          </a:extLst>
+        </p:spPr>
+        <p:txBody>
+          <a:bodyPr vert="horz" wrap="none" lIns="0" tIns="0" rIns="0" bIns="0" numCol="1" anchor="ctr" anchorCtr="0" compatLnSpc="1">
+            <a:prstTxWarp prst="textNoShape">
+              <a:avLst/>
+            </a:prstTxWarp>
+            <a:spAutoFit/>
+          </a:bodyPr>
+          <a:lstStyle/>
+          <a:p>
+            <a:pPr marL="0" marR="0" lvl="0" indent="0" algn="l" defTabSz="914400" rtl="0" eaLnBrk="0" fontAlgn="base" latinLnBrk="0" hangingPunct="0">
+              <a:lnSpc>
+                <a:spcPct val="100000"/>
+              </a:lnSpc>
+              <a:spcBef>
+                <a:spcPct val="0"/>
+              </a:spcBef>
+              <a:spcAft>
+                <a:spcPct val="0"/>
+              </a:spcAft>
+              <a:buClrTx/>
+              <a:buSzTx/>
+              <a:buFontTx/>
+              <a:buNone/>
+              <a:tabLst/>
+            </a:pPr>
+            <a:r>
+              <a:rPr kumimoji="0" lang="zh-CN" altLang="zh-CN" sz="1200" b="0" i="0" u="none" strike="noStrike" cap="none" normalizeH="0" baseline="0" dirty="0" smtClean="0">
+                <a:ln>
+                  <a:noFill/>
+                </a:ln>
+                <a:solidFill>
+                  <a:srgbClr val="0000FF"/>
+                </a:solidFill>
+                <a:effectLst/>
+                <a:latin typeface="Lucida Console" panose="020B0609040504020204" pitchFamily="49" charset="0"/>
+              </a:rPr>
+              <a:t>&gt; plot(ausbeer)</a:t>
+            </a:r>
+            <a:endParaRPr kumimoji="0" lang="zh-CN" altLang="zh-CN" sz="2800" b="0" i="0" u="none" strike="noStrike" cap="none" normalizeH="0" baseline="0" dirty="0" smtClean="0">
+              <a:ln>
+                <a:noFill/>
+              </a:ln>
+              <a:solidFill>
+                <a:schemeClr val="tx1"/>
+              </a:solidFill>
+              <a:effectLst/>
+              <a:latin typeface="Arial" panose="020B0604020202020204" pitchFamily="34" charset="0"/>
+            </a:endParaRPr>
+          </a:p>
+        </p:txBody>
+      </p:sp>
+      <p:sp>
+        <p:nvSpPr>
+          <p:cNvPr id="5" name="Rectangle 2"/>
+          <p:cNvSpPr>
+            <a:spLocks noChangeArrowheads="1"/>
+          </p:cNvSpPr>
+          <p:nvPr/>
+        </p:nvSpPr>
+        <p:spPr bwMode="auto">
+          <a:xfrm>
+            <a:off x="1315844" y="3315137"/>
+            <a:ext cx="1766509" cy="184666"/>
+          </a:xfrm>
+          <a:prstGeom prst="rect">
+            <a:avLst/>
+          </a:prstGeom>
+          <a:solidFill>
+            <a:srgbClr val="FFFFFF"/>
+          </a:solidFill>
+          <a:ln>
+            <a:noFill/>
+          </a:ln>
+          <a:effectLst/>
+          <a:extLst>
+            <a:ext uri="{91240B29-F687-4F45-9708-019B960494DF}">
+              <a14:hiddenLine xmlns:a14="http://schemas.microsoft.com/office/drawing/2010/main" w="9525">
+                <a:solidFill>
+                  <a:schemeClr val="tx1"/>
+                </a:solidFill>
+                <a:miter lim="800000"/>
+                <a:headEnd/>
+                <a:tailEnd/>
+              </a14:hiddenLine>
+            </a:ext>
+            <a:ext uri="{AF507438-7753-43E0-B8FC-AC1667EBCBE1}">
+              <a14:hiddenEffects xmlns:a14="http://schemas.microsoft.com/office/drawing/2010/main">
+                <a:effectLst>
+                  <a:outerShdw dist="35921" dir="2700000" algn="ctr" rotWithShape="0">
+                    <a:schemeClr val="bg2"/>
+                  </a:outerShdw>
+                </a:effectLst>
+              </a14:hiddenEffects>
+            </a:ext>
+          </a:extLst>
+        </p:spPr>
+        <p:txBody>
+          <a:bodyPr vert="horz" wrap="none" lIns="0" tIns="0" rIns="0" bIns="0" numCol="1" anchor="ctr" anchorCtr="0" compatLnSpc="1">
+            <a:prstTxWarp prst="textNoShape">
+              <a:avLst/>
+            </a:prstTxWarp>
+            <a:spAutoFit/>
+          </a:bodyPr>
+          <a:lstStyle/>
+          <a:p>
+            <a:pPr marL="0" marR="0" lvl="0" indent="0" algn="l" defTabSz="914400" rtl="0" eaLnBrk="0" fontAlgn="base" latinLnBrk="0" hangingPunct="0">
+              <a:lnSpc>
+                <a:spcPct val="100000"/>
+              </a:lnSpc>
+              <a:spcBef>
+                <a:spcPct val="0"/>
+              </a:spcBef>
+              <a:spcAft>
+                <a:spcPct val="0"/>
+              </a:spcAft>
+              <a:buClrTx/>
+              <a:buSzTx/>
+              <a:buFontTx/>
+              <a:buNone/>
+              <a:tabLst/>
+            </a:pPr>
+            <a:r>
+              <a:rPr kumimoji="0" lang="zh-CN" altLang="zh-CN" sz="1200" b="0" i="0" u="none" strike="noStrike" cap="none" normalizeH="0" baseline="0" smtClean="0">
+                <a:ln>
+                  <a:noFill/>
+                </a:ln>
+                <a:solidFill>
+                  <a:srgbClr val="0000FF"/>
+                </a:solidFill>
+                <a:effectLst/>
+                <a:latin typeface="Lucida Console" panose="020B0609040504020204" pitchFamily="49" charset="0"/>
+              </a:rPr>
+              <a:t>&gt; autoplot(ausbeer)</a:t>
+            </a:r>
+            <a:endParaRPr kumimoji="0" lang="zh-CN" altLang="zh-CN" sz="2800" b="0" i="0" u="none" strike="noStrike" cap="none" normalizeH="0" baseline="0" smtClean="0">
+              <a:ln>
+                <a:noFill/>
+              </a:ln>
+              <a:solidFill>
+                <a:schemeClr val="tx1"/>
+              </a:solidFill>
+              <a:effectLst/>
+              <a:latin typeface="Arial" panose="020B0604020202020204" pitchFamily="34" charset="0"/>
+            </a:endParaRPr>
+          </a:p>
+        </p:txBody>
+      </p:sp>
+    </p:spTree>
+    <p:extLst>
+      <p:ext uri="{BB962C8B-B14F-4D97-AF65-F5344CB8AC3E}">
+        <p14:creationId xmlns:p14="http://schemas.microsoft.com/office/powerpoint/2010/main" val="2002959875"/>
+      </p:ext>
+    </p:extLst>
+  </p:cSld>
+  <p:clrMapOvr>
+    <a:masterClrMapping/>
+  </p:clrMapOvr>
+</p:sld>
+</file>
+
+<file path=ppt/slides/slide13.xml><?xml version="1.0" encoding="utf-8"?>
+<p:sld xmlns:a="http://schemas.openxmlformats.org/drawingml/2006/main" xmlns:r="http://schemas.openxmlformats.org/officeDocument/2006/relationships" xmlns:p="http://schemas.openxmlformats.org/presentationml/2006/main">
+  <p:cSld>
+    <p:spTree>
+      <p:nvGrpSpPr>
+        <p:cNvPr id="1" name=""/>
+        <p:cNvGrpSpPr/>
+        <p:nvPr/>
+      </p:nvGrpSpPr>
+      <p:grpSpPr>
+        <a:xfrm>
+          <a:off x="0" y="0"/>
+          <a:ext cx="0" cy="0"/>
+          <a:chOff x="0" y="0"/>
+          <a:chExt cx="0" cy="0"/>
+        </a:xfrm>
+      </p:grpSpPr>
+      <p:sp>
+        <p:nvSpPr>
+          <p:cNvPr id="2" name="标题 1"/>
+          <p:cNvSpPr>
+            <a:spLocks noGrp="1"/>
+          </p:cNvSpPr>
+          <p:nvPr>
+            <p:ph type="title"/>
+          </p:nvPr>
+        </p:nvSpPr>
+        <p:spPr/>
+        <p:txBody>
+          <a:bodyPr>
+            <a:normAutofit/>
+          </a:bodyPr>
+          <a:lstStyle/>
+          <a:p>
+            <a:r>
+              <a:rPr lang="zh-CN" altLang="en-US" sz="4000" dirty="0" smtClean="0"/>
+              <a:t>几种时间序列模型</a:t>
+            </a:r>
+            <a:endParaRPr lang="zh-CN" altLang="en-US" sz="4000" dirty="0"/>
+          </a:p>
+        </p:txBody>
+      </p:sp>
+      <p:sp>
+        <p:nvSpPr>
+          <p:cNvPr id="3" name="内容占位符 2"/>
+          <p:cNvSpPr>
+            <a:spLocks noGrp="1"/>
+          </p:cNvSpPr>
+          <p:nvPr>
+            <p:ph idx="1"/>
+          </p:nvPr>
+        </p:nvSpPr>
+        <p:spPr>
+          <a:xfrm>
+            <a:off x="1097280" y="1845734"/>
+            <a:ext cx="6329432" cy="4023360"/>
+          </a:xfrm>
+        </p:spPr>
+        <p:txBody>
+          <a:bodyPr/>
+          <a:lstStyle/>
+          <a:p>
+            <a:r>
+              <a:rPr lang="zh-CN" altLang="en-US" dirty="0" smtClean="0"/>
+              <a:t>移动平均法：无明显趋势的数据</a:t>
+            </a:r>
+            <a:endParaRPr lang="en-US" altLang="zh-CN" dirty="0" smtClean="0"/>
+          </a:p>
+          <a:p>
+            <a:endParaRPr lang="en-US" altLang="zh-CN" dirty="0"/>
+          </a:p>
+          <a:p>
+            <a:r>
+              <a:rPr lang="zh-CN" altLang="en-US" dirty="0" smtClean="0"/>
+              <a:t>简单外推法</a:t>
+            </a:r>
+            <a:endParaRPr lang="en-US" altLang="zh-CN" dirty="0" smtClean="0"/>
+          </a:p>
+          <a:p>
+            <a:endParaRPr lang="en-US" altLang="zh-CN" dirty="0" smtClean="0"/>
+          </a:p>
+          <a:p>
+            <a:r>
+              <a:rPr lang="zh-CN" altLang="en-US" dirty="0" smtClean="0"/>
+              <a:t>季节指数法：具有强烈季节性的数据</a:t>
+            </a:r>
+            <a:endParaRPr lang="en-US" altLang="zh-CN" dirty="0" smtClean="0"/>
+          </a:p>
+          <a:p>
+            <a:endParaRPr lang="en-US" altLang="zh-CN" dirty="0" smtClean="0"/>
+          </a:p>
+          <a:p>
+            <a:r>
+              <a:rPr lang="zh-CN" altLang="en-US" dirty="0" smtClean="0"/>
+              <a:t>加入趋势漂移</a:t>
+            </a:r>
+            <a:endParaRPr lang="en-US" altLang="zh-CN" dirty="0" smtClean="0"/>
+          </a:p>
+          <a:p>
+            <a:endParaRPr lang="en-US" altLang="zh-CN" dirty="0"/>
+          </a:p>
+          <a:p>
+            <a:r>
+              <a:rPr lang="zh-CN" altLang="en-US" dirty="0"/>
+              <a:t>自</a:t>
+            </a:r>
+            <a:r>
+              <a:rPr lang="zh-CN" altLang="en-US" dirty="0" smtClean="0"/>
+              <a:t>适应选取预测模型</a:t>
+            </a:r>
+            <a:endParaRPr lang="en-US" altLang="zh-CN" dirty="0" smtClean="0"/>
+          </a:p>
+          <a:p>
+            <a:endParaRPr lang="en-US" altLang="zh-CN" dirty="0" smtClean="0"/>
+          </a:p>
+        </p:txBody>
+      </p:sp>
+      <p:sp>
+        <p:nvSpPr>
+          <p:cNvPr id="4" name="Rectangle 1"/>
+          <p:cNvSpPr>
+            <a:spLocks noChangeArrowheads="1"/>
+          </p:cNvSpPr>
+          <p:nvPr/>
+        </p:nvSpPr>
+        <p:spPr bwMode="auto">
+          <a:xfrm>
+            <a:off x="1405764" y="2145538"/>
+            <a:ext cx="1635063" cy="553998"/>
+          </a:xfrm>
+          <a:prstGeom prst="rect">
+            <a:avLst/>
+          </a:prstGeom>
+          <a:solidFill>
+            <a:srgbClr val="FFFFFF"/>
+          </a:solidFill>
+          <a:ln>
+            <a:noFill/>
+          </a:ln>
+          <a:effectLst/>
+          <a:extLst>
+            <a:ext uri="{91240B29-F687-4F45-9708-019B960494DF}">
+              <a14:hiddenLine xmlns:a14="http://schemas.microsoft.com/office/drawing/2010/main" w="9525">
+                <a:solidFill>
+                  <a:schemeClr val="tx1"/>
+                </a:solidFill>
+                <a:miter lim="800000"/>
+                <a:headEnd/>
+                <a:tailEnd/>
+              </a14:hiddenLine>
+            </a:ext>
+            <a:ext uri="{AF507438-7753-43E0-B8FC-AC1667EBCBE1}">
+              <a14:hiddenEffects xmlns:a14="http://schemas.microsoft.com/office/drawing/2010/main">
+                <a:effectLst>
+                  <a:outerShdw dist="35921" dir="2700000" algn="ctr" rotWithShape="0">
+                    <a:schemeClr val="bg2"/>
+                  </a:outerShdw>
+                </a:effectLst>
+              </a14:hiddenEffects>
+            </a:ext>
+          </a:extLst>
+        </p:spPr>
+        <p:txBody>
+          <a:bodyPr vert="horz" wrap="none" lIns="0" tIns="0" rIns="0" bIns="0" numCol="1" anchor="ctr" anchorCtr="0" compatLnSpc="1">
+            <a:prstTxWarp prst="textNoShape">
+              <a:avLst/>
+            </a:prstTxWarp>
+            <a:spAutoFit/>
+          </a:bodyPr>
+          <a:lstStyle/>
+          <a:p>
+            <a:pPr marL="0" marR="0" lvl="0" indent="0" algn="l" defTabSz="914400" rtl="0" eaLnBrk="0" fontAlgn="base" latinLnBrk="0" hangingPunct="0">
+              <a:lnSpc>
+                <a:spcPct val="100000"/>
+              </a:lnSpc>
+              <a:spcBef>
+                <a:spcPct val="0"/>
+              </a:spcBef>
+              <a:spcAft>
+                <a:spcPct val="0"/>
+              </a:spcAft>
+              <a:buClrTx/>
+              <a:buSzTx/>
+              <a:buFontTx/>
+              <a:buNone/>
+              <a:tabLst/>
+            </a:pPr>
+            <a:r>
+              <a:rPr kumimoji="0" lang="zh-CN" altLang="zh-CN" sz="1200" b="0" i="0" u="none" strike="noStrike" cap="none" normalizeH="0" baseline="0" dirty="0" smtClean="0">
+                <a:ln>
+                  <a:noFill/>
+                </a:ln>
+                <a:solidFill>
+                  <a:srgbClr val="0000FF"/>
+                </a:solidFill>
+                <a:effectLst/>
+                <a:latin typeface="Lucida Console" panose="020B0609040504020204" pitchFamily="49" charset="0"/>
+              </a:rPr>
+              <a:t>meanf(y,10)</a:t>
+            </a:r>
+            <a:endParaRPr kumimoji="0" lang="en-US" altLang="zh-CN" sz="1200" b="0" i="0" u="none" strike="noStrike" cap="none" normalizeH="0" baseline="0" dirty="0" smtClean="0">
+              <a:ln>
+                <a:noFill/>
+              </a:ln>
+              <a:solidFill>
+                <a:srgbClr val="0000FF"/>
+              </a:solidFill>
+              <a:effectLst/>
+              <a:latin typeface="Lucida Console" panose="020B0609040504020204" pitchFamily="49" charset="0"/>
+            </a:endParaRPr>
+          </a:p>
+          <a:p>
+            <a:pPr marL="0" marR="0" lvl="0" indent="0" algn="l" defTabSz="914400" rtl="0" eaLnBrk="0" fontAlgn="base" latinLnBrk="0" hangingPunct="0">
+              <a:lnSpc>
+                <a:spcPct val="100000"/>
+              </a:lnSpc>
+              <a:spcBef>
+                <a:spcPct val="0"/>
+              </a:spcBef>
+              <a:spcAft>
+                <a:spcPct val="0"/>
+              </a:spcAft>
+              <a:buClrTx/>
+              <a:buSzTx/>
+              <a:buFontTx/>
+              <a:buNone/>
+              <a:tabLst/>
+            </a:pPr>
+            <a:r>
+              <a:rPr lang="en-US" altLang="zh-CN" sz="1200" dirty="0" smtClean="0">
+                <a:solidFill>
+                  <a:srgbClr val="0000FF"/>
+                </a:solidFill>
+                <a:latin typeface="Lucida Console" panose="020B0609040504020204" pitchFamily="49" charset="0"/>
+              </a:rPr>
+              <a:t># y</a:t>
+            </a:r>
+            <a:r>
+              <a:rPr lang="zh-CN" altLang="en-US" sz="1200" dirty="0" smtClean="0">
+                <a:solidFill>
+                  <a:srgbClr val="0000FF"/>
+                </a:solidFill>
+                <a:latin typeface="Lucida Console" panose="020B0609040504020204" pitchFamily="49" charset="0"/>
+              </a:rPr>
+              <a:t>包含原始数据</a:t>
+            </a:r>
+            <a:endParaRPr lang="en-US" altLang="zh-CN" sz="1200" dirty="0" smtClean="0">
+              <a:solidFill>
+                <a:srgbClr val="0000FF"/>
+              </a:solidFill>
+              <a:latin typeface="Lucida Console" panose="020B0609040504020204" pitchFamily="49" charset="0"/>
+            </a:endParaRPr>
+          </a:p>
+          <a:p>
+            <a:pPr marL="0" marR="0" lvl="0" indent="0" algn="l" defTabSz="914400" rtl="0" eaLnBrk="0" fontAlgn="base" latinLnBrk="0" hangingPunct="0">
+              <a:lnSpc>
+                <a:spcPct val="100000"/>
+              </a:lnSpc>
+              <a:spcBef>
+                <a:spcPct val="0"/>
+              </a:spcBef>
+              <a:spcAft>
+                <a:spcPct val="0"/>
+              </a:spcAft>
+              <a:buClrTx/>
+              <a:buSzTx/>
+              <a:buFontTx/>
+              <a:buNone/>
+              <a:tabLst/>
+            </a:pPr>
+            <a:r>
+              <a:rPr kumimoji="0" lang="en-US" altLang="zh-CN" sz="1200" b="0" i="0" u="none" strike="noStrike" cap="none" normalizeH="0" baseline="0" dirty="0" smtClean="0">
+                <a:ln>
+                  <a:noFill/>
+                </a:ln>
+                <a:solidFill>
+                  <a:srgbClr val="0000FF"/>
+                </a:solidFill>
+                <a:effectLst/>
+                <a:latin typeface="Lucida Console" panose="020B0609040504020204" pitchFamily="49" charset="0"/>
+              </a:rPr>
+              <a:t>#</a:t>
+            </a:r>
+            <a:r>
+              <a:rPr kumimoji="0" lang="en-US" altLang="zh-CN" sz="1200" b="0" i="0" u="none" strike="noStrike" cap="none" normalizeH="0" dirty="0" smtClean="0">
+                <a:ln>
+                  <a:noFill/>
+                </a:ln>
+                <a:solidFill>
+                  <a:srgbClr val="0000FF"/>
+                </a:solidFill>
+                <a:effectLst/>
+                <a:latin typeface="Lucida Console" panose="020B0609040504020204" pitchFamily="49" charset="0"/>
+              </a:rPr>
+              <a:t> 10</a:t>
+            </a:r>
+            <a:r>
+              <a:rPr kumimoji="0" lang="zh-CN" altLang="en-US" sz="1200" b="0" i="0" u="none" strike="noStrike" cap="none" normalizeH="0" dirty="0" smtClean="0">
+                <a:ln>
+                  <a:noFill/>
+                </a:ln>
+                <a:solidFill>
+                  <a:srgbClr val="0000FF"/>
+                </a:solidFill>
+                <a:effectLst/>
+                <a:latin typeface="Lucida Console" panose="020B0609040504020204" pitchFamily="49" charset="0"/>
+              </a:rPr>
+              <a:t>是指向后预测</a:t>
+            </a:r>
+            <a:r>
+              <a:rPr kumimoji="0" lang="en-US" altLang="zh-CN" sz="1200" b="0" i="0" u="none" strike="noStrike" cap="none" normalizeH="0" dirty="0" smtClean="0">
+                <a:ln>
+                  <a:noFill/>
+                </a:ln>
+                <a:solidFill>
+                  <a:srgbClr val="0000FF"/>
+                </a:solidFill>
+                <a:effectLst/>
+                <a:latin typeface="Lucida Console" panose="020B0609040504020204" pitchFamily="49" charset="0"/>
+              </a:rPr>
+              <a:t>10</a:t>
+            </a:r>
+            <a:r>
+              <a:rPr kumimoji="0" lang="zh-CN" altLang="en-US" sz="1200" b="0" i="0" u="none" strike="noStrike" cap="none" normalizeH="0" dirty="0" smtClean="0">
+                <a:ln>
+                  <a:noFill/>
+                </a:ln>
+                <a:solidFill>
+                  <a:srgbClr val="0000FF"/>
+                </a:solidFill>
+                <a:effectLst/>
+                <a:latin typeface="Lucida Console" panose="020B0609040504020204" pitchFamily="49" charset="0"/>
+              </a:rPr>
+              <a:t>期</a:t>
+            </a:r>
+            <a:endParaRPr kumimoji="0" lang="zh-CN" altLang="zh-CN" sz="2800" b="0" i="0" u="none" strike="noStrike" cap="none" normalizeH="0" baseline="0" dirty="0" smtClean="0">
+              <a:ln>
+                <a:noFill/>
+              </a:ln>
+              <a:solidFill>
+                <a:schemeClr val="tx1"/>
+              </a:solidFill>
+              <a:effectLst/>
+              <a:latin typeface="Arial" panose="020B0604020202020204" pitchFamily="34" charset="0"/>
+            </a:endParaRPr>
+          </a:p>
+        </p:txBody>
+      </p:sp>
+      <p:sp>
+        <p:nvSpPr>
+          <p:cNvPr id="5" name="Rectangle 2"/>
+          <p:cNvSpPr>
+            <a:spLocks noChangeArrowheads="1"/>
+          </p:cNvSpPr>
+          <p:nvPr/>
+        </p:nvSpPr>
+        <p:spPr bwMode="auto">
+          <a:xfrm>
+            <a:off x="1405764" y="4191982"/>
+            <a:ext cx="1208664" cy="184666"/>
+          </a:xfrm>
+          <a:prstGeom prst="rect">
+            <a:avLst/>
+          </a:prstGeom>
+          <a:solidFill>
+            <a:srgbClr val="FFFFFF"/>
+          </a:solidFill>
+          <a:ln>
+            <a:noFill/>
+          </a:ln>
+          <a:effectLst/>
+          <a:extLst>
+            <a:ext uri="{91240B29-F687-4F45-9708-019B960494DF}">
+              <a14:hiddenLine xmlns:a14="http://schemas.microsoft.com/office/drawing/2010/main" w="9525">
+                <a:solidFill>
+                  <a:schemeClr val="tx1"/>
+                </a:solidFill>
+                <a:miter lim="800000"/>
+                <a:headEnd/>
+                <a:tailEnd/>
+              </a14:hiddenLine>
+            </a:ext>
+            <a:ext uri="{AF507438-7753-43E0-B8FC-AC1667EBCBE1}">
+              <a14:hiddenEffects xmlns:a14="http://schemas.microsoft.com/office/drawing/2010/main">
+                <a:effectLst>
+                  <a:outerShdw dist="35921" dir="2700000" algn="ctr" rotWithShape="0">
+                    <a:schemeClr val="bg2"/>
+                  </a:outerShdw>
+                </a:effectLst>
+              </a14:hiddenEffects>
+            </a:ext>
+          </a:extLst>
+        </p:spPr>
+        <p:txBody>
+          <a:bodyPr vert="horz" wrap="none" lIns="0" tIns="0" rIns="0" bIns="0" numCol="1" anchor="ctr" anchorCtr="0" compatLnSpc="1">
+            <a:prstTxWarp prst="textNoShape">
+              <a:avLst/>
+            </a:prstTxWarp>
+            <a:spAutoFit/>
+          </a:bodyPr>
+          <a:lstStyle/>
+          <a:p>
+            <a:pPr marL="0" marR="0" lvl="0" indent="0" algn="l" defTabSz="914400" rtl="0" eaLnBrk="0" fontAlgn="base" latinLnBrk="0" hangingPunct="0">
+              <a:lnSpc>
+                <a:spcPct val="100000"/>
+              </a:lnSpc>
+              <a:spcBef>
+                <a:spcPct val="0"/>
+              </a:spcBef>
+              <a:spcAft>
+                <a:spcPct val="0"/>
+              </a:spcAft>
+              <a:buClrTx/>
+              <a:buSzTx/>
+              <a:buFontTx/>
+              <a:buNone/>
+              <a:tabLst/>
+            </a:pPr>
+            <a:r>
+              <a:rPr kumimoji="0" lang="zh-CN" altLang="zh-CN" sz="1200" b="0" i="0" u="none" strike="noStrike" cap="none" normalizeH="0" baseline="0" dirty="0" smtClean="0">
+                <a:ln>
+                  <a:noFill/>
+                </a:ln>
+                <a:solidFill>
+                  <a:srgbClr val="0000FF"/>
+                </a:solidFill>
+                <a:effectLst/>
+                <a:latin typeface="Lucida Console" panose="020B0609040504020204" pitchFamily="49" charset="0"/>
+              </a:rPr>
+              <a:t>snaive(y, 10)</a:t>
+            </a:r>
+            <a:endParaRPr kumimoji="0" lang="zh-CN" altLang="zh-CN" sz="2800" b="0" i="0" u="none" strike="noStrike" cap="none" normalizeH="0" baseline="0" dirty="0" smtClean="0">
+              <a:ln>
+                <a:noFill/>
+              </a:ln>
+              <a:solidFill>
+                <a:schemeClr val="tx1"/>
+              </a:solidFill>
+              <a:effectLst/>
+              <a:latin typeface="Arial" panose="020B0604020202020204" pitchFamily="34" charset="0"/>
+            </a:endParaRPr>
+          </a:p>
+        </p:txBody>
+      </p:sp>
+      <p:sp>
+        <p:nvSpPr>
+          <p:cNvPr id="6" name="Rectangle 3"/>
+          <p:cNvSpPr>
+            <a:spLocks noChangeArrowheads="1"/>
+          </p:cNvSpPr>
+          <p:nvPr/>
+        </p:nvSpPr>
+        <p:spPr bwMode="auto">
+          <a:xfrm>
+            <a:off x="1405764" y="3261093"/>
+            <a:ext cx="1022716" cy="184666"/>
+          </a:xfrm>
+          <a:prstGeom prst="rect">
+            <a:avLst/>
+          </a:prstGeom>
+          <a:solidFill>
+            <a:srgbClr val="FFFFFF"/>
+          </a:solidFill>
+          <a:ln>
+            <a:noFill/>
+          </a:ln>
+          <a:effectLst/>
+          <a:extLst>
+            <a:ext uri="{91240B29-F687-4F45-9708-019B960494DF}">
+              <a14:hiddenLine xmlns:a14="http://schemas.microsoft.com/office/drawing/2010/main" w="9525">
+                <a:solidFill>
+                  <a:schemeClr val="tx1"/>
+                </a:solidFill>
+                <a:miter lim="800000"/>
+                <a:headEnd/>
+                <a:tailEnd/>
+              </a14:hiddenLine>
+            </a:ext>
+            <a:ext uri="{AF507438-7753-43E0-B8FC-AC1667EBCBE1}">
+              <a14:hiddenEffects xmlns:a14="http://schemas.microsoft.com/office/drawing/2010/main">
+                <a:effectLst>
+                  <a:outerShdw dist="35921" dir="2700000" algn="ctr" rotWithShape="0">
+                    <a:schemeClr val="bg2"/>
+                  </a:outerShdw>
+                </a:effectLst>
+              </a14:hiddenEffects>
+            </a:ext>
+          </a:extLst>
+        </p:spPr>
+        <p:txBody>
+          <a:bodyPr vert="horz" wrap="none" lIns="0" tIns="0" rIns="0" bIns="0" numCol="1" anchor="ctr" anchorCtr="0" compatLnSpc="1">
+            <a:prstTxWarp prst="textNoShape">
+              <a:avLst/>
+            </a:prstTxWarp>
+            <a:spAutoFit/>
+          </a:bodyPr>
+          <a:lstStyle/>
+          <a:p>
+            <a:pPr marL="0" marR="0" lvl="0" indent="0" algn="l" defTabSz="914400" rtl="0" eaLnBrk="0" fontAlgn="base" latinLnBrk="0" hangingPunct="0">
+              <a:lnSpc>
+                <a:spcPct val="100000"/>
+              </a:lnSpc>
+              <a:spcBef>
+                <a:spcPct val="0"/>
+              </a:spcBef>
+              <a:spcAft>
+                <a:spcPct val="0"/>
+              </a:spcAft>
+              <a:buClrTx/>
+              <a:buSzTx/>
+              <a:buFontTx/>
+              <a:buNone/>
+              <a:tabLst/>
+            </a:pPr>
+            <a:r>
+              <a:rPr kumimoji="0" lang="zh-CN" altLang="zh-CN" sz="1200" b="0" i="0" u="none" strike="noStrike" cap="none" normalizeH="0" baseline="0" smtClean="0">
+                <a:ln>
+                  <a:noFill/>
+                </a:ln>
+                <a:solidFill>
+                  <a:srgbClr val="0000FF"/>
+                </a:solidFill>
+                <a:effectLst/>
+                <a:latin typeface="Lucida Console" panose="020B0609040504020204" pitchFamily="49" charset="0"/>
+              </a:rPr>
+              <a:t>naive(y,10)</a:t>
+            </a:r>
+            <a:endParaRPr kumimoji="0" lang="zh-CN" altLang="zh-CN" sz="2800" b="0" i="0" u="none" strike="noStrike" cap="none" normalizeH="0" baseline="0" smtClean="0">
+              <a:ln>
+                <a:noFill/>
+              </a:ln>
+              <a:solidFill>
+                <a:schemeClr val="tx1"/>
+              </a:solidFill>
+              <a:effectLst/>
+              <a:latin typeface="Arial" panose="020B0604020202020204" pitchFamily="34" charset="0"/>
+            </a:endParaRPr>
+          </a:p>
+        </p:txBody>
+      </p:sp>
+      <p:sp>
+        <p:nvSpPr>
+          <p:cNvPr id="8" name="Rectangle 4"/>
+          <p:cNvSpPr>
+            <a:spLocks noChangeArrowheads="1"/>
+          </p:cNvSpPr>
+          <p:nvPr/>
+        </p:nvSpPr>
+        <p:spPr bwMode="auto">
+          <a:xfrm>
+            <a:off x="1405764" y="5885135"/>
+            <a:ext cx="1301638" cy="184666"/>
+          </a:xfrm>
+          <a:prstGeom prst="rect">
+            <a:avLst/>
+          </a:prstGeom>
+          <a:solidFill>
+            <a:srgbClr val="FFFFFF"/>
+          </a:solidFill>
+          <a:ln>
+            <a:noFill/>
+          </a:ln>
+          <a:effectLst/>
+          <a:extLst>
+            <a:ext uri="{91240B29-F687-4F45-9708-019B960494DF}">
+              <a14:hiddenLine xmlns:a14="http://schemas.microsoft.com/office/drawing/2010/main" w="9525">
+                <a:solidFill>
+                  <a:schemeClr val="tx1"/>
+                </a:solidFill>
+                <a:miter lim="800000"/>
+                <a:headEnd/>
+                <a:tailEnd/>
+              </a14:hiddenLine>
+            </a:ext>
+            <a:ext uri="{AF507438-7753-43E0-B8FC-AC1667EBCBE1}">
+              <a14:hiddenEffects xmlns:a14="http://schemas.microsoft.com/office/drawing/2010/main">
+                <a:effectLst>
+                  <a:outerShdw dist="35921" dir="2700000" algn="ctr" rotWithShape="0">
+                    <a:schemeClr val="bg2"/>
+                  </a:outerShdw>
+                </a:effectLst>
+              </a14:hiddenEffects>
+            </a:ext>
+          </a:extLst>
+        </p:spPr>
+        <p:txBody>
+          <a:bodyPr vert="horz" wrap="none" lIns="0" tIns="0" rIns="0" bIns="0" numCol="1" anchor="ctr" anchorCtr="0" compatLnSpc="1">
+            <a:prstTxWarp prst="textNoShape">
+              <a:avLst/>
+            </a:prstTxWarp>
+            <a:spAutoFit/>
+          </a:bodyPr>
+          <a:lstStyle/>
+          <a:p>
+            <a:pPr marL="0" marR="0" lvl="0" indent="0" algn="l" defTabSz="914400" rtl="0" eaLnBrk="0" fontAlgn="base" latinLnBrk="0" hangingPunct="0">
+              <a:lnSpc>
+                <a:spcPct val="100000"/>
+              </a:lnSpc>
+              <a:spcBef>
+                <a:spcPct val="0"/>
+              </a:spcBef>
+              <a:spcAft>
+                <a:spcPct val="0"/>
+              </a:spcAft>
+              <a:buClrTx/>
+              <a:buSzTx/>
+              <a:buFontTx/>
+              <a:buNone/>
+              <a:tabLst/>
+            </a:pPr>
+            <a:r>
+              <a:rPr kumimoji="0" lang="zh-CN" altLang="zh-CN" sz="1200" b="0" i="0" u="none" strike="noStrike" cap="none" normalizeH="0" baseline="0" dirty="0" smtClean="0">
+                <a:ln>
+                  <a:noFill/>
+                </a:ln>
+                <a:solidFill>
+                  <a:srgbClr val="0000FF"/>
+                </a:solidFill>
+                <a:effectLst/>
+                <a:latin typeface="Lucida Console" panose="020B0609040504020204" pitchFamily="49" charset="0"/>
+              </a:rPr>
+              <a:t>forecast(y,10)</a:t>
+            </a:r>
+            <a:endParaRPr kumimoji="0" lang="zh-CN" altLang="zh-CN" sz="2800" b="0" i="0" u="none" strike="noStrike" cap="none" normalizeH="0" baseline="0" dirty="0" smtClean="0">
+              <a:ln>
+                <a:noFill/>
+              </a:ln>
+              <a:solidFill>
+                <a:schemeClr val="tx1"/>
+              </a:solidFill>
+              <a:effectLst/>
+              <a:latin typeface="Arial" panose="020B0604020202020204" pitchFamily="34" charset="0"/>
+            </a:endParaRPr>
+          </a:p>
+        </p:txBody>
+      </p:sp>
+      <p:sp>
+        <p:nvSpPr>
+          <p:cNvPr id="9" name="Rectangle 5"/>
+          <p:cNvSpPr>
+            <a:spLocks noChangeArrowheads="1"/>
+          </p:cNvSpPr>
+          <p:nvPr/>
+        </p:nvSpPr>
+        <p:spPr bwMode="auto">
+          <a:xfrm>
+            <a:off x="1405764" y="5030538"/>
+            <a:ext cx="2138406" cy="184666"/>
+          </a:xfrm>
+          <a:prstGeom prst="rect">
+            <a:avLst/>
+          </a:prstGeom>
+          <a:solidFill>
+            <a:srgbClr val="FFFFFF"/>
+          </a:solidFill>
+          <a:ln>
+            <a:noFill/>
+          </a:ln>
+          <a:effectLst/>
+          <a:extLst>
+            <a:ext uri="{91240B29-F687-4F45-9708-019B960494DF}">
+              <a14:hiddenLine xmlns:a14="http://schemas.microsoft.com/office/drawing/2010/main" w="9525">
+                <a:solidFill>
+                  <a:schemeClr val="tx1"/>
+                </a:solidFill>
+                <a:miter lim="800000"/>
+                <a:headEnd/>
+                <a:tailEnd/>
+              </a14:hiddenLine>
+            </a:ext>
+            <a:ext uri="{AF507438-7753-43E0-B8FC-AC1667EBCBE1}">
+              <a14:hiddenEffects xmlns:a14="http://schemas.microsoft.com/office/drawing/2010/main">
+                <a:effectLst>
+                  <a:outerShdw dist="35921" dir="2700000" algn="ctr" rotWithShape="0">
+                    <a:schemeClr val="bg2"/>
+                  </a:outerShdw>
+                </a:effectLst>
+              </a14:hiddenEffects>
+            </a:ext>
+          </a:extLst>
+        </p:spPr>
+        <p:txBody>
+          <a:bodyPr vert="horz" wrap="none" lIns="0" tIns="0" rIns="0" bIns="0" numCol="1" anchor="ctr" anchorCtr="0" compatLnSpc="1">
+            <a:prstTxWarp prst="textNoShape">
+              <a:avLst/>
+            </a:prstTxWarp>
+            <a:spAutoFit/>
+          </a:bodyPr>
+          <a:lstStyle/>
+          <a:p>
+            <a:pPr marL="0" marR="0" lvl="0" indent="0" algn="l" defTabSz="914400" rtl="0" eaLnBrk="0" fontAlgn="base" latinLnBrk="0" hangingPunct="0">
+              <a:lnSpc>
+                <a:spcPct val="100000"/>
+              </a:lnSpc>
+              <a:spcBef>
+                <a:spcPct val="0"/>
+              </a:spcBef>
+              <a:spcAft>
+                <a:spcPct val="0"/>
+              </a:spcAft>
+              <a:buClrTx/>
+              <a:buSzTx/>
+              <a:buFontTx/>
+              <a:buNone/>
+              <a:tabLst/>
+            </a:pPr>
+            <a:r>
+              <a:rPr kumimoji="0" lang="zh-CN" altLang="zh-CN" sz="1200" b="0" i="0" u="none" strike="noStrike" cap="none" normalizeH="0" baseline="0" smtClean="0">
+                <a:ln>
+                  <a:noFill/>
+                </a:ln>
+                <a:solidFill>
+                  <a:srgbClr val="0000FF"/>
+                </a:solidFill>
+                <a:effectLst/>
+                <a:latin typeface="Lucida Console" panose="020B0609040504020204" pitchFamily="49" charset="0"/>
+              </a:rPr>
+              <a:t>rwf(ausbeer,10,drift=T)</a:t>
+            </a:r>
+            <a:endParaRPr kumimoji="0" lang="zh-CN" altLang="zh-CN" sz="2800" b="0" i="0" u="none" strike="noStrike" cap="none" normalizeH="0" baseline="0" smtClean="0">
+              <a:ln>
+                <a:noFill/>
+              </a:ln>
+              <a:solidFill>
+                <a:schemeClr val="tx1"/>
+              </a:solidFill>
+              <a:effectLst/>
+              <a:latin typeface="Arial" panose="020B0604020202020204" pitchFamily="34" charset="0"/>
+            </a:endParaRPr>
           </a:p>
         </p:txBody>
       </p:sp>
@@ -4573,6 +5662,1695 @@
     <p:extLst>
       <p:ext uri="{BB962C8B-B14F-4D97-AF65-F5344CB8AC3E}">
         <p14:creationId xmlns:p14="http://schemas.microsoft.com/office/powerpoint/2010/main" val="3763824169"/>
+      </p:ext>
+    </p:extLst>
+  </p:cSld>
+  <p:clrMapOvr>
+    <a:masterClrMapping/>
+  </p:clrMapOvr>
+</p:sld>
+</file>
+
+<file path=ppt/slides/slide14.xml><?xml version="1.0" encoding="utf-8"?>
+<p:sld xmlns:a="http://schemas.openxmlformats.org/drawingml/2006/main" xmlns:r="http://schemas.openxmlformats.org/officeDocument/2006/relationships" xmlns:p="http://schemas.openxmlformats.org/presentationml/2006/main">
+  <p:cSld>
+    <p:spTree>
+      <p:nvGrpSpPr>
+        <p:cNvPr id="1" name=""/>
+        <p:cNvGrpSpPr/>
+        <p:nvPr/>
+      </p:nvGrpSpPr>
+      <p:grpSpPr>
+        <a:xfrm>
+          <a:off x="0" y="0"/>
+          <a:ext cx="0" cy="0"/>
+          <a:chOff x="0" y="0"/>
+          <a:chExt cx="0" cy="0"/>
+        </a:xfrm>
+      </p:grpSpPr>
+      <p:sp>
+        <p:nvSpPr>
+          <p:cNvPr id="2" name="标题 1"/>
+          <p:cNvSpPr>
+            <a:spLocks noGrp="1"/>
+          </p:cNvSpPr>
+          <p:nvPr>
+            <p:ph type="title"/>
+          </p:nvPr>
+        </p:nvSpPr>
+        <p:spPr/>
+        <p:txBody>
+          <a:bodyPr/>
+          <a:lstStyle/>
+          <a:p>
+            <a:r>
+              <a:rPr lang="zh-CN" altLang="en-US" dirty="0" smtClean="0"/>
+              <a:t>案例</a:t>
+            </a:r>
+            <a:r>
+              <a:rPr lang="en-US" altLang="zh-CN" dirty="0" err="1" smtClean="0"/>
+              <a:t>ausbeer</a:t>
+            </a:r>
+            <a:endParaRPr lang="zh-CN" altLang="en-US" dirty="0"/>
+          </a:p>
+        </p:txBody>
+      </p:sp>
+      <p:sp>
+        <p:nvSpPr>
+          <p:cNvPr id="3" name="内容占位符 2"/>
+          <p:cNvSpPr>
+            <a:spLocks noGrp="1"/>
+          </p:cNvSpPr>
+          <p:nvPr>
+            <p:ph idx="1"/>
+          </p:nvPr>
+        </p:nvSpPr>
+        <p:spPr/>
+        <p:txBody>
+          <a:bodyPr/>
+          <a:lstStyle/>
+          <a:p>
+            <a:endParaRPr lang="zh-CN" altLang="en-US" dirty="0"/>
+          </a:p>
+        </p:txBody>
+      </p:sp>
+      <p:pic>
+        <p:nvPicPr>
+          <p:cNvPr id="4" name="图片 3"/>
+          <p:cNvPicPr>
+            <a:picLocks noChangeAspect="1"/>
+          </p:cNvPicPr>
+          <p:nvPr/>
+        </p:nvPicPr>
+        <p:blipFill>
+          <a:blip r:embed="rId2"/>
+          <a:stretch>
+            <a:fillRect/>
+          </a:stretch>
+        </p:blipFill>
+        <p:spPr>
+          <a:xfrm>
+            <a:off x="5791200" y="0"/>
+            <a:ext cx="6400800" cy="6400800"/>
+          </a:xfrm>
+          <a:prstGeom prst="rect">
+            <a:avLst/>
+          </a:prstGeom>
+        </p:spPr>
+      </p:pic>
+      <p:sp>
+        <p:nvSpPr>
+          <p:cNvPr id="5" name="Rectangle 1"/>
+          <p:cNvSpPr>
+            <a:spLocks noChangeArrowheads="1"/>
+          </p:cNvSpPr>
+          <p:nvPr/>
+        </p:nvSpPr>
+        <p:spPr bwMode="auto">
+          <a:xfrm>
+            <a:off x="869796" y="2388813"/>
+            <a:ext cx="4741683" cy="184666"/>
+          </a:xfrm>
+          <a:prstGeom prst="rect">
+            <a:avLst/>
+          </a:prstGeom>
+          <a:solidFill>
+            <a:srgbClr val="FFFFFF"/>
+          </a:solidFill>
+          <a:ln>
+            <a:noFill/>
+          </a:ln>
+          <a:effectLst/>
+          <a:extLst>
+            <a:ext uri="{91240B29-F687-4F45-9708-019B960494DF}">
+              <a14:hiddenLine xmlns:a14="http://schemas.microsoft.com/office/drawing/2010/main" w="9525">
+                <a:solidFill>
+                  <a:schemeClr val="tx1"/>
+                </a:solidFill>
+                <a:miter lim="800000"/>
+                <a:headEnd/>
+                <a:tailEnd/>
+              </a14:hiddenLine>
+            </a:ext>
+            <a:ext uri="{AF507438-7753-43E0-B8FC-AC1667EBCBE1}">
+              <a14:hiddenEffects xmlns:a14="http://schemas.microsoft.com/office/drawing/2010/main">
+                <a:effectLst>
+                  <a:outerShdw dist="35921" dir="2700000" algn="ctr" rotWithShape="0">
+                    <a:schemeClr val="bg2"/>
+                  </a:outerShdw>
+                </a:effectLst>
+              </a14:hiddenEffects>
+            </a:ext>
+          </a:extLst>
+        </p:spPr>
+        <p:txBody>
+          <a:bodyPr vert="horz" wrap="none" lIns="0" tIns="0" rIns="0" bIns="0" numCol="1" anchor="ctr" anchorCtr="0" compatLnSpc="1">
+            <a:prstTxWarp prst="textNoShape">
+              <a:avLst/>
+            </a:prstTxWarp>
+            <a:spAutoFit/>
+          </a:bodyPr>
+          <a:lstStyle/>
+          <a:p>
+            <a:pPr marL="0" marR="0" lvl="0" indent="0" algn="l" defTabSz="914400" rtl="0" eaLnBrk="0" fontAlgn="base" latinLnBrk="0" hangingPunct="0">
+              <a:lnSpc>
+                <a:spcPct val="100000"/>
+              </a:lnSpc>
+              <a:spcBef>
+                <a:spcPct val="0"/>
+              </a:spcBef>
+              <a:spcAft>
+                <a:spcPct val="0"/>
+              </a:spcAft>
+              <a:buClrTx/>
+              <a:buSzTx/>
+              <a:buFontTx/>
+              <a:buNone/>
+              <a:tabLst/>
+            </a:pPr>
+            <a:r>
+              <a:rPr kumimoji="0" lang="zh-CN" altLang="zh-CN" sz="1200" b="0" i="0" u="none" strike="noStrike" cap="none" normalizeH="0" baseline="0" smtClean="0">
+                <a:ln>
+                  <a:noFill/>
+                </a:ln>
+                <a:solidFill>
+                  <a:srgbClr val="0000FF"/>
+                </a:solidFill>
+                <a:effectLst/>
+                <a:latin typeface="Lucida Console" panose="020B0609040504020204" pitchFamily="49" charset="0"/>
+              </a:rPr>
+              <a:t>&gt; beer2 &lt;- window(ausbeer,start=1992,end=c(2007,4))</a:t>
+            </a:r>
+            <a:endParaRPr kumimoji="0" lang="zh-CN" altLang="zh-CN" sz="2800" b="0" i="0" u="none" strike="noStrike" cap="none" normalizeH="0" baseline="0" smtClean="0">
+              <a:ln>
+                <a:noFill/>
+              </a:ln>
+              <a:solidFill>
+                <a:schemeClr val="tx1"/>
+              </a:solidFill>
+              <a:effectLst/>
+              <a:latin typeface="Arial" panose="020B0604020202020204" pitchFamily="34" charset="0"/>
+            </a:endParaRPr>
+          </a:p>
+        </p:txBody>
+      </p:sp>
+      <p:sp>
+        <p:nvSpPr>
+          <p:cNvPr id="6" name="Rectangle 2"/>
+          <p:cNvSpPr>
+            <a:spLocks noChangeArrowheads="1"/>
+          </p:cNvSpPr>
+          <p:nvPr/>
+        </p:nvSpPr>
+        <p:spPr bwMode="auto">
+          <a:xfrm>
+            <a:off x="0" y="4684806"/>
+            <a:ext cx="7437934" cy="1292662"/>
+          </a:xfrm>
+          <a:prstGeom prst="rect">
+            <a:avLst/>
+          </a:prstGeom>
+          <a:noFill/>
+          <a:ln>
+            <a:noFill/>
+          </a:ln>
+          <a:effectLst/>
+        </p:spPr>
+        <p:txBody>
+          <a:bodyPr vert="horz" wrap="none" lIns="0" tIns="0" rIns="0" bIns="0" numCol="1" anchor="ctr" anchorCtr="0" compatLnSpc="1">
+            <a:prstTxWarp prst="textNoShape">
+              <a:avLst/>
+            </a:prstTxWarp>
+            <a:spAutoFit/>
+          </a:bodyPr>
+          <a:lstStyle/>
+          <a:p>
+            <a:pPr marL="0" marR="0" lvl="0" indent="0" algn="l" defTabSz="914400" rtl="0" eaLnBrk="0" fontAlgn="base" latinLnBrk="0" hangingPunct="0">
+              <a:lnSpc>
+                <a:spcPct val="100000"/>
+              </a:lnSpc>
+              <a:spcBef>
+                <a:spcPct val="0"/>
+              </a:spcBef>
+              <a:spcAft>
+                <a:spcPct val="0"/>
+              </a:spcAft>
+              <a:buClrTx/>
+              <a:buSzTx/>
+              <a:buFontTx/>
+              <a:buNone/>
+              <a:tabLst/>
+            </a:pPr>
+            <a:r>
+              <a:rPr kumimoji="0" lang="zh-CN" altLang="zh-CN" sz="1200" b="0" i="0" u="none" strike="noStrike" cap="none" normalizeH="0" baseline="0" dirty="0" smtClean="0">
+                <a:ln>
+                  <a:noFill/>
+                </a:ln>
+                <a:solidFill>
+                  <a:srgbClr val="0000FF"/>
+                </a:solidFill>
+                <a:effectLst/>
+                <a:latin typeface="Lucida Console" panose="020B0609040504020204" pitchFamily="49" charset="0"/>
+              </a:rPr>
+              <a:t>&gt; autoplot(beer2) + </a:t>
+            </a:r>
+            <a:endParaRPr kumimoji="0" lang="en-US" altLang="zh-CN" sz="1200" b="0" i="0" u="none" strike="noStrike" cap="none" normalizeH="0" baseline="0" dirty="0" smtClean="0">
+              <a:ln>
+                <a:noFill/>
+              </a:ln>
+              <a:solidFill>
+                <a:srgbClr val="0000FF"/>
+              </a:solidFill>
+              <a:effectLst/>
+              <a:latin typeface="Lucida Console" panose="020B0609040504020204" pitchFamily="49" charset="0"/>
+            </a:endParaRPr>
+          </a:p>
+          <a:p>
+            <a:pPr marL="0" marR="0" lvl="0" indent="0" algn="l" defTabSz="914400" rtl="0" eaLnBrk="0" fontAlgn="base" latinLnBrk="0" hangingPunct="0">
+              <a:lnSpc>
+                <a:spcPct val="100000"/>
+              </a:lnSpc>
+              <a:spcBef>
+                <a:spcPct val="0"/>
+              </a:spcBef>
+              <a:spcAft>
+                <a:spcPct val="0"/>
+              </a:spcAft>
+              <a:buClrTx/>
+              <a:buSzTx/>
+              <a:buFontTx/>
+              <a:buNone/>
+              <a:tabLst/>
+            </a:pPr>
+            <a:r>
+              <a:rPr kumimoji="0" lang="zh-CN" altLang="zh-CN" sz="1200" b="0" i="0" u="none" strike="noStrike" cap="none" normalizeH="0" baseline="0" dirty="0" smtClean="0">
+                <a:ln>
+                  <a:noFill/>
+                </a:ln>
+                <a:solidFill>
+                  <a:srgbClr val="0000FF"/>
+                </a:solidFill>
+                <a:effectLst/>
+                <a:latin typeface="Lucida Console" panose="020B0609040504020204" pitchFamily="49" charset="0"/>
+              </a:rPr>
+              <a:t>+ forecast::autolayer(meanf(beer2, h=11), PI=FALSE, series="Mean") + </a:t>
+            </a:r>
+            <a:endParaRPr kumimoji="0" lang="en-US" altLang="zh-CN" sz="1200" b="0" i="0" u="none" strike="noStrike" cap="none" normalizeH="0" baseline="0" dirty="0" smtClean="0">
+              <a:ln>
+                <a:noFill/>
+              </a:ln>
+              <a:solidFill>
+                <a:srgbClr val="0000FF"/>
+              </a:solidFill>
+              <a:effectLst/>
+              <a:latin typeface="Lucida Console" panose="020B0609040504020204" pitchFamily="49" charset="0"/>
+            </a:endParaRPr>
+          </a:p>
+          <a:p>
+            <a:pPr marL="0" marR="0" lvl="0" indent="0" algn="l" defTabSz="914400" rtl="0" eaLnBrk="0" fontAlgn="base" latinLnBrk="0" hangingPunct="0">
+              <a:lnSpc>
+                <a:spcPct val="100000"/>
+              </a:lnSpc>
+              <a:spcBef>
+                <a:spcPct val="0"/>
+              </a:spcBef>
+              <a:spcAft>
+                <a:spcPct val="0"/>
+              </a:spcAft>
+              <a:buClrTx/>
+              <a:buSzTx/>
+              <a:buFontTx/>
+              <a:buNone/>
+              <a:tabLst/>
+            </a:pPr>
+            <a:r>
+              <a:rPr kumimoji="0" lang="zh-CN" altLang="zh-CN" sz="1200" b="0" i="0" u="none" strike="noStrike" cap="none" normalizeH="0" baseline="0" dirty="0" smtClean="0">
+                <a:ln>
+                  <a:noFill/>
+                </a:ln>
+                <a:solidFill>
+                  <a:srgbClr val="0000FF"/>
+                </a:solidFill>
+                <a:effectLst/>
+                <a:latin typeface="Lucida Console" panose="020B0609040504020204" pitchFamily="49" charset="0"/>
+              </a:rPr>
+              <a:t>+ forecast::autolayer(naive(beer2, h=11), PI=FALSE, series="Naïve") + </a:t>
+            </a:r>
+            <a:endParaRPr kumimoji="0" lang="en-US" altLang="zh-CN" sz="1200" b="0" i="0" u="none" strike="noStrike" cap="none" normalizeH="0" baseline="0" dirty="0" smtClean="0">
+              <a:ln>
+                <a:noFill/>
+              </a:ln>
+              <a:solidFill>
+                <a:srgbClr val="0000FF"/>
+              </a:solidFill>
+              <a:effectLst/>
+              <a:latin typeface="Lucida Console" panose="020B0609040504020204" pitchFamily="49" charset="0"/>
+            </a:endParaRPr>
+          </a:p>
+          <a:p>
+            <a:pPr marL="0" marR="0" lvl="0" indent="0" algn="l" defTabSz="914400" rtl="0" eaLnBrk="0" fontAlgn="base" latinLnBrk="0" hangingPunct="0">
+              <a:lnSpc>
+                <a:spcPct val="100000"/>
+              </a:lnSpc>
+              <a:spcBef>
+                <a:spcPct val="0"/>
+              </a:spcBef>
+              <a:spcAft>
+                <a:spcPct val="0"/>
+              </a:spcAft>
+              <a:buClrTx/>
+              <a:buSzTx/>
+              <a:buFontTx/>
+              <a:buNone/>
+              <a:tabLst/>
+            </a:pPr>
+            <a:r>
+              <a:rPr kumimoji="0" lang="zh-CN" altLang="zh-CN" sz="1200" b="0" i="0" u="none" strike="noStrike" cap="none" normalizeH="0" baseline="0" dirty="0" smtClean="0">
+                <a:ln>
+                  <a:noFill/>
+                </a:ln>
+                <a:solidFill>
+                  <a:srgbClr val="0000FF"/>
+                </a:solidFill>
+                <a:effectLst/>
+                <a:latin typeface="Lucida Console" panose="020B0609040504020204" pitchFamily="49" charset="0"/>
+              </a:rPr>
+              <a:t>+ forecast::autolayer(snaive(beer2, h=11), PI=FALSE, series="Seasonal naïve") + </a:t>
+            </a:r>
+            <a:endParaRPr kumimoji="0" lang="en-US" altLang="zh-CN" sz="1200" b="0" i="0" u="none" strike="noStrike" cap="none" normalizeH="0" baseline="0" dirty="0" smtClean="0">
+              <a:ln>
+                <a:noFill/>
+              </a:ln>
+              <a:solidFill>
+                <a:srgbClr val="0000FF"/>
+              </a:solidFill>
+              <a:effectLst/>
+              <a:latin typeface="Lucida Console" panose="020B0609040504020204" pitchFamily="49" charset="0"/>
+            </a:endParaRPr>
+          </a:p>
+          <a:p>
+            <a:pPr marL="0" marR="0" lvl="0" indent="0" algn="l" defTabSz="914400" rtl="0" eaLnBrk="0" fontAlgn="base" latinLnBrk="0" hangingPunct="0">
+              <a:lnSpc>
+                <a:spcPct val="100000"/>
+              </a:lnSpc>
+              <a:spcBef>
+                <a:spcPct val="0"/>
+              </a:spcBef>
+              <a:spcAft>
+                <a:spcPct val="0"/>
+              </a:spcAft>
+              <a:buClrTx/>
+              <a:buSzTx/>
+              <a:buFontTx/>
+              <a:buNone/>
+              <a:tabLst/>
+            </a:pPr>
+            <a:r>
+              <a:rPr kumimoji="0" lang="zh-CN" altLang="zh-CN" sz="1200" b="0" i="0" u="none" strike="noStrike" cap="none" normalizeH="0" baseline="0" dirty="0" smtClean="0">
+                <a:ln>
+                  <a:noFill/>
+                </a:ln>
+                <a:solidFill>
+                  <a:srgbClr val="0000FF"/>
+                </a:solidFill>
+                <a:effectLst/>
+                <a:latin typeface="Lucida Console" panose="020B0609040504020204" pitchFamily="49" charset="0"/>
+              </a:rPr>
+              <a:t>+ ggtitle("Forecasts for quarterly beer production") + </a:t>
+            </a:r>
+            <a:endParaRPr kumimoji="0" lang="en-US" altLang="zh-CN" sz="1200" b="0" i="0" u="none" strike="noStrike" cap="none" normalizeH="0" baseline="0" dirty="0" smtClean="0">
+              <a:ln>
+                <a:noFill/>
+              </a:ln>
+              <a:solidFill>
+                <a:srgbClr val="0000FF"/>
+              </a:solidFill>
+              <a:effectLst/>
+              <a:latin typeface="Lucida Console" panose="020B0609040504020204" pitchFamily="49" charset="0"/>
+            </a:endParaRPr>
+          </a:p>
+          <a:p>
+            <a:pPr marL="0" marR="0" lvl="0" indent="0" algn="l" defTabSz="914400" rtl="0" eaLnBrk="0" fontAlgn="base" latinLnBrk="0" hangingPunct="0">
+              <a:lnSpc>
+                <a:spcPct val="100000"/>
+              </a:lnSpc>
+              <a:spcBef>
+                <a:spcPct val="0"/>
+              </a:spcBef>
+              <a:spcAft>
+                <a:spcPct val="0"/>
+              </a:spcAft>
+              <a:buClrTx/>
+              <a:buSzTx/>
+              <a:buFontTx/>
+              <a:buNone/>
+              <a:tabLst/>
+            </a:pPr>
+            <a:r>
+              <a:rPr kumimoji="0" lang="zh-CN" altLang="zh-CN" sz="1200" b="0" i="0" u="none" strike="noStrike" cap="none" normalizeH="0" baseline="0" dirty="0" smtClean="0">
+                <a:ln>
+                  <a:noFill/>
+                </a:ln>
+                <a:solidFill>
+                  <a:srgbClr val="0000FF"/>
+                </a:solidFill>
+                <a:effectLst/>
+                <a:latin typeface="Lucida Console" panose="020B0609040504020204" pitchFamily="49" charset="0"/>
+              </a:rPr>
+              <a:t>+ xlab("Year") + ylab("Megalitres") + </a:t>
+            </a:r>
+            <a:endParaRPr kumimoji="0" lang="en-US" altLang="zh-CN" sz="1200" b="0" i="0" u="none" strike="noStrike" cap="none" normalizeH="0" baseline="0" dirty="0" smtClean="0">
+              <a:ln>
+                <a:noFill/>
+              </a:ln>
+              <a:solidFill>
+                <a:srgbClr val="0000FF"/>
+              </a:solidFill>
+              <a:effectLst/>
+              <a:latin typeface="Lucida Console" panose="020B0609040504020204" pitchFamily="49" charset="0"/>
+            </a:endParaRPr>
+          </a:p>
+          <a:p>
+            <a:pPr marL="0" marR="0" lvl="0" indent="0" algn="l" defTabSz="914400" rtl="0" eaLnBrk="0" fontAlgn="base" latinLnBrk="0" hangingPunct="0">
+              <a:lnSpc>
+                <a:spcPct val="100000"/>
+              </a:lnSpc>
+              <a:spcBef>
+                <a:spcPct val="0"/>
+              </a:spcBef>
+              <a:spcAft>
+                <a:spcPct val="0"/>
+              </a:spcAft>
+              <a:buClrTx/>
+              <a:buSzTx/>
+              <a:buFontTx/>
+              <a:buNone/>
+              <a:tabLst/>
+            </a:pPr>
+            <a:r>
+              <a:rPr kumimoji="0" lang="zh-CN" altLang="zh-CN" sz="1200" b="0" i="0" u="none" strike="noStrike" cap="none" normalizeH="0" baseline="0" dirty="0" smtClean="0">
+                <a:ln>
+                  <a:noFill/>
+                </a:ln>
+                <a:solidFill>
+                  <a:srgbClr val="0000FF"/>
+                </a:solidFill>
+                <a:effectLst/>
+                <a:latin typeface="Lucida Console" panose="020B0609040504020204" pitchFamily="49" charset="0"/>
+              </a:rPr>
+              <a:t>+ guides(colour=guide_legend(title="Forecast"))</a:t>
+            </a:r>
+            <a:endParaRPr kumimoji="0" lang="zh-CN" altLang="zh-CN" sz="2800" b="0" i="0" u="none" strike="noStrike" cap="none" normalizeH="0" baseline="0" dirty="0" smtClean="0">
+              <a:ln>
+                <a:noFill/>
+              </a:ln>
+              <a:solidFill>
+                <a:schemeClr val="tx1"/>
+              </a:solidFill>
+              <a:effectLst/>
+              <a:latin typeface="Arial" panose="020B0604020202020204" pitchFamily="34" charset="0"/>
+            </a:endParaRPr>
+          </a:p>
+        </p:txBody>
+      </p:sp>
+    </p:spTree>
+    <p:extLst>
+      <p:ext uri="{BB962C8B-B14F-4D97-AF65-F5344CB8AC3E}">
+        <p14:creationId xmlns:p14="http://schemas.microsoft.com/office/powerpoint/2010/main" val="2244589790"/>
+      </p:ext>
+    </p:extLst>
+  </p:cSld>
+  <p:clrMapOvr>
+    <a:masterClrMapping/>
+  </p:clrMapOvr>
+</p:sld>
+</file>
+
+<file path=ppt/slides/slide15.xml><?xml version="1.0" encoding="utf-8"?>
+<p:sld xmlns:a="http://schemas.openxmlformats.org/drawingml/2006/main" xmlns:r="http://schemas.openxmlformats.org/officeDocument/2006/relationships" xmlns:p="http://schemas.openxmlformats.org/presentationml/2006/main">
+  <p:cSld>
+    <p:spTree>
+      <p:nvGrpSpPr>
+        <p:cNvPr id="1" name=""/>
+        <p:cNvGrpSpPr/>
+        <p:nvPr/>
+      </p:nvGrpSpPr>
+      <p:grpSpPr>
+        <a:xfrm>
+          <a:off x="0" y="0"/>
+          <a:ext cx="0" cy="0"/>
+          <a:chOff x="0" y="0"/>
+          <a:chExt cx="0" cy="0"/>
+        </a:xfrm>
+      </p:grpSpPr>
+      <p:sp>
+        <p:nvSpPr>
+          <p:cNvPr id="2" name="标题 1"/>
+          <p:cNvSpPr>
+            <a:spLocks noGrp="1"/>
+          </p:cNvSpPr>
+          <p:nvPr>
+            <p:ph type="title"/>
+          </p:nvPr>
+        </p:nvSpPr>
+        <p:spPr/>
+        <p:txBody>
+          <a:bodyPr/>
+          <a:lstStyle/>
+          <a:p>
+            <a:r>
+              <a:rPr lang="zh-CN" altLang="en-US" dirty="0" smtClean="0"/>
+              <a:t>模型诊断</a:t>
+            </a:r>
+            <a:endParaRPr lang="zh-CN" altLang="en-US" dirty="0"/>
+          </a:p>
+        </p:txBody>
+      </p:sp>
+      <p:sp>
+        <p:nvSpPr>
+          <p:cNvPr id="3" name="内容占位符 2"/>
+          <p:cNvSpPr>
+            <a:spLocks noGrp="1"/>
+          </p:cNvSpPr>
+          <p:nvPr>
+            <p:ph idx="1"/>
+          </p:nvPr>
+        </p:nvSpPr>
+        <p:spPr/>
+        <p:txBody>
+          <a:bodyPr/>
+          <a:lstStyle/>
+          <a:p>
+            <a:r>
+              <a:rPr lang="zh-CN" altLang="en-US" dirty="0" smtClean="0"/>
+              <a:t>取出误差</a:t>
+            </a:r>
+            <a:endParaRPr lang="zh-CN" altLang="en-US" dirty="0"/>
+          </a:p>
+        </p:txBody>
+      </p:sp>
+      <p:sp>
+        <p:nvSpPr>
+          <p:cNvPr id="4" name="Rectangle 1"/>
+          <p:cNvSpPr>
+            <a:spLocks noChangeArrowheads="1"/>
+          </p:cNvSpPr>
+          <p:nvPr/>
+        </p:nvSpPr>
+        <p:spPr bwMode="auto">
+          <a:xfrm>
+            <a:off x="1237785" y="2407659"/>
+            <a:ext cx="2293898" cy="169277"/>
+          </a:xfrm>
+          <a:prstGeom prst="rect">
+            <a:avLst/>
+          </a:prstGeom>
+          <a:solidFill>
+            <a:srgbClr val="FFFFFF"/>
+          </a:solidFill>
+          <a:ln>
+            <a:noFill/>
+          </a:ln>
+          <a:effectLst/>
+          <a:extLst>
+            <a:ext uri="{91240B29-F687-4F45-9708-019B960494DF}">
+              <a14:hiddenLine xmlns:a14="http://schemas.microsoft.com/office/drawing/2010/main" w="9525">
+                <a:solidFill>
+                  <a:schemeClr val="tx1"/>
+                </a:solidFill>
+                <a:miter lim="800000"/>
+                <a:headEnd/>
+                <a:tailEnd/>
+              </a14:hiddenLine>
+            </a:ext>
+            <a:ext uri="{AF507438-7753-43E0-B8FC-AC1667EBCBE1}">
+              <a14:hiddenEffects xmlns:a14="http://schemas.microsoft.com/office/drawing/2010/main">
+                <a:effectLst>
+                  <a:outerShdw dist="35921" dir="2700000" algn="ctr" rotWithShape="0">
+                    <a:schemeClr val="bg2"/>
+                  </a:outerShdw>
+                </a:effectLst>
+              </a14:hiddenEffects>
+            </a:ext>
+          </a:extLst>
+        </p:spPr>
+        <p:txBody>
+          <a:bodyPr vert="horz" wrap="none" lIns="0" tIns="0" rIns="0" bIns="0" numCol="1" anchor="ctr" anchorCtr="0" compatLnSpc="1">
+            <a:prstTxWarp prst="textNoShape">
+              <a:avLst/>
+            </a:prstTxWarp>
+            <a:spAutoFit/>
+          </a:bodyPr>
+          <a:lstStyle/>
+          <a:p>
+            <a:pPr marL="0" marR="0" lvl="0" indent="0" algn="l" defTabSz="914400" rtl="0" eaLnBrk="0" fontAlgn="base" latinLnBrk="0" hangingPunct="0">
+              <a:lnSpc>
+                <a:spcPct val="100000"/>
+              </a:lnSpc>
+              <a:spcBef>
+                <a:spcPct val="0"/>
+              </a:spcBef>
+              <a:spcAft>
+                <a:spcPct val="0"/>
+              </a:spcAft>
+              <a:buClrTx/>
+              <a:buSzTx/>
+              <a:buFontTx/>
+              <a:buNone/>
+              <a:tabLst/>
+            </a:pPr>
+            <a:r>
+              <a:rPr kumimoji="0" lang="zh-CN" altLang="zh-CN" sz="1100" b="0" i="0" u="none" strike="noStrike" cap="none" normalizeH="0" baseline="0" smtClean="0">
+                <a:ln>
+                  <a:noFill/>
+                </a:ln>
+                <a:solidFill>
+                  <a:srgbClr val="0000FF"/>
+                </a:solidFill>
+                <a:effectLst/>
+                <a:latin typeface="Lucida Console" panose="020B0609040504020204" pitchFamily="49" charset="0"/>
+              </a:rPr>
+              <a:t>&gt; residuals(meanf(ausbeer))</a:t>
+            </a:r>
+            <a:endParaRPr kumimoji="0" lang="zh-CN" altLang="zh-CN" sz="2400" b="0" i="0" u="none" strike="noStrike" cap="none" normalizeH="0" baseline="0" smtClean="0">
+              <a:ln>
+                <a:noFill/>
+              </a:ln>
+              <a:solidFill>
+                <a:schemeClr val="tx1"/>
+              </a:solidFill>
+              <a:effectLst/>
+              <a:latin typeface="Arial" panose="020B0604020202020204" pitchFamily="34" charset="0"/>
+            </a:endParaRPr>
+          </a:p>
+        </p:txBody>
+      </p:sp>
+      <p:sp>
+        <p:nvSpPr>
+          <p:cNvPr id="6" name="Rectangle 3"/>
+          <p:cNvSpPr>
+            <a:spLocks noChangeArrowheads="1"/>
+          </p:cNvSpPr>
+          <p:nvPr/>
+        </p:nvSpPr>
+        <p:spPr bwMode="auto">
+          <a:xfrm>
+            <a:off x="1237785" y="3207353"/>
+            <a:ext cx="4417876" cy="677108"/>
+          </a:xfrm>
+          <a:prstGeom prst="rect">
+            <a:avLst/>
+          </a:prstGeom>
+          <a:solidFill>
+            <a:srgbClr val="FFFFFF"/>
+          </a:solidFill>
+          <a:ln>
+            <a:noFill/>
+          </a:ln>
+          <a:effectLst/>
+          <a:extLst>
+            <a:ext uri="{91240B29-F687-4F45-9708-019B960494DF}">
+              <a14:hiddenLine xmlns:a14="http://schemas.microsoft.com/office/drawing/2010/main" w="9525">
+                <a:solidFill>
+                  <a:schemeClr val="tx1"/>
+                </a:solidFill>
+                <a:miter lim="800000"/>
+                <a:headEnd/>
+                <a:tailEnd/>
+              </a14:hiddenLine>
+            </a:ext>
+            <a:ext uri="{AF507438-7753-43E0-B8FC-AC1667EBCBE1}">
+              <a14:hiddenEffects xmlns:a14="http://schemas.microsoft.com/office/drawing/2010/main">
+                <a:effectLst>
+                  <a:outerShdw dist="35921" dir="2700000" algn="ctr" rotWithShape="0">
+                    <a:schemeClr val="bg2"/>
+                  </a:outerShdw>
+                </a:effectLst>
+              </a14:hiddenEffects>
+            </a:ext>
+          </a:extLst>
+        </p:spPr>
+        <p:txBody>
+          <a:bodyPr vert="horz" wrap="none" lIns="0" tIns="0" rIns="0" bIns="0" numCol="1" anchor="ctr" anchorCtr="0" compatLnSpc="1">
+            <a:prstTxWarp prst="textNoShape">
+              <a:avLst/>
+            </a:prstTxWarp>
+            <a:spAutoFit/>
+          </a:bodyPr>
+          <a:lstStyle/>
+          <a:p>
+            <a:pPr marL="0" marR="0" lvl="0" indent="0" algn="l" defTabSz="914400" rtl="0" eaLnBrk="0" fontAlgn="base" latinLnBrk="0" hangingPunct="0">
+              <a:lnSpc>
+                <a:spcPct val="100000"/>
+              </a:lnSpc>
+              <a:spcBef>
+                <a:spcPct val="0"/>
+              </a:spcBef>
+              <a:spcAft>
+                <a:spcPct val="0"/>
+              </a:spcAft>
+              <a:buClrTx/>
+              <a:buSzTx/>
+              <a:buFontTx/>
+              <a:buNone/>
+              <a:tabLst/>
+            </a:pPr>
+            <a:r>
+              <a:rPr kumimoji="0" lang="zh-CN" altLang="zh-CN" sz="1100" b="0" i="0" u="none" strike="noStrike" cap="none" normalizeH="0" baseline="0" dirty="0" smtClean="0">
+                <a:ln>
+                  <a:noFill/>
+                </a:ln>
+                <a:solidFill>
+                  <a:srgbClr val="0000FF"/>
+                </a:solidFill>
+                <a:effectLst/>
+                <a:latin typeface="Lucida Console" panose="020B0609040504020204" pitchFamily="49" charset="0"/>
+              </a:rPr>
+              <a:t>&gt; beer2 &lt;- window(ausbeer,start=1992,end=c(2007,4)) </a:t>
+            </a:r>
+            <a:endParaRPr kumimoji="0" lang="en-US" altLang="zh-CN" sz="1100" b="0" i="0" u="none" strike="noStrike" cap="none" normalizeH="0" baseline="0" dirty="0" smtClean="0">
+              <a:ln>
+                <a:noFill/>
+              </a:ln>
+              <a:solidFill>
+                <a:srgbClr val="0000FF"/>
+              </a:solidFill>
+              <a:effectLst/>
+              <a:latin typeface="Lucida Console" panose="020B0609040504020204" pitchFamily="49" charset="0"/>
+            </a:endParaRPr>
+          </a:p>
+          <a:p>
+            <a:pPr marL="0" marR="0" lvl="0" indent="0" algn="l" defTabSz="914400" rtl="0" eaLnBrk="0" fontAlgn="base" latinLnBrk="0" hangingPunct="0">
+              <a:lnSpc>
+                <a:spcPct val="100000"/>
+              </a:lnSpc>
+              <a:spcBef>
+                <a:spcPct val="0"/>
+              </a:spcBef>
+              <a:spcAft>
+                <a:spcPct val="0"/>
+              </a:spcAft>
+              <a:buClrTx/>
+              <a:buSzTx/>
+              <a:buFontTx/>
+              <a:buNone/>
+              <a:tabLst/>
+            </a:pPr>
+            <a:r>
+              <a:rPr kumimoji="0" lang="zh-CN" altLang="zh-CN" sz="1100" b="0" i="0" u="none" strike="noStrike" cap="none" normalizeH="0" baseline="0" dirty="0" smtClean="0">
+                <a:ln>
+                  <a:noFill/>
+                </a:ln>
+                <a:solidFill>
+                  <a:srgbClr val="0000FF"/>
+                </a:solidFill>
+                <a:effectLst/>
+                <a:latin typeface="Lucida Console" panose="020B0609040504020204" pitchFamily="49" charset="0"/>
+              </a:rPr>
+              <a:t>&gt; beerfit1 &lt;- meanf(beer2,h=10) </a:t>
+            </a:r>
+            <a:endParaRPr kumimoji="0" lang="en-US" altLang="zh-CN" sz="1100" b="0" i="0" u="none" strike="noStrike" cap="none" normalizeH="0" baseline="0" dirty="0" smtClean="0">
+              <a:ln>
+                <a:noFill/>
+              </a:ln>
+              <a:solidFill>
+                <a:srgbClr val="0000FF"/>
+              </a:solidFill>
+              <a:effectLst/>
+              <a:latin typeface="Lucida Console" panose="020B0609040504020204" pitchFamily="49" charset="0"/>
+            </a:endParaRPr>
+          </a:p>
+          <a:p>
+            <a:pPr marL="0" marR="0" lvl="0" indent="0" algn="l" defTabSz="914400" rtl="0" eaLnBrk="0" fontAlgn="base" latinLnBrk="0" hangingPunct="0">
+              <a:lnSpc>
+                <a:spcPct val="100000"/>
+              </a:lnSpc>
+              <a:spcBef>
+                <a:spcPct val="0"/>
+              </a:spcBef>
+              <a:spcAft>
+                <a:spcPct val="0"/>
+              </a:spcAft>
+              <a:buClrTx/>
+              <a:buSzTx/>
+              <a:buFontTx/>
+              <a:buNone/>
+              <a:tabLst/>
+            </a:pPr>
+            <a:r>
+              <a:rPr kumimoji="0" lang="zh-CN" altLang="zh-CN" sz="1100" b="0" i="0" u="none" strike="noStrike" cap="none" normalizeH="0" baseline="0" dirty="0" smtClean="0">
+                <a:ln>
+                  <a:noFill/>
+                </a:ln>
+                <a:solidFill>
+                  <a:srgbClr val="0000FF"/>
+                </a:solidFill>
+                <a:effectLst/>
+                <a:latin typeface="Lucida Console" panose="020B0609040504020204" pitchFamily="49" charset="0"/>
+              </a:rPr>
+              <a:t>&gt; beerfit2 &lt;- rwf(beer2,h=10) </a:t>
+            </a:r>
+            <a:endParaRPr kumimoji="0" lang="en-US" altLang="zh-CN" sz="1100" b="0" i="0" u="none" strike="noStrike" cap="none" normalizeH="0" baseline="0" dirty="0" smtClean="0">
+              <a:ln>
+                <a:noFill/>
+              </a:ln>
+              <a:solidFill>
+                <a:srgbClr val="0000FF"/>
+              </a:solidFill>
+              <a:effectLst/>
+              <a:latin typeface="Lucida Console" panose="020B0609040504020204" pitchFamily="49" charset="0"/>
+            </a:endParaRPr>
+          </a:p>
+          <a:p>
+            <a:pPr marL="0" marR="0" lvl="0" indent="0" algn="l" defTabSz="914400" rtl="0" eaLnBrk="0" fontAlgn="base" latinLnBrk="0" hangingPunct="0">
+              <a:lnSpc>
+                <a:spcPct val="100000"/>
+              </a:lnSpc>
+              <a:spcBef>
+                <a:spcPct val="0"/>
+              </a:spcBef>
+              <a:spcAft>
+                <a:spcPct val="0"/>
+              </a:spcAft>
+              <a:buClrTx/>
+              <a:buSzTx/>
+              <a:buFontTx/>
+              <a:buNone/>
+              <a:tabLst/>
+            </a:pPr>
+            <a:r>
+              <a:rPr kumimoji="0" lang="zh-CN" altLang="zh-CN" sz="1100" b="0" i="0" u="none" strike="noStrike" cap="none" normalizeH="0" baseline="0" dirty="0" smtClean="0">
+                <a:ln>
+                  <a:noFill/>
+                </a:ln>
+                <a:solidFill>
+                  <a:srgbClr val="0000FF"/>
+                </a:solidFill>
+                <a:effectLst/>
+                <a:latin typeface="Lucida Console" panose="020B0609040504020204" pitchFamily="49" charset="0"/>
+              </a:rPr>
+              <a:t>&gt; beerfit3 &lt;- snaive(beer2,h=10)</a:t>
+            </a:r>
+            <a:endParaRPr kumimoji="0" lang="zh-CN" altLang="zh-CN" sz="2400" b="0" i="0" u="none" strike="noStrike" cap="none" normalizeH="0" baseline="0" dirty="0" smtClean="0">
+              <a:ln>
+                <a:noFill/>
+              </a:ln>
+              <a:solidFill>
+                <a:schemeClr val="tx1"/>
+              </a:solidFill>
+              <a:effectLst/>
+              <a:latin typeface="Arial" panose="020B0604020202020204" pitchFamily="34" charset="0"/>
+            </a:endParaRPr>
+          </a:p>
+        </p:txBody>
+      </p:sp>
+      <p:sp>
+        <p:nvSpPr>
+          <p:cNvPr id="7" name="Rectangle 4"/>
+          <p:cNvSpPr>
+            <a:spLocks noChangeArrowheads="1"/>
+          </p:cNvSpPr>
+          <p:nvPr/>
+        </p:nvSpPr>
+        <p:spPr bwMode="auto">
+          <a:xfrm>
+            <a:off x="1237785" y="4059022"/>
+            <a:ext cx="3533018" cy="184666"/>
+          </a:xfrm>
+          <a:prstGeom prst="rect">
+            <a:avLst/>
+          </a:prstGeom>
+          <a:solidFill>
+            <a:srgbClr val="FFFFFF"/>
+          </a:solidFill>
+          <a:ln>
+            <a:noFill/>
+          </a:ln>
+          <a:effectLst/>
+          <a:extLst>
+            <a:ext uri="{91240B29-F687-4F45-9708-019B960494DF}">
+              <a14:hiddenLine xmlns:a14="http://schemas.microsoft.com/office/drawing/2010/main" w="9525">
+                <a:solidFill>
+                  <a:schemeClr val="tx1"/>
+                </a:solidFill>
+                <a:miter lim="800000"/>
+                <a:headEnd/>
+                <a:tailEnd/>
+              </a14:hiddenLine>
+            </a:ext>
+            <a:ext uri="{AF507438-7753-43E0-B8FC-AC1667EBCBE1}">
+              <a14:hiddenEffects xmlns:a14="http://schemas.microsoft.com/office/drawing/2010/main">
+                <a:effectLst>
+                  <a:outerShdw dist="35921" dir="2700000" algn="ctr" rotWithShape="0">
+                    <a:schemeClr val="bg2"/>
+                  </a:outerShdw>
+                </a:effectLst>
+              </a14:hiddenEffects>
+            </a:ext>
+          </a:extLst>
+        </p:spPr>
+        <p:txBody>
+          <a:bodyPr vert="horz" wrap="none" lIns="0" tIns="0" rIns="0" bIns="0" numCol="1" anchor="ctr" anchorCtr="0" compatLnSpc="1">
+            <a:prstTxWarp prst="textNoShape">
+              <a:avLst/>
+            </a:prstTxWarp>
+            <a:spAutoFit/>
+          </a:bodyPr>
+          <a:lstStyle/>
+          <a:p>
+            <a:pPr marL="0" marR="0" lvl="0" indent="0" algn="l" defTabSz="914400" rtl="0" eaLnBrk="0" fontAlgn="base" latinLnBrk="0" hangingPunct="0">
+              <a:lnSpc>
+                <a:spcPct val="100000"/>
+              </a:lnSpc>
+              <a:spcBef>
+                <a:spcPct val="0"/>
+              </a:spcBef>
+              <a:spcAft>
+                <a:spcPct val="0"/>
+              </a:spcAft>
+              <a:buClrTx/>
+              <a:buSzTx/>
+              <a:buFontTx/>
+              <a:buNone/>
+              <a:tabLst/>
+            </a:pPr>
+            <a:r>
+              <a:rPr kumimoji="0" lang="zh-CN" altLang="zh-CN" sz="1200" b="0" i="0" u="none" strike="noStrike" cap="none" normalizeH="0" baseline="0" smtClean="0">
+                <a:ln>
+                  <a:noFill/>
+                </a:ln>
+                <a:solidFill>
+                  <a:srgbClr val="0000FF"/>
+                </a:solidFill>
+                <a:effectLst/>
+                <a:latin typeface="Lucida Console" panose="020B0609040504020204" pitchFamily="49" charset="0"/>
+              </a:rPr>
+              <a:t>&gt; beer3 &lt;- window(ausbeer, start=2008)</a:t>
+            </a:r>
+            <a:endParaRPr kumimoji="0" lang="zh-CN" altLang="zh-CN" sz="2800" b="0" i="0" u="none" strike="noStrike" cap="none" normalizeH="0" baseline="0" smtClean="0">
+              <a:ln>
+                <a:noFill/>
+              </a:ln>
+              <a:solidFill>
+                <a:schemeClr val="tx1"/>
+              </a:solidFill>
+              <a:effectLst/>
+              <a:latin typeface="Arial" panose="020B0604020202020204" pitchFamily="34" charset="0"/>
+            </a:endParaRPr>
+          </a:p>
+        </p:txBody>
+      </p:sp>
+      <p:sp>
+        <p:nvSpPr>
+          <p:cNvPr id="8" name="Rectangle 5"/>
+          <p:cNvSpPr>
+            <a:spLocks noChangeArrowheads="1"/>
+          </p:cNvSpPr>
+          <p:nvPr/>
+        </p:nvSpPr>
+        <p:spPr bwMode="auto">
+          <a:xfrm>
+            <a:off x="1237785" y="4338035"/>
+            <a:ext cx="2510303" cy="184666"/>
+          </a:xfrm>
+          <a:prstGeom prst="rect">
+            <a:avLst/>
+          </a:prstGeom>
+          <a:solidFill>
+            <a:srgbClr val="FFFFFF"/>
+          </a:solidFill>
+          <a:ln>
+            <a:noFill/>
+          </a:ln>
+          <a:effectLst/>
+          <a:extLst>
+            <a:ext uri="{91240B29-F687-4F45-9708-019B960494DF}">
+              <a14:hiddenLine xmlns:a14="http://schemas.microsoft.com/office/drawing/2010/main" w="9525">
+                <a:solidFill>
+                  <a:schemeClr val="tx1"/>
+                </a:solidFill>
+                <a:miter lim="800000"/>
+                <a:headEnd/>
+                <a:tailEnd/>
+              </a14:hiddenLine>
+            </a:ext>
+            <a:ext uri="{AF507438-7753-43E0-B8FC-AC1667EBCBE1}">
+              <a14:hiddenEffects xmlns:a14="http://schemas.microsoft.com/office/drawing/2010/main">
+                <a:effectLst>
+                  <a:outerShdw dist="35921" dir="2700000" algn="ctr" rotWithShape="0">
+                    <a:schemeClr val="bg2"/>
+                  </a:outerShdw>
+                </a:effectLst>
+              </a14:hiddenEffects>
+            </a:ext>
+          </a:extLst>
+        </p:spPr>
+        <p:txBody>
+          <a:bodyPr vert="horz" wrap="none" lIns="0" tIns="0" rIns="0" bIns="0" numCol="1" anchor="ctr" anchorCtr="0" compatLnSpc="1">
+            <a:prstTxWarp prst="textNoShape">
+              <a:avLst/>
+            </a:prstTxWarp>
+            <a:spAutoFit/>
+          </a:bodyPr>
+          <a:lstStyle/>
+          <a:p>
+            <a:pPr marL="0" marR="0" lvl="0" indent="0" algn="l" defTabSz="914400" rtl="0" eaLnBrk="0" fontAlgn="base" latinLnBrk="0" hangingPunct="0">
+              <a:lnSpc>
+                <a:spcPct val="100000"/>
+              </a:lnSpc>
+              <a:spcBef>
+                <a:spcPct val="0"/>
+              </a:spcBef>
+              <a:spcAft>
+                <a:spcPct val="0"/>
+              </a:spcAft>
+              <a:buClrTx/>
+              <a:buSzTx/>
+              <a:buFontTx/>
+              <a:buNone/>
+              <a:tabLst/>
+            </a:pPr>
+            <a:r>
+              <a:rPr kumimoji="0" lang="zh-CN" altLang="zh-CN" sz="1200" b="0" i="0" u="none" strike="noStrike" cap="none" normalizeH="0" baseline="0" smtClean="0">
+                <a:ln>
+                  <a:noFill/>
+                </a:ln>
+                <a:solidFill>
+                  <a:srgbClr val="0000FF"/>
+                </a:solidFill>
+                <a:effectLst/>
+                <a:latin typeface="Lucida Console" panose="020B0609040504020204" pitchFamily="49" charset="0"/>
+              </a:rPr>
+              <a:t>&gt; accuracy(beerfit1, beer3)</a:t>
+            </a:r>
+            <a:endParaRPr kumimoji="0" lang="zh-CN" altLang="zh-CN" sz="2800" b="0" i="0" u="none" strike="noStrike" cap="none" normalizeH="0" baseline="0" smtClean="0">
+              <a:ln>
+                <a:noFill/>
+              </a:ln>
+              <a:solidFill>
+                <a:schemeClr val="tx1"/>
+              </a:solidFill>
+              <a:effectLst/>
+              <a:latin typeface="Arial" panose="020B0604020202020204" pitchFamily="34" charset="0"/>
+            </a:endParaRPr>
+          </a:p>
+        </p:txBody>
+      </p:sp>
+      <p:sp>
+        <p:nvSpPr>
+          <p:cNvPr id="9" name="Rectangle 6"/>
+          <p:cNvSpPr>
+            <a:spLocks noChangeArrowheads="1"/>
+          </p:cNvSpPr>
+          <p:nvPr/>
+        </p:nvSpPr>
+        <p:spPr bwMode="auto">
+          <a:xfrm>
+            <a:off x="1237785" y="4631075"/>
+            <a:ext cx="2510303" cy="184666"/>
+          </a:xfrm>
+          <a:prstGeom prst="rect">
+            <a:avLst/>
+          </a:prstGeom>
+          <a:solidFill>
+            <a:srgbClr val="FFFFFF"/>
+          </a:solidFill>
+          <a:ln>
+            <a:noFill/>
+          </a:ln>
+          <a:effectLst/>
+          <a:extLst>
+            <a:ext uri="{91240B29-F687-4F45-9708-019B960494DF}">
+              <a14:hiddenLine xmlns:a14="http://schemas.microsoft.com/office/drawing/2010/main" w="9525">
+                <a:solidFill>
+                  <a:schemeClr val="tx1"/>
+                </a:solidFill>
+                <a:miter lim="800000"/>
+                <a:headEnd/>
+                <a:tailEnd/>
+              </a14:hiddenLine>
+            </a:ext>
+            <a:ext uri="{AF507438-7753-43E0-B8FC-AC1667EBCBE1}">
+              <a14:hiddenEffects xmlns:a14="http://schemas.microsoft.com/office/drawing/2010/main">
+                <a:effectLst>
+                  <a:outerShdw dist="35921" dir="2700000" algn="ctr" rotWithShape="0">
+                    <a:schemeClr val="bg2"/>
+                  </a:outerShdw>
+                </a:effectLst>
+              </a14:hiddenEffects>
+            </a:ext>
+          </a:extLst>
+        </p:spPr>
+        <p:txBody>
+          <a:bodyPr vert="horz" wrap="none" lIns="0" tIns="0" rIns="0" bIns="0" numCol="1" anchor="ctr" anchorCtr="0" compatLnSpc="1">
+            <a:prstTxWarp prst="textNoShape">
+              <a:avLst/>
+            </a:prstTxWarp>
+            <a:spAutoFit/>
+          </a:bodyPr>
+          <a:lstStyle/>
+          <a:p>
+            <a:pPr marL="0" marR="0" lvl="0" indent="0" algn="l" defTabSz="914400" rtl="0" eaLnBrk="0" fontAlgn="base" latinLnBrk="0" hangingPunct="0">
+              <a:lnSpc>
+                <a:spcPct val="100000"/>
+              </a:lnSpc>
+              <a:spcBef>
+                <a:spcPct val="0"/>
+              </a:spcBef>
+              <a:spcAft>
+                <a:spcPct val="0"/>
+              </a:spcAft>
+              <a:buClrTx/>
+              <a:buSzTx/>
+              <a:buFontTx/>
+              <a:buNone/>
+              <a:tabLst/>
+            </a:pPr>
+            <a:r>
+              <a:rPr kumimoji="0" lang="zh-CN" altLang="zh-CN" sz="1200" b="0" i="0" u="none" strike="noStrike" cap="none" normalizeH="0" baseline="0" smtClean="0">
+                <a:ln>
+                  <a:noFill/>
+                </a:ln>
+                <a:solidFill>
+                  <a:srgbClr val="0000FF"/>
+                </a:solidFill>
+                <a:effectLst/>
+                <a:latin typeface="Lucida Console" panose="020B0609040504020204" pitchFamily="49" charset="0"/>
+              </a:rPr>
+              <a:t>&gt; accuracy(beerfit2, beer3)</a:t>
+            </a:r>
+            <a:endParaRPr kumimoji="0" lang="zh-CN" altLang="zh-CN" sz="2800" b="0" i="0" u="none" strike="noStrike" cap="none" normalizeH="0" baseline="0" smtClean="0">
+              <a:ln>
+                <a:noFill/>
+              </a:ln>
+              <a:solidFill>
+                <a:schemeClr val="tx1"/>
+              </a:solidFill>
+              <a:effectLst/>
+              <a:latin typeface="Arial" panose="020B0604020202020204" pitchFamily="34" charset="0"/>
+            </a:endParaRPr>
+          </a:p>
+        </p:txBody>
+      </p:sp>
+      <p:sp>
+        <p:nvSpPr>
+          <p:cNvPr id="10" name="Rectangle 7"/>
+          <p:cNvSpPr>
+            <a:spLocks noChangeArrowheads="1"/>
+          </p:cNvSpPr>
+          <p:nvPr/>
+        </p:nvSpPr>
+        <p:spPr bwMode="auto">
+          <a:xfrm>
+            <a:off x="1237785" y="4964058"/>
+            <a:ext cx="2510303" cy="184666"/>
+          </a:xfrm>
+          <a:prstGeom prst="rect">
+            <a:avLst/>
+          </a:prstGeom>
+          <a:solidFill>
+            <a:srgbClr val="FFFFFF"/>
+          </a:solidFill>
+          <a:ln>
+            <a:noFill/>
+          </a:ln>
+          <a:effectLst/>
+          <a:extLst>
+            <a:ext uri="{91240B29-F687-4F45-9708-019B960494DF}">
+              <a14:hiddenLine xmlns:a14="http://schemas.microsoft.com/office/drawing/2010/main" w="9525">
+                <a:solidFill>
+                  <a:schemeClr val="tx1"/>
+                </a:solidFill>
+                <a:miter lim="800000"/>
+                <a:headEnd/>
+                <a:tailEnd/>
+              </a14:hiddenLine>
+            </a:ext>
+            <a:ext uri="{AF507438-7753-43E0-B8FC-AC1667EBCBE1}">
+              <a14:hiddenEffects xmlns:a14="http://schemas.microsoft.com/office/drawing/2010/main">
+                <a:effectLst>
+                  <a:outerShdw dist="35921" dir="2700000" algn="ctr" rotWithShape="0">
+                    <a:schemeClr val="bg2"/>
+                  </a:outerShdw>
+                </a:effectLst>
+              </a14:hiddenEffects>
+            </a:ext>
+          </a:extLst>
+        </p:spPr>
+        <p:txBody>
+          <a:bodyPr vert="horz" wrap="none" lIns="0" tIns="0" rIns="0" bIns="0" numCol="1" anchor="ctr" anchorCtr="0" compatLnSpc="1">
+            <a:prstTxWarp prst="textNoShape">
+              <a:avLst/>
+            </a:prstTxWarp>
+            <a:spAutoFit/>
+          </a:bodyPr>
+          <a:lstStyle/>
+          <a:p>
+            <a:pPr marL="0" marR="0" lvl="0" indent="0" algn="l" defTabSz="914400" rtl="0" eaLnBrk="0" fontAlgn="base" latinLnBrk="0" hangingPunct="0">
+              <a:lnSpc>
+                <a:spcPct val="100000"/>
+              </a:lnSpc>
+              <a:spcBef>
+                <a:spcPct val="0"/>
+              </a:spcBef>
+              <a:spcAft>
+                <a:spcPct val="0"/>
+              </a:spcAft>
+              <a:buClrTx/>
+              <a:buSzTx/>
+              <a:buFontTx/>
+              <a:buNone/>
+              <a:tabLst/>
+            </a:pPr>
+            <a:r>
+              <a:rPr kumimoji="0" lang="zh-CN" altLang="zh-CN" sz="1200" b="0" i="0" u="none" strike="noStrike" cap="none" normalizeH="0" baseline="0" smtClean="0">
+                <a:ln>
+                  <a:noFill/>
+                </a:ln>
+                <a:solidFill>
+                  <a:srgbClr val="0000FF"/>
+                </a:solidFill>
+                <a:effectLst/>
+                <a:latin typeface="Lucida Console" panose="020B0609040504020204" pitchFamily="49" charset="0"/>
+              </a:rPr>
+              <a:t>&gt; accuracy(beerfit3, beer3)</a:t>
+            </a:r>
+            <a:endParaRPr kumimoji="0" lang="zh-CN" altLang="zh-CN" sz="2800" b="0" i="0" u="none" strike="noStrike" cap="none" normalizeH="0" baseline="0" smtClean="0">
+              <a:ln>
+                <a:noFill/>
+              </a:ln>
+              <a:solidFill>
+                <a:schemeClr val="tx1"/>
+              </a:solidFill>
+              <a:effectLst/>
+              <a:latin typeface="Arial" panose="020B0604020202020204" pitchFamily="34" charset="0"/>
+            </a:endParaRPr>
+          </a:p>
+        </p:txBody>
+      </p:sp>
+      <p:pic>
+        <p:nvPicPr>
+          <p:cNvPr id="11" name="图片 10"/>
+          <p:cNvPicPr>
+            <a:picLocks noChangeAspect="1"/>
+          </p:cNvPicPr>
+          <p:nvPr/>
+        </p:nvPicPr>
+        <p:blipFill>
+          <a:blip r:embed="rId2"/>
+          <a:stretch>
+            <a:fillRect/>
+          </a:stretch>
+        </p:blipFill>
+        <p:spPr>
+          <a:xfrm>
+            <a:off x="5791200" y="105936"/>
+            <a:ext cx="6400800" cy="6400800"/>
+          </a:xfrm>
+          <a:prstGeom prst="rect">
+            <a:avLst/>
+          </a:prstGeom>
+        </p:spPr>
+      </p:pic>
+    </p:spTree>
+    <p:extLst>
+      <p:ext uri="{BB962C8B-B14F-4D97-AF65-F5344CB8AC3E}">
+        <p14:creationId xmlns:p14="http://schemas.microsoft.com/office/powerpoint/2010/main" val="107418271"/>
+      </p:ext>
+    </p:extLst>
+  </p:cSld>
+  <p:clrMapOvr>
+    <a:masterClrMapping/>
+  </p:clrMapOvr>
+</p:sld>
+</file>
+
+<file path=ppt/slides/slide16.xml><?xml version="1.0" encoding="utf-8"?>
+<p:sld xmlns:a="http://schemas.openxmlformats.org/drawingml/2006/main" xmlns:r="http://schemas.openxmlformats.org/officeDocument/2006/relationships" xmlns:p="http://schemas.openxmlformats.org/presentationml/2006/main">
+  <p:cSld>
+    <p:spTree>
+      <p:nvGrpSpPr>
+        <p:cNvPr id="1" name=""/>
+        <p:cNvGrpSpPr/>
+        <p:nvPr/>
+      </p:nvGrpSpPr>
+      <p:grpSpPr>
+        <a:xfrm>
+          <a:off x="0" y="0"/>
+          <a:ext cx="0" cy="0"/>
+          <a:chOff x="0" y="0"/>
+          <a:chExt cx="0" cy="0"/>
+        </a:xfrm>
+      </p:grpSpPr>
+      <p:sp>
+        <p:nvSpPr>
+          <p:cNvPr id="2" name="标题 1"/>
+          <p:cNvSpPr>
+            <a:spLocks noGrp="1"/>
+          </p:cNvSpPr>
+          <p:nvPr>
+            <p:ph type="title"/>
+          </p:nvPr>
+        </p:nvSpPr>
+        <p:spPr/>
+        <p:txBody>
+          <a:bodyPr/>
+          <a:lstStyle/>
+          <a:p>
+            <a:r>
+              <a:rPr lang="zh-CN" altLang="en-US" dirty="0" smtClean="0"/>
+              <a:t>时间序列模型</a:t>
+            </a:r>
+            <a:r>
+              <a:rPr lang="en-US" altLang="zh-CN" smtClean="0"/>
+              <a:t>arima</a:t>
+            </a:r>
+            <a:endParaRPr lang="zh-CN" altLang="en-US"/>
+          </a:p>
+        </p:txBody>
+      </p:sp>
+      <p:sp>
+        <p:nvSpPr>
+          <p:cNvPr id="3" name="内容占位符 2"/>
+          <p:cNvSpPr>
+            <a:spLocks noGrp="1"/>
+          </p:cNvSpPr>
+          <p:nvPr>
+            <p:ph idx="1"/>
+          </p:nvPr>
+        </p:nvSpPr>
+        <p:spPr/>
+        <p:txBody>
+          <a:bodyPr/>
+          <a:lstStyle/>
+          <a:p>
+            <a:r>
+              <a:rPr lang="en-US" altLang="zh-CN" dirty="0" err="1" smtClean="0"/>
+              <a:t>arima</a:t>
+            </a:r>
+            <a:r>
+              <a:rPr lang="zh-CN" altLang="en-US" dirty="0" smtClean="0"/>
+              <a:t>模型操作，手动设定参数</a:t>
+            </a:r>
+            <a:endParaRPr lang="en-US" altLang="zh-CN" dirty="0" smtClean="0"/>
+          </a:p>
+          <a:p>
+            <a:endParaRPr lang="en-US" altLang="zh-CN" dirty="0"/>
+          </a:p>
+          <a:p>
+            <a:r>
+              <a:rPr lang="zh-CN" altLang="en-US" dirty="0" smtClean="0"/>
+              <a:t>自动适应的</a:t>
+            </a:r>
+            <a:r>
+              <a:rPr lang="en-US" altLang="zh-CN" dirty="0" err="1" smtClean="0"/>
+              <a:t>arima</a:t>
+            </a:r>
+            <a:r>
+              <a:rPr lang="zh-CN" altLang="en-US" dirty="0"/>
+              <a:t>函数</a:t>
+            </a:r>
+          </a:p>
+        </p:txBody>
+      </p:sp>
+      <p:sp>
+        <p:nvSpPr>
+          <p:cNvPr id="4" name="Rectangle 1"/>
+          <p:cNvSpPr>
+            <a:spLocks noChangeArrowheads="1"/>
+          </p:cNvSpPr>
+          <p:nvPr/>
+        </p:nvSpPr>
+        <p:spPr bwMode="auto">
+          <a:xfrm>
+            <a:off x="1097280" y="2263026"/>
+            <a:ext cx="3440044" cy="369332"/>
+          </a:xfrm>
+          <a:prstGeom prst="rect">
+            <a:avLst/>
+          </a:prstGeom>
+          <a:solidFill>
+            <a:srgbClr val="FFFFFF"/>
+          </a:solidFill>
+          <a:ln>
+            <a:noFill/>
+          </a:ln>
+          <a:effectLst/>
+          <a:extLst>
+            <a:ext uri="{91240B29-F687-4F45-9708-019B960494DF}">
+              <a14:hiddenLine xmlns:a14="http://schemas.microsoft.com/office/drawing/2010/main" w="9525">
+                <a:solidFill>
+                  <a:schemeClr val="tx1"/>
+                </a:solidFill>
+                <a:miter lim="800000"/>
+                <a:headEnd/>
+                <a:tailEnd/>
+              </a14:hiddenLine>
+            </a:ext>
+            <a:ext uri="{AF507438-7753-43E0-B8FC-AC1667EBCBE1}">
+              <a14:hiddenEffects xmlns:a14="http://schemas.microsoft.com/office/drawing/2010/main">
+                <a:effectLst>
+                  <a:outerShdw dist="35921" dir="2700000" algn="ctr" rotWithShape="0">
+                    <a:schemeClr val="bg2"/>
+                  </a:outerShdw>
+                </a:effectLst>
+              </a14:hiddenEffects>
+            </a:ext>
+          </a:extLst>
+        </p:spPr>
+        <p:txBody>
+          <a:bodyPr vert="horz" wrap="none" lIns="0" tIns="0" rIns="0" bIns="0" numCol="1" anchor="ctr" anchorCtr="0" compatLnSpc="1">
+            <a:prstTxWarp prst="textNoShape">
+              <a:avLst/>
+            </a:prstTxWarp>
+            <a:spAutoFit/>
+          </a:bodyPr>
+          <a:lstStyle/>
+          <a:p>
+            <a:pPr marL="0" marR="0" lvl="0" indent="0" algn="l" defTabSz="914400" rtl="0" eaLnBrk="0" fontAlgn="base" latinLnBrk="0" hangingPunct="0">
+              <a:lnSpc>
+                <a:spcPct val="100000"/>
+              </a:lnSpc>
+              <a:spcBef>
+                <a:spcPct val="0"/>
+              </a:spcBef>
+              <a:spcAft>
+                <a:spcPct val="0"/>
+              </a:spcAft>
+              <a:buClrTx/>
+              <a:buSzTx/>
+              <a:buFontTx/>
+              <a:buNone/>
+              <a:tabLst/>
+            </a:pPr>
+            <a:r>
+              <a:rPr kumimoji="0" lang="zh-CN" altLang="zh-CN" sz="1200" b="0" i="0" u="none" strike="noStrike" cap="none" normalizeH="0" baseline="0" dirty="0" smtClean="0">
+                <a:ln>
+                  <a:noFill/>
+                </a:ln>
+                <a:solidFill>
+                  <a:srgbClr val="0000FF"/>
+                </a:solidFill>
+                <a:effectLst/>
+                <a:latin typeface="Lucida Console" panose="020B0609040504020204" pitchFamily="49" charset="0"/>
+              </a:rPr>
+              <a:t>&gt; fit&lt;-Arima(ausbeer,order=c(2,1,2)) </a:t>
+            </a:r>
+            <a:endParaRPr kumimoji="0" lang="en-US" altLang="zh-CN" sz="1200" b="0" i="0" u="none" strike="noStrike" cap="none" normalizeH="0" baseline="0" dirty="0" smtClean="0">
+              <a:ln>
+                <a:noFill/>
+              </a:ln>
+              <a:solidFill>
+                <a:srgbClr val="0000FF"/>
+              </a:solidFill>
+              <a:effectLst/>
+              <a:latin typeface="Lucida Console" panose="020B0609040504020204" pitchFamily="49" charset="0"/>
+            </a:endParaRPr>
+          </a:p>
+          <a:p>
+            <a:pPr marL="0" marR="0" lvl="0" indent="0" algn="l" defTabSz="914400" rtl="0" eaLnBrk="0" fontAlgn="base" latinLnBrk="0" hangingPunct="0">
+              <a:lnSpc>
+                <a:spcPct val="100000"/>
+              </a:lnSpc>
+              <a:spcBef>
+                <a:spcPct val="0"/>
+              </a:spcBef>
+              <a:spcAft>
+                <a:spcPct val="0"/>
+              </a:spcAft>
+              <a:buClrTx/>
+              <a:buSzTx/>
+              <a:buFontTx/>
+              <a:buNone/>
+              <a:tabLst/>
+            </a:pPr>
+            <a:r>
+              <a:rPr kumimoji="0" lang="zh-CN" altLang="zh-CN" sz="1200" b="0" i="0" u="none" strike="noStrike" cap="none" normalizeH="0" baseline="0" dirty="0" smtClean="0">
+                <a:ln>
+                  <a:noFill/>
+                </a:ln>
+                <a:solidFill>
+                  <a:srgbClr val="0000FF"/>
+                </a:solidFill>
+                <a:effectLst/>
+                <a:latin typeface="Lucida Console" panose="020B0609040504020204" pitchFamily="49" charset="0"/>
+              </a:rPr>
+              <a:t>&gt; autoplot(forecast(fit))</a:t>
+            </a:r>
+            <a:endParaRPr kumimoji="0" lang="zh-CN" altLang="zh-CN" sz="2800" b="0" i="0" u="none" strike="noStrike" cap="none" normalizeH="0" baseline="0" dirty="0" smtClean="0">
+              <a:ln>
+                <a:noFill/>
+              </a:ln>
+              <a:solidFill>
+                <a:schemeClr val="tx1"/>
+              </a:solidFill>
+              <a:effectLst/>
+              <a:latin typeface="Arial" panose="020B0604020202020204" pitchFamily="34" charset="0"/>
+            </a:endParaRPr>
+          </a:p>
+        </p:txBody>
+      </p:sp>
+      <p:sp>
+        <p:nvSpPr>
+          <p:cNvPr id="5" name="Rectangle 2"/>
+          <p:cNvSpPr>
+            <a:spLocks noChangeArrowheads="1"/>
+          </p:cNvSpPr>
+          <p:nvPr/>
+        </p:nvSpPr>
+        <p:spPr bwMode="auto">
+          <a:xfrm>
+            <a:off x="1097280" y="3171062"/>
+            <a:ext cx="2510303" cy="369332"/>
+          </a:xfrm>
+          <a:prstGeom prst="rect">
+            <a:avLst/>
+          </a:prstGeom>
+          <a:solidFill>
+            <a:srgbClr val="FFFFFF"/>
+          </a:solidFill>
+          <a:ln>
+            <a:noFill/>
+          </a:ln>
+          <a:effectLst/>
+          <a:extLst>
+            <a:ext uri="{91240B29-F687-4F45-9708-019B960494DF}">
+              <a14:hiddenLine xmlns:a14="http://schemas.microsoft.com/office/drawing/2010/main" w="9525">
+                <a:solidFill>
+                  <a:schemeClr val="tx1"/>
+                </a:solidFill>
+                <a:miter lim="800000"/>
+                <a:headEnd/>
+                <a:tailEnd/>
+              </a14:hiddenLine>
+            </a:ext>
+            <a:ext uri="{AF507438-7753-43E0-B8FC-AC1667EBCBE1}">
+              <a14:hiddenEffects xmlns:a14="http://schemas.microsoft.com/office/drawing/2010/main">
+                <a:effectLst>
+                  <a:outerShdw dist="35921" dir="2700000" algn="ctr" rotWithShape="0">
+                    <a:schemeClr val="bg2"/>
+                  </a:outerShdw>
+                </a:effectLst>
+              </a14:hiddenEffects>
+            </a:ext>
+          </a:extLst>
+        </p:spPr>
+        <p:txBody>
+          <a:bodyPr vert="horz" wrap="none" lIns="0" tIns="0" rIns="0" bIns="0" numCol="1" anchor="ctr" anchorCtr="0" compatLnSpc="1">
+            <a:prstTxWarp prst="textNoShape">
+              <a:avLst/>
+            </a:prstTxWarp>
+            <a:spAutoFit/>
+          </a:bodyPr>
+          <a:lstStyle/>
+          <a:p>
+            <a:pPr marL="0" marR="0" lvl="0" indent="0" algn="l" defTabSz="914400" rtl="0" eaLnBrk="0" fontAlgn="base" latinLnBrk="0" hangingPunct="0">
+              <a:lnSpc>
+                <a:spcPct val="100000"/>
+              </a:lnSpc>
+              <a:spcBef>
+                <a:spcPct val="0"/>
+              </a:spcBef>
+              <a:spcAft>
+                <a:spcPct val="0"/>
+              </a:spcAft>
+              <a:buClrTx/>
+              <a:buSzTx/>
+              <a:buFontTx/>
+              <a:buNone/>
+              <a:tabLst/>
+            </a:pPr>
+            <a:r>
+              <a:rPr kumimoji="0" lang="zh-CN" altLang="zh-CN" sz="1200" b="0" i="0" u="none" strike="noStrike" cap="none" normalizeH="0" baseline="0" dirty="0" smtClean="0">
+                <a:ln>
+                  <a:noFill/>
+                </a:ln>
+                <a:solidFill>
+                  <a:srgbClr val="0000FF"/>
+                </a:solidFill>
+                <a:effectLst/>
+                <a:latin typeface="Lucida Console" panose="020B0609040504020204" pitchFamily="49" charset="0"/>
+              </a:rPr>
+              <a:t>&gt; fit&lt;-auto.arima(ausbeer) </a:t>
+            </a:r>
+            <a:endParaRPr kumimoji="0" lang="en-US" altLang="zh-CN" sz="1200" b="0" i="0" u="none" strike="noStrike" cap="none" normalizeH="0" baseline="0" dirty="0" smtClean="0">
+              <a:ln>
+                <a:noFill/>
+              </a:ln>
+              <a:solidFill>
+                <a:srgbClr val="0000FF"/>
+              </a:solidFill>
+              <a:effectLst/>
+              <a:latin typeface="Lucida Console" panose="020B0609040504020204" pitchFamily="49" charset="0"/>
+            </a:endParaRPr>
+          </a:p>
+          <a:p>
+            <a:pPr marL="0" marR="0" lvl="0" indent="0" algn="l" defTabSz="914400" rtl="0" eaLnBrk="0" fontAlgn="base" latinLnBrk="0" hangingPunct="0">
+              <a:lnSpc>
+                <a:spcPct val="100000"/>
+              </a:lnSpc>
+              <a:spcBef>
+                <a:spcPct val="0"/>
+              </a:spcBef>
+              <a:spcAft>
+                <a:spcPct val="0"/>
+              </a:spcAft>
+              <a:buClrTx/>
+              <a:buSzTx/>
+              <a:buFontTx/>
+              <a:buNone/>
+              <a:tabLst/>
+            </a:pPr>
+            <a:r>
+              <a:rPr kumimoji="0" lang="zh-CN" altLang="zh-CN" sz="1200" b="0" i="0" u="none" strike="noStrike" cap="none" normalizeH="0" baseline="0" dirty="0" smtClean="0">
+                <a:ln>
+                  <a:noFill/>
+                </a:ln>
+                <a:solidFill>
+                  <a:srgbClr val="0000FF"/>
+                </a:solidFill>
+                <a:effectLst/>
+                <a:latin typeface="Lucida Console" panose="020B0609040504020204" pitchFamily="49" charset="0"/>
+              </a:rPr>
+              <a:t>&gt; autoplot(forecast(fit))</a:t>
+            </a:r>
+            <a:endParaRPr kumimoji="0" lang="zh-CN" altLang="zh-CN" sz="2800" b="0" i="0" u="none" strike="noStrike" cap="none" normalizeH="0" baseline="0" dirty="0" smtClean="0">
+              <a:ln>
+                <a:noFill/>
+              </a:ln>
+              <a:solidFill>
+                <a:schemeClr val="tx1"/>
+              </a:solidFill>
+              <a:effectLst/>
+              <a:latin typeface="Arial" panose="020B0604020202020204" pitchFamily="34" charset="0"/>
+            </a:endParaRPr>
+          </a:p>
+        </p:txBody>
+      </p:sp>
+    </p:spTree>
+    <p:extLst>
+      <p:ext uri="{BB962C8B-B14F-4D97-AF65-F5344CB8AC3E}">
+        <p14:creationId xmlns:p14="http://schemas.microsoft.com/office/powerpoint/2010/main" val="422513821"/>
       </p:ext>
     </p:extLst>
   </p:cSld>
@@ -5846,7 +8624,20 @@
                 <a:effectLst/>
                 <a:latin typeface="Lucida Console" panose="020B0609040504020204" pitchFamily="49" charset="0"/>
               </a:rPr>
-              <a:t>&gt; predict(fit,newdata=data.frame(height</a:t>
+              <a:t>&gt; predict(fit,newdata=data.frame(height=</a:t>
+            </a:r>
+            <a:r>
+              <a:rPr kumimoji="0" lang="en-US" altLang="zh-CN" sz="1200" b="0" i="0" u="none" strike="noStrike" cap="none" normalizeH="0" baseline="0" dirty="0" smtClean="0">
+                <a:ln>
+                  <a:noFill/>
+                </a:ln>
+                <a:solidFill>
+                  <a:srgbClr val="0000FF"/>
+                </a:solidFill>
+                <a:effectLst/>
+                <a:latin typeface="Lucida Console" panose="020B0609040504020204" pitchFamily="49" charset="0"/>
+              </a:rPr>
+              <a:t>75</a:t>
             </a:r>
             <a:r>
               <a:rPr kumimoji="0" lang="zh-CN" altLang="zh-CN" sz="1200" b="0" i="0" u="none" strike="noStrike" cap="none" normalizeH="0" baseline="0" dirty="0" smtClean="0">
@@ -5859,46 +8650,7 @@
                 <a:effectLst/>
                 <a:latin typeface="Lucida Console" panose="020B0609040504020204" pitchFamily="49" charset="0"/>
               </a:rPr>
-              <a:t>=</a:t>
-            </a:r>
-            <a:r>
-              <a:rPr kumimoji="0" lang="en-US" altLang="zh-CN" sz="1200" b="0" i="0" u="none" strike="noStrike" cap="none" normalizeH="0" baseline="0" dirty="0" smtClean="0">
-                <a:ln>
-                  <a:noFill/>
-                </a:ln>
-                <a:solidFill>
-                  <a:srgbClr val="0000FF"/>
-                </a:solidFill>
-                <a:effectLst/>
-                <a:latin typeface="Lucida Console" panose="020B0609040504020204" pitchFamily="49" charset="0"/>
-              </a:rPr>
-              <a:t>75</a:t>
-            </a:r>
-            <a:r>
-              <a:rPr kumimoji="0" lang="zh-CN" altLang="zh-CN" sz="1200" b="0" i="0" u="none" strike="noStrike" cap="none" normalizeH="0" baseline="0" dirty="0" smtClean="0">
-                <a:ln>
-                  <a:noFill/>
-                </a:ln>
-                <a:solidFill>
-                  <a:srgbClr val="0000FF"/>
-                </a:solidFill>
-                <a:effectLst/>
-                <a:latin typeface="Lucida Console" panose="020B0609040504020204" pitchFamily="49" charset="0"/>
-              </a:rPr>
-              <a:t>),</a:t>
-            </a:r>
-            <a:r>
-              <a:rPr kumimoji="0" lang="zh-CN" altLang="zh-CN" sz="1200" b="0" i="0" u="none" strike="noStrike" cap="none" normalizeH="0" baseline="0" dirty="0" smtClean="0">
-                <a:ln>
-                  <a:noFill/>
-                </a:ln>
-                <a:solidFill>
-                  <a:srgbClr val="0000FF"/>
-                </a:solidFill>
-                <a:effectLst/>
-                <a:latin typeface="Lucida Console" panose="020B0609040504020204" pitchFamily="49" charset="0"/>
-              </a:rPr>
-              <a:t>interval="prediction",level=0.95)</a:t>
+              <a:t>),interval="prediction",level=0.95)</a:t>
             </a:r>
             <a:endParaRPr kumimoji="0" lang="zh-CN" altLang="zh-CN" sz="2800" b="0" i="0" u="none" strike="noStrike" cap="none" normalizeH="0" baseline="0" dirty="0" smtClean="0">
               <a:ln>

--- a/实验-7-预测.pptx
+++ b/实验-7-预测.pptx
@@ -353,7 +353,7 @@
           <a:p>
             <a:fld id="{22B5609F-EBEC-463B-AA32-A5BE38243DB0}" type="datetimeFigureOut">
               <a:rPr lang="zh-CN" altLang="en-US" smtClean="0"/>
-              <a:t>2017/11/29</a:t>
+              <a:t>2017/12/5</a:t>
             </a:fld>
             <a:endParaRPr lang="zh-CN" altLang="en-US"/>
           </a:p>
@@ -561,7 +561,7 @@
           <a:p>
             <a:fld id="{22B5609F-EBEC-463B-AA32-A5BE38243DB0}" type="datetimeFigureOut">
               <a:rPr lang="zh-CN" altLang="en-US" smtClean="0"/>
-              <a:t>2017/11/29</a:t>
+              <a:t>2017/12/5</a:t>
             </a:fld>
             <a:endParaRPr lang="zh-CN" altLang="en-US"/>
           </a:p>
@@ -817,7 +817,7 @@
           <a:p>
             <a:fld id="{22B5609F-EBEC-463B-AA32-A5BE38243DB0}" type="datetimeFigureOut">
               <a:rPr lang="zh-CN" altLang="en-US" smtClean="0"/>
-              <a:t>2017/11/29</a:t>
+              <a:t>2017/12/5</a:t>
             </a:fld>
             <a:endParaRPr lang="zh-CN" altLang="en-US"/>
           </a:p>
@@ -1016,7 +1016,7 @@
           <a:p>
             <a:fld id="{22B5609F-EBEC-463B-AA32-A5BE38243DB0}" type="datetimeFigureOut">
               <a:rPr lang="zh-CN" altLang="en-US" smtClean="0"/>
-              <a:t>2017/11/29</a:t>
+              <a:t>2017/12/5</a:t>
             </a:fld>
             <a:endParaRPr lang="zh-CN" altLang="en-US"/>
           </a:p>
@@ -1358,7 +1358,7 @@
           <a:p>
             <a:fld id="{22B5609F-EBEC-463B-AA32-A5BE38243DB0}" type="datetimeFigureOut">
               <a:rPr lang="zh-CN" altLang="en-US" smtClean="0"/>
-              <a:t>2017/11/29</a:t>
+              <a:t>2017/12/5</a:t>
             </a:fld>
             <a:endParaRPr lang="zh-CN" altLang="en-US"/>
           </a:p>
@@ -1633,7 +1633,7 @@
           <a:p>
             <a:fld id="{22B5609F-EBEC-463B-AA32-A5BE38243DB0}" type="datetimeFigureOut">
               <a:rPr lang="zh-CN" altLang="en-US" smtClean="0"/>
-              <a:t>2017/11/29</a:t>
+              <a:t>2017/12/5</a:t>
             </a:fld>
             <a:endParaRPr lang="zh-CN" altLang="en-US"/>
           </a:p>
@@ -2012,7 +2012,7 @@
           <a:p>
             <a:fld id="{22B5609F-EBEC-463B-AA32-A5BE38243DB0}" type="datetimeFigureOut">
               <a:rPr lang="zh-CN" altLang="en-US" smtClean="0"/>
-              <a:t>2017/11/29</a:t>
+              <a:t>2017/12/5</a:t>
             </a:fld>
             <a:endParaRPr lang="zh-CN" altLang="en-US"/>
           </a:p>
@@ -2130,7 +2130,7 @@
           <a:p>
             <a:fld id="{22B5609F-EBEC-463B-AA32-A5BE38243DB0}" type="datetimeFigureOut">
               <a:rPr lang="zh-CN" altLang="en-US" smtClean="0"/>
-              <a:t>2017/11/29</a:t>
+              <a:t>2017/12/5</a:t>
             </a:fld>
             <a:endParaRPr lang="zh-CN" altLang="en-US"/>
           </a:p>
@@ -2301,7 +2301,7 @@
           <a:p>
             <a:fld id="{22B5609F-EBEC-463B-AA32-A5BE38243DB0}" type="datetimeFigureOut">
               <a:rPr lang="zh-CN" altLang="en-US" smtClean="0"/>
-              <a:t>2017/11/29</a:t>
+              <a:t>2017/12/5</a:t>
             </a:fld>
             <a:endParaRPr lang="zh-CN" altLang="en-US"/>
           </a:p>
@@ -2655,7 +2655,7 @@
           <a:p>
             <a:fld id="{22B5609F-EBEC-463B-AA32-A5BE38243DB0}" type="datetimeFigureOut">
               <a:rPr lang="zh-CN" altLang="en-US" smtClean="0"/>
-              <a:t>2017/11/29</a:t>
+              <a:t>2017/12/5</a:t>
             </a:fld>
             <a:endParaRPr lang="zh-CN" altLang="en-US"/>
           </a:p>
@@ -3037,7 +3037,7 @@
           <a:p>
             <a:fld id="{22B5609F-EBEC-463B-AA32-A5BE38243DB0}" type="datetimeFigureOut">
               <a:rPr lang="zh-CN" altLang="en-US" smtClean="0"/>
-              <a:t>2017/11/29</a:t>
+              <a:t>2017/12/5</a:t>
             </a:fld>
             <a:endParaRPr lang="zh-CN" altLang="en-US"/>
           </a:p>
@@ -3324,7 +3324,7 @@
           <a:p>
             <a:fld id="{22B5609F-EBEC-463B-AA32-A5BE38243DB0}" type="datetimeFigureOut">
               <a:rPr lang="zh-CN" altLang="en-US" smtClean="0"/>
-              <a:t>2017/11/29</a:t>
+              <a:t>2017/12/5</a:t>
             </a:fld>
             <a:endParaRPr lang="zh-CN" altLang="en-US"/>
           </a:p>
@@ -9749,10 +9749,221 @@
           <a:bodyPr/>
           <a:lstStyle/>
           <a:p>
-            <a:endParaRPr lang="zh-CN" altLang="en-US"/>
-          </a:p>
-        </p:txBody>
-      </p:sp>
+            <a:r>
+              <a:rPr lang="zh-CN" altLang="en-US" dirty="0" smtClean="0"/>
+              <a:t>仍然以</a:t>
+            </a:r>
+            <a:r>
+              <a:rPr lang="en-US" altLang="zh-CN" dirty="0" smtClean="0"/>
+              <a:t>women</a:t>
+            </a:r>
+            <a:r>
+              <a:rPr lang="zh-CN" altLang="en-US" dirty="0" smtClean="0"/>
+              <a:t>数据集为例</a:t>
+            </a:r>
+            <a:endParaRPr lang="en-US" altLang="zh-CN" dirty="0" smtClean="0"/>
+          </a:p>
+          <a:p>
+            <a:endParaRPr lang="en-US" altLang="zh-CN" dirty="0"/>
+          </a:p>
+          <a:p>
+            <a:endParaRPr lang="en-US" altLang="zh-CN" dirty="0" smtClean="0"/>
+          </a:p>
+          <a:p>
+            <a:endParaRPr lang="en-US" altLang="zh-CN" dirty="0"/>
+          </a:p>
+          <a:p>
+            <a:endParaRPr lang="en-US" altLang="zh-CN" dirty="0" smtClean="0"/>
+          </a:p>
+          <a:p>
+            <a:r>
+              <a:rPr lang="zh-CN" altLang="en-US" dirty="0" smtClean="0"/>
+              <a:t>从计算结果可以读出回归模式的完整公式为：</a:t>
+            </a:r>
+            <a:endParaRPr lang="en-US" altLang="zh-CN" dirty="0" smtClean="0"/>
+          </a:p>
+          <a:p>
+            <a:endParaRPr lang="zh-CN" altLang="en-US" dirty="0"/>
+          </a:p>
+        </p:txBody>
+      </p:sp>
+      <p:sp>
+        <p:nvSpPr>
+          <p:cNvPr id="2" name="Rectangle 1"/>
+          <p:cNvSpPr>
+            <a:spLocks noChangeArrowheads="1"/>
+          </p:cNvSpPr>
+          <p:nvPr/>
+        </p:nvSpPr>
+        <p:spPr bwMode="auto">
+          <a:xfrm>
+            <a:off x="1097280" y="2366510"/>
+            <a:ext cx="4462760" cy="184666"/>
+          </a:xfrm>
+          <a:prstGeom prst="rect">
+            <a:avLst/>
+          </a:prstGeom>
+          <a:solidFill>
+            <a:srgbClr val="FFFFFF"/>
+          </a:solidFill>
+          <a:ln>
+            <a:noFill/>
+          </a:ln>
+          <a:effectLst/>
+          <a:extLst>
+            <a:ext uri="{91240B29-F687-4F45-9708-019B960494DF}">
+              <a14:hiddenLine xmlns:a14="http://schemas.microsoft.com/office/drawing/2010/main" w="9525">
+                <a:solidFill>
+                  <a:schemeClr val="tx1"/>
+                </a:solidFill>
+                <a:miter lim="800000"/>
+                <a:headEnd/>
+                <a:tailEnd/>
+              </a14:hiddenLine>
+            </a:ext>
+            <a:ext uri="{AF507438-7753-43E0-B8FC-AC1667EBCBE1}">
+              <a14:hiddenEffects xmlns:a14="http://schemas.microsoft.com/office/drawing/2010/main">
+                <a:effectLst>
+                  <a:outerShdw dist="35921" dir="2700000" algn="ctr" rotWithShape="0">
+                    <a:schemeClr val="bg2"/>
+                  </a:outerShdw>
+                </a:effectLst>
+              </a14:hiddenEffects>
+            </a:ext>
+          </a:extLst>
+        </p:spPr>
+        <p:txBody>
+          <a:bodyPr vert="horz" wrap="none" lIns="0" tIns="0" rIns="0" bIns="0" numCol="1" anchor="ctr" anchorCtr="0" compatLnSpc="1">
+            <a:prstTxWarp prst="textNoShape">
+              <a:avLst/>
+            </a:prstTxWarp>
+            <a:spAutoFit/>
+          </a:bodyPr>
+          <a:lstStyle/>
+          <a:p>
+            <a:pPr marL="0" marR="0" lvl="0" indent="0" algn="l" defTabSz="914400" rtl="0" eaLnBrk="0" fontAlgn="base" latinLnBrk="0" hangingPunct="0">
+              <a:lnSpc>
+                <a:spcPct val="100000"/>
+              </a:lnSpc>
+              <a:spcBef>
+                <a:spcPct val="0"/>
+              </a:spcBef>
+              <a:spcAft>
+                <a:spcPct val="0"/>
+              </a:spcAft>
+              <a:buClrTx/>
+              <a:buSzTx/>
+              <a:buFontTx/>
+              <a:buNone/>
+              <a:tabLst/>
+            </a:pPr>
+            <a:r>
+              <a:rPr kumimoji="0" lang="zh-CN" altLang="zh-CN" sz="1200" b="0" i="0" u="none" strike="noStrike" cap="none" normalizeH="0" baseline="0" dirty="0" smtClean="0">
+                <a:ln>
+                  <a:noFill/>
+                </a:ln>
+                <a:solidFill>
+                  <a:srgbClr val="0000FF"/>
+                </a:solidFill>
+                <a:effectLst/>
+                <a:latin typeface="Lucida Console" panose="020B0609040504020204" pitchFamily="49" charset="0"/>
+              </a:rPr>
+              <a:t>&gt; fit2&lt;-lm(weight~height+I(height^2),data=women)</a:t>
+            </a:r>
+            <a:endParaRPr kumimoji="0" lang="zh-CN" altLang="zh-CN" sz="2800" b="0" i="0" u="none" strike="noStrike" cap="none" normalizeH="0" baseline="0" dirty="0" smtClean="0">
+              <a:ln>
+                <a:noFill/>
+              </a:ln>
+              <a:solidFill>
+                <a:schemeClr val="tx1"/>
+              </a:solidFill>
+              <a:effectLst/>
+              <a:latin typeface="Arial" panose="020B0604020202020204" pitchFamily="34" charset="0"/>
+            </a:endParaRPr>
+          </a:p>
+        </p:txBody>
+      </p:sp>
+      <p:pic>
+        <p:nvPicPr>
+          <p:cNvPr id="3" name="图片 2"/>
+          <p:cNvPicPr>
+            <a:picLocks noChangeAspect="1"/>
+          </p:cNvPicPr>
+          <p:nvPr/>
+        </p:nvPicPr>
+        <p:blipFill>
+          <a:blip r:embed="rId3"/>
+          <a:stretch>
+            <a:fillRect/>
+          </a:stretch>
+        </p:blipFill>
+        <p:spPr>
+          <a:xfrm>
+            <a:off x="1097280" y="2811143"/>
+            <a:ext cx="4562475" cy="1028700"/>
+          </a:xfrm>
+          <a:prstGeom prst="rect">
+            <a:avLst/>
+          </a:prstGeom>
+        </p:spPr>
+      </p:pic>
+      <p:graphicFrame>
+        <p:nvGraphicFramePr>
+          <p:cNvPr id="4" name="对象 3"/>
+          <p:cNvGraphicFramePr>
+            <a:graphicFrameLocks noChangeAspect="1"/>
+          </p:cNvGraphicFramePr>
+          <p:nvPr>
+            <p:extLst>
+              <p:ext uri="{D42A27DB-BD31-4B8C-83A1-F6EECF244321}">
+                <p14:modId xmlns:p14="http://schemas.microsoft.com/office/powerpoint/2010/main" val="2160914692"/>
+              </p:ext>
+            </p:extLst>
+          </p:nvPr>
+        </p:nvGraphicFramePr>
+        <p:xfrm>
+          <a:off x="1230970" y="4698824"/>
+          <a:ext cx="2763017" cy="374981"/>
+        </p:xfrm>
+        <a:graphic>
+          <a:graphicData uri="http://schemas.openxmlformats.org/presentationml/2006/ole">
+            <mc:AlternateContent xmlns:mc="http://schemas.openxmlformats.org/markup-compatibility/2006">
+              <mc:Choice xmlns:v="urn:schemas-microsoft-com:vml" Requires="v">
+                <p:oleObj spid="_x0000_s1028" name="Equation" r:id="rId4" imgW="1777680" imgH="241200" progId="Equation.DSMT4">
+                  <p:embed/>
+                </p:oleObj>
+              </mc:Choice>
+              <mc:Fallback>
+                <p:oleObj name="Equation" r:id="rId4" imgW="1777680" imgH="241200" progId="Equation.DSMT4">
+                  <p:embed/>
+                  <p:pic>
+                    <p:nvPicPr>
+                      <p:cNvPr id="0" name=""/>
+                      <p:cNvPicPr/>
+                      <p:nvPr/>
+                    </p:nvPicPr>
+                    <p:blipFill>
+                      <a:blip r:embed="rId5"/>
+                      <a:stretch>
+                        <a:fillRect/>
+                      </a:stretch>
+                    </p:blipFill>
+                    <p:spPr>
+                      <a:xfrm>
+                        <a:off x="1230970" y="4698824"/>
+                        <a:ext cx="2763017" cy="374981"/>
+                      </a:xfrm>
+                      <a:prstGeom prst="rect">
+                        <a:avLst/>
+                      </a:prstGeom>
+                    </p:spPr>
+                  </p:pic>
+                </p:oleObj>
+              </mc:Fallback>
+            </mc:AlternateContent>
+          </a:graphicData>
+        </a:graphic>
+      </p:graphicFrame>
     </p:spTree>
     <p:extLst>
       <p:ext uri="{BB962C8B-B14F-4D97-AF65-F5344CB8AC3E}">
@@ -9824,15 +10035,398 @@
             <p:ph idx="1"/>
           </p:nvPr>
         </p:nvSpPr>
-        <p:spPr/>
+        <p:spPr>
+          <a:xfrm>
+            <a:off x="1097280" y="1845734"/>
+            <a:ext cx="5994896" cy="4023360"/>
+          </a:xfrm>
+        </p:spPr>
         <p:txBody>
           <a:bodyPr/>
           <a:lstStyle/>
           <a:p>
-            <a:endParaRPr lang="zh-CN" altLang="en-US"/>
-          </a:p>
-        </p:txBody>
-      </p:sp>
+            <a:r>
+              <a:rPr lang="zh-CN" altLang="en-US" dirty="0" smtClean="0"/>
+              <a:t>简单的多元线性回归直接在自变量位置加新的变量即可，如果模型设置有两个自变量的交互项，则需要用到冒号：来表示。</a:t>
+            </a:r>
+            <a:endParaRPr lang="en-US" altLang="zh-CN" dirty="0" smtClean="0"/>
+          </a:p>
+          <a:p>
+            <a:r>
+              <a:rPr lang="zh-CN" altLang="en-US" dirty="0"/>
+              <a:t>（可化为线性回归的</a:t>
+            </a:r>
+            <a:r>
+              <a:rPr lang="zh-CN" altLang="en-US" dirty="0" smtClean="0"/>
+              <a:t>）</a:t>
+            </a:r>
+            <a:r>
+              <a:rPr lang="zh-CN" altLang="en-US" dirty="0" smtClean="0"/>
+              <a:t>非线性回归，以生产函数为例：</a:t>
+            </a:r>
+            <a:endParaRPr lang="en-US" altLang="zh-CN" dirty="0" smtClean="0"/>
+          </a:p>
+          <a:p>
+            <a:pPr marL="0" indent="0">
+              <a:buNone/>
+            </a:pPr>
+            <a:r>
+              <a:rPr lang="zh-CN" altLang="en-US" dirty="0" smtClean="0"/>
+              <a:t>化为</a:t>
+            </a:r>
+            <a:r>
+              <a:rPr lang="en-US" altLang="zh-CN" dirty="0" smtClean="0"/>
+              <a:t>				   </a:t>
+            </a:r>
+            <a:r>
+              <a:rPr lang="zh-CN" altLang="en-US" dirty="0" smtClean="0"/>
+              <a:t>形式来计算</a:t>
+            </a:r>
+            <a:endParaRPr lang="zh-CN" altLang="en-US" dirty="0"/>
+          </a:p>
+        </p:txBody>
+      </p:sp>
+      <p:pic>
+        <p:nvPicPr>
+          <p:cNvPr id="4" name="图片 3"/>
+          <p:cNvPicPr>
+            <a:picLocks noChangeAspect="1"/>
+          </p:cNvPicPr>
+          <p:nvPr/>
+        </p:nvPicPr>
+        <p:blipFill>
+          <a:blip r:embed="rId3"/>
+          <a:stretch>
+            <a:fillRect/>
+          </a:stretch>
+        </p:blipFill>
+        <p:spPr>
+          <a:xfrm>
+            <a:off x="7600465" y="1845734"/>
+            <a:ext cx="4401964" cy="1548277"/>
+          </a:xfrm>
+          <a:prstGeom prst="rect">
+            <a:avLst/>
+          </a:prstGeom>
+        </p:spPr>
+      </p:pic>
+      <p:graphicFrame>
+        <p:nvGraphicFramePr>
+          <p:cNvPr id="5" name="对象 4"/>
+          <p:cNvGraphicFramePr>
+            <a:graphicFrameLocks noChangeAspect="1"/>
+          </p:cNvGraphicFramePr>
+          <p:nvPr>
+            <p:extLst>
+              <p:ext uri="{D42A27DB-BD31-4B8C-83A1-F6EECF244321}">
+                <p14:modId xmlns:p14="http://schemas.microsoft.com/office/powerpoint/2010/main" val="4148751021"/>
+              </p:ext>
+            </p:extLst>
+          </p:nvPr>
+        </p:nvGraphicFramePr>
+        <p:xfrm>
+          <a:off x="7758113" y="4098925"/>
+          <a:ext cx="3760787" cy="300038"/>
+        </p:xfrm>
+        <a:graphic>
+          <a:graphicData uri="http://schemas.openxmlformats.org/presentationml/2006/ole">
+            <mc:AlternateContent xmlns:mc="http://schemas.openxmlformats.org/markup-compatibility/2006">
+              <mc:Choice xmlns:v="urn:schemas-microsoft-com:vml" Requires="v">
+                <p:oleObj spid="_x0000_s2053" name="Equation" r:id="rId4" imgW="2869920" imgH="228600" progId="Equation.DSMT4">
+                  <p:embed/>
+                </p:oleObj>
+              </mc:Choice>
+              <mc:Fallback>
+                <p:oleObj name="Equation" r:id="rId4" imgW="2869920" imgH="228600" progId="Equation.DSMT4">
+                  <p:embed/>
+                  <p:pic>
+                    <p:nvPicPr>
+                      <p:cNvPr id="0" name=""/>
+                      <p:cNvPicPr/>
+                      <p:nvPr/>
+                    </p:nvPicPr>
+                    <p:blipFill>
+                      <a:blip r:embed="rId5"/>
+                      <a:stretch>
+                        <a:fillRect/>
+                      </a:stretch>
+                    </p:blipFill>
+                    <p:spPr>
+                      <a:xfrm>
+                        <a:off x="7758113" y="4098925"/>
+                        <a:ext cx="3760787" cy="300038"/>
+                      </a:xfrm>
+                      <a:prstGeom prst="rect">
+                        <a:avLst/>
+                      </a:prstGeom>
+                    </p:spPr>
+                  </p:pic>
+                </p:oleObj>
+              </mc:Fallback>
+            </mc:AlternateContent>
+          </a:graphicData>
+        </a:graphic>
+      </p:graphicFrame>
+      <p:cxnSp>
+        <p:nvCxnSpPr>
+          <p:cNvPr id="7" name="直接箭头连接符 6"/>
+          <p:cNvCxnSpPr/>
+          <p:nvPr/>
+        </p:nvCxnSpPr>
+        <p:spPr>
+          <a:xfrm>
+            <a:off x="9801447" y="3534937"/>
+            <a:ext cx="0" cy="423746"/>
+          </a:xfrm>
+          <a:prstGeom prst="straightConnector1">
+            <a:avLst/>
+          </a:prstGeom>
+          <a:ln>
+            <a:tailEnd type="triangle"/>
+          </a:ln>
+        </p:spPr>
+        <p:style>
+          <a:lnRef idx="1">
+            <a:schemeClr val="accent1"/>
+          </a:lnRef>
+          <a:fillRef idx="0">
+            <a:schemeClr val="accent1"/>
+          </a:fillRef>
+          <a:effectRef idx="0">
+            <a:schemeClr val="accent1"/>
+          </a:effectRef>
+          <a:fontRef idx="minor">
+            <a:schemeClr val="tx1"/>
+          </a:fontRef>
+        </p:style>
+      </p:cxnSp>
+      <p:graphicFrame>
+        <p:nvGraphicFramePr>
+          <p:cNvPr id="8" name="对象 7"/>
+          <p:cNvGraphicFramePr>
+            <a:graphicFrameLocks noChangeAspect="1"/>
+          </p:cNvGraphicFramePr>
+          <p:nvPr>
+            <p:extLst>
+              <p:ext uri="{D42A27DB-BD31-4B8C-83A1-F6EECF244321}">
+                <p14:modId xmlns:p14="http://schemas.microsoft.com/office/powerpoint/2010/main" val="1302033228"/>
+              </p:ext>
+            </p:extLst>
+          </p:nvPr>
+        </p:nvGraphicFramePr>
+        <p:xfrm>
+          <a:off x="1894990" y="3163103"/>
+          <a:ext cx="1511300" cy="331787"/>
+        </p:xfrm>
+        <a:graphic>
+          <a:graphicData uri="http://schemas.openxmlformats.org/presentationml/2006/ole">
+            <mc:AlternateContent xmlns:mc="http://schemas.openxmlformats.org/markup-compatibility/2006">
+              <mc:Choice xmlns:v="urn:schemas-microsoft-com:vml" Requires="v">
+                <p:oleObj spid="_x0000_s2054" name="Equation" r:id="rId6" imgW="927000" imgH="203040" progId="Equation.DSMT4">
+                  <p:embed/>
+                </p:oleObj>
+              </mc:Choice>
+              <mc:Fallback>
+                <p:oleObj name="Equation" r:id="rId6" imgW="927000" imgH="203040" progId="Equation.DSMT4">
+                  <p:embed/>
+                  <p:pic>
+                    <p:nvPicPr>
+                      <p:cNvPr id="4" name="对象 3"/>
+                      <p:cNvPicPr/>
+                      <p:nvPr/>
+                    </p:nvPicPr>
+                    <p:blipFill>
+                      <a:blip r:embed="rId7"/>
+                      <a:stretch>
+                        <a:fillRect/>
+                      </a:stretch>
+                    </p:blipFill>
+                    <p:spPr>
+                      <a:xfrm>
+                        <a:off x="1894990" y="3163103"/>
+                        <a:ext cx="1511300" cy="331787"/>
+                      </a:xfrm>
+                      <a:prstGeom prst="rect">
+                        <a:avLst/>
+                      </a:prstGeom>
+                    </p:spPr>
+                  </p:pic>
+                </p:oleObj>
+              </mc:Fallback>
+            </mc:AlternateContent>
+          </a:graphicData>
+        </a:graphic>
+      </p:graphicFrame>
+      <p:graphicFrame>
+        <p:nvGraphicFramePr>
+          <p:cNvPr id="9" name="对象 8"/>
+          <p:cNvGraphicFramePr>
+            <a:graphicFrameLocks noChangeAspect="1"/>
+          </p:cNvGraphicFramePr>
+          <p:nvPr>
+            <p:extLst>
+              <p:ext uri="{D42A27DB-BD31-4B8C-83A1-F6EECF244321}">
+                <p14:modId xmlns:p14="http://schemas.microsoft.com/office/powerpoint/2010/main" val="1254503669"/>
+              </p:ext>
+            </p:extLst>
+          </p:nvPr>
+        </p:nvGraphicFramePr>
+        <p:xfrm>
+          <a:off x="1677909" y="3628483"/>
+          <a:ext cx="3233738" cy="330200"/>
+        </p:xfrm>
+        <a:graphic>
+          <a:graphicData uri="http://schemas.openxmlformats.org/presentationml/2006/ole">
+            <mc:AlternateContent xmlns:mc="http://schemas.openxmlformats.org/markup-compatibility/2006">
+              <mc:Choice xmlns:v="urn:schemas-microsoft-com:vml" Requires="v">
+                <p:oleObj spid="_x0000_s2055" name="Equation" r:id="rId8" imgW="1981080" imgH="203040" progId="Equation.DSMT4">
+                  <p:embed/>
+                </p:oleObj>
+              </mc:Choice>
+              <mc:Fallback>
+                <p:oleObj name="Equation" r:id="rId8" imgW="1981080" imgH="203040" progId="Equation.DSMT4">
+                  <p:embed/>
+                  <p:pic>
+                    <p:nvPicPr>
+                      <p:cNvPr id="5" name="对象 4"/>
+                      <p:cNvPicPr/>
+                      <p:nvPr/>
+                    </p:nvPicPr>
+                    <p:blipFill>
+                      <a:blip r:embed="rId9"/>
+                      <a:stretch>
+                        <a:fillRect/>
+                      </a:stretch>
+                    </p:blipFill>
+                    <p:spPr>
+                      <a:xfrm>
+                        <a:off x="1677909" y="3628483"/>
+                        <a:ext cx="3233738" cy="330200"/>
+                      </a:xfrm>
+                      <a:prstGeom prst="rect">
+                        <a:avLst/>
+                      </a:prstGeom>
+                    </p:spPr>
+                  </p:pic>
+                </p:oleObj>
+              </mc:Fallback>
+            </mc:AlternateContent>
+          </a:graphicData>
+        </a:graphic>
+      </p:graphicFrame>
+      <p:pic>
+        <p:nvPicPr>
+          <p:cNvPr id="10" name="图片 9"/>
+          <p:cNvPicPr>
+            <a:picLocks noChangeAspect="1"/>
+          </p:cNvPicPr>
+          <p:nvPr/>
+        </p:nvPicPr>
+        <p:blipFill rotWithShape="1">
+          <a:blip r:embed="rId10"/>
+          <a:srcRect t="3848"/>
+          <a:stretch/>
+        </p:blipFill>
+        <p:spPr>
+          <a:xfrm>
+            <a:off x="605487" y="4201676"/>
+            <a:ext cx="6610801" cy="1535780"/>
+          </a:xfrm>
+          <a:prstGeom prst="rect">
+            <a:avLst/>
+          </a:prstGeom>
+        </p:spPr>
+      </p:pic>
+      <p:graphicFrame>
+        <p:nvGraphicFramePr>
+          <p:cNvPr id="11" name="对象 10"/>
+          <p:cNvGraphicFramePr>
+            <a:graphicFrameLocks noChangeAspect="1"/>
+          </p:cNvGraphicFramePr>
+          <p:nvPr>
+            <p:extLst>
+              <p:ext uri="{D42A27DB-BD31-4B8C-83A1-F6EECF244321}">
+                <p14:modId xmlns:p14="http://schemas.microsoft.com/office/powerpoint/2010/main" val="4022292146"/>
+              </p:ext>
+            </p:extLst>
+          </p:nvPr>
+        </p:nvGraphicFramePr>
+        <p:xfrm>
+          <a:off x="4985045" y="5803405"/>
+          <a:ext cx="2231243" cy="432588"/>
+        </p:xfrm>
+        <a:graphic>
+          <a:graphicData uri="http://schemas.openxmlformats.org/presentationml/2006/ole">
+            <mc:AlternateContent xmlns:mc="http://schemas.openxmlformats.org/markup-compatibility/2006">
+              <mc:Choice xmlns:v="urn:schemas-microsoft-com:vml" Requires="v">
+                <p:oleObj spid="_x0000_s2056" name="Equation" r:id="rId11" imgW="1244520" imgH="241200" progId="Equation.DSMT4">
+                  <p:embed/>
+                </p:oleObj>
+              </mc:Choice>
+              <mc:Fallback>
+                <p:oleObj name="Equation" r:id="rId11" imgW="1244520" imgH="241200" progId="Equation.DSMT4">
+                  <p:embed/>
+                  <p:pic>
+                    <p:nvPicPr>
+                      <p:cNvPr id="0" name=""/>
+                      <p:cNvPicPr/>
+                      <p:nvPr/>
+                    </p:nvPicPr>
+                    <p:blipFill>
+                      <a:blip r:embed="rId12"/>
+                      <a:stretch>
+                        <a:fillRect/>
+                      </a:stretch>
+                    </p:blipFill>
+                    <p:spPr>
+                      <a:xfrm>
+                        <a:off x="4985045" y="5803405"/>
+                        <a:ext cx="2231243" cy="432588"/>
+                      </a:xfrm>
+                      <a:prstGeom prst="rect">
+                        <a:avLst/>
+                      </a:prstGeom>
+                    </p:spPr>
+                  </p:pic>
+                </p:oleObj>
+              </mc:Fallback>
+            </mc:AlternateContent>
+          </a:graphicData>
+        </a:graphic>
+      </p:graphicFrame>
+      <p:cxnSp>
+        <p:nvCxnSpPr>
+          <p:cNvPr id="13" name="直接箭头连接符 12"/>
+          <p:cNvCxnSpPr/>
+          <p:nvPr/>
+        </p:nvCxnSpPr>
+        <p:spPr>
+          <a:xfrm>
+            <a:off x="2932771" y="5869094"/>
+            <a:ext cx="1978876" cy="230623"/>
+          </a:xfrm>
+          <a:prstGeom prst="straightConnector1">
+            <a:avLst/>
+          </a:prstGeom>
+          <a:ln>
+            <a:tailEnd type="triangle"/>
+          </a:ln>
+        </p:spPr>
+        <p:style>
+          <a:lnRef idx="1">
+            <a:schemeClr val="accent1"/>
+          </a:lnRef>
+          <a:fillRef idx="0">
+            <a:schemeClr val="accent1"/>
+          </a:fillRef>
+          <a:effectRef idx="0">
+            <a:schemeClr val="accent1"/>
+          </a:effectRef>
+          <a:fontRef idx="minor">
+            <a:schemeClr val="tx1"/>
+          </a:fontRef>
+        </p:style>
+      </p:cxnSp>
     </p:spTree>
     <p:extLst>
       <p:ext uri="{BB962C8B-B14F-4D97-AF65-F5344CB8AC3E}">
@@ -9843,6 +10437,89 @@
   <p:clrMapOvr>
     <a:masterClrMapping/>
   </p:clrMapOvr>
+  <p:timing>
+    <p:tnLst>
+      <p:par>
+        <p:cTn id="1" dur="indefinite" restart="never" nodeType="tmRoot">
+          <p:childTnLst>
+            <p:seq concurrent="1" nextAc="seek">
+              <p:cTn id="2" dur="indefinite" nodeType="mainSeq">
+                <p:childTnLst>
+                  <p:par>
+                    <p:cTn id="3" fill="hold">
+                      <p:stCondLst>
+                        <p:cond delay="indefinite"/>
+                      </p:stCondLst>
+                      <p:childTnLst>
+                        <p:par>
+                          <p:cTn id="4" fill="hold">
+                            <p:stCondLst>
+                              <p:cond delay="0"/>
+                            </p:stCondLst>
+                            <p:childTnLst>
+                              <p:par>
+                                <p:cTn id="5" presetID="10" presetClass="entr" presetSubtype="0" fill="hold" nodeType="clickEffect">
+                                  <p:stCondLst>
+                                    <p:cond delay="0"/>
+                                  </p:stCondLst>
+                                  <p:childTnLst>
+                                    <p:set>
+                                      <p:cBhvr>
+                                        <p:cTn id="6" dur="1" fill="hold">
+                                          <p:stCondLst>
+                                            <p:cond delay="0"/>
+                                          </p:stCondLst>
+                                        </p:cTn>
+                                        <p:tgtEl>
+                                          <p:spTgt spid="9"/>
+                                        </p:tgtEl>
+                                        <p:attrNameLst>
+                                          <p:attrName>style.visibility</p:attrName>
+                                        </p:attrNameLst>
+                                      </p:cBhvr>
+                                      <p:to>
+                                        <p:strVal val="visible"/>
+                                      </p:to>
+                                    </p:set>
+                                    <p:animEffect transition="in" filter="fade">
+                                      <p:cBhvr>
+                                        <p:cTn id="7" dur="500"/>
+                                        <p:tgtEl>
+                                          <p:spTgt spid="9"/>
+                                        </p:tgtEl>
+                                      </p:cBhvr>
+                                    </p:animEffect>
+                                  </p:childTnLst>
+                                </p:cTn>
+                              </p:par>
+                            </p:childTnLst>
+                          </p:cTn>
+                        </p:par>
+                      </p:childTnLst>
+                    </p:cTn>
+                  </p:par>
+                </p:childTnLst>
+              </p:cTn>
+              <p:prevCondLst>
+                <p:cond evt="onPrev" delay="0">
+                  <p:tgtEl>
+                    <p:sldTgt/>
+                  </p:tgtEl>
+                </p:cond>
+              </p:prevCondLst>
+              <p:nextCondLst>
+                <p:cond evt="onNext" delay="0">
+                  <p:tgtEl>
+                    <p:sldTgt/>
+                  </p:tgtEl>
+                </p:cond>
+              </p:nextCondLst>
+            </p:seq>
+          </p:childTnLst>
+        </p:cTn>
+      </p:par>
+    </p:tnLst>
+  </p:timing>
 </p:sld>
 </file>
 

--- a/实验-7-预测.pptx
+++ b/实验-7-预测.pptx
@@ -7662,6 +7662,30 @@
       </p:grpSpPr>
       <p:pic>
         <p:nvPicPr>
+          <p:cNvPr id="3" name="图片 2"/>
+          <p:cNvPicPr>
+            <a:picLocks noChangeAspect="1"/>
+          </p:cNvPicPr>
+          <p:nvPr/>
+        </p:nvPicPr>
+        <p:blipFill>
+          <a:blip r:embed="rId2"/>
+          <a:stretch>
+            <a:fillRect/>
+          </a:stretch>
+        </p:blipFill>
+        <p:spPr>
+          <a:xfrm>
+            <a:off x="5300662" y="1873250"/>
+            <a:ext cx="6365632" cy="4235450"/>
+          </a:xfrm>
+          <a:prstGeom prst="rect">
+            <a:avLst/>
+          </a:prstGeom>
+        </p:spPr>
+      </p:pic>
+      <p:pic>
+        <p:nvPicPr>
           <p:cNvPr id="6" name="图片 5"/>
           <p:cNvPicPr>
             <a:picLocks noChangeAspect="1"/>
@@ -7669,7 +7693,7 @@
           <p:nvPr/>
         </p:nvPicPr>
         <p:blipFill>
-          <a:blip r:embed="rId2">
+          <a:blip r:embed="rId3">
             <a:extLst>
               <a:ext uri="{28A0092B-C50C-407E-A947-70E740481C1C}">
                 <a14:useLocalDpi xmlns:a14="http://schemas.microsoft.com/office/drawing/2010/main" val="0"/>
@@ -7739,30 +7763,6 @@
           </a:p>
         </p:txBody>
       </p:sp>
-      <p:pic>
-        <p:nvPicPr>
-          <p:cNvPr id="4" name="图片 3"/>
-          <p:cNvPicPr>
-            <a:picLocks noChangeAspect="1"/>
-          </p:cNvPicPr>
-          <p:nvPr/>
-        </p:nvPicPr>
-        <p:blipFill>
-          <a:blip r:embed="rId3"/>
-          <a:stretch>
-            <a:fillRect/>
-          </a:stretch>
-        </p:blipFill>
-        <p:spPr>
-          <a:xfrm>
-            <a:off x="5274527" y="1845734"/>
-            <a:ext cx="5881153" cy="4321576"/>
-          </a:xfrm>
-          <a:prstGeom prst="rect">
-            <a:avLst/>
-          </a:prstGeom>
-        </p:spPr>
-      </p:pic>
       <p:sp>
         <p:nvSpPr>
           <p:cNvPr id="5" name="矩形 4"/>
@@ -7979,7 +7979,12 @@
             <p:ph sz="half" idx="2"/>
           </p:nvPr>
         </p:nvSpPr>
-        <p:spPr/>
+        <p:spPr>
+          <a:xfrm>
+            <a:off x="1188720" y="2834640"/>
+            <a:ext cx="4937760" cy="3034454"/>
+          </a:xfrm>
+        </p:spPr>
         <p:txBody>
           <a:bodyPr/>
           <a:lstStyle/>
@@ -8012,7 +8017,7 @@
         </p:nvSpPr>
         <p:spPr bwMode="auto">
           <a:xfrm>
-            <a:off x="8982773" y="2277505"/>
+            <a:off x="3657600" y="3257046"/>
             <a:ext cx="2255426" cy="215444"/>
           </a:xfrm>
           <a:prstGeom prst="rect">
@@ -8108,7 +8113,7 @@
         </p:nvSpPr>
         <p:spPr bwMode="auto">
           <a:xfrm>
-            <a:off x="6300439" y="2308283"/>
+            <a:off x="1253396" y="3287824"/>
             <a:ext cx="1394613" cy="184666"/>
           </a:xfrm>
           <a:prstGeom prst="rect">
@@ -8204,7 +8209,7 @@
         </p:nvSpPr>
         <p:spPr bwMode="auto">
           <a:xfrm>
-            <a:off x="6300439" y="3094454"/>
+            <a:off x="1253396" y="4276730"/>
             <a:ext cx="1673535" cy="184666"/>
           </a:xfrm>
           <a:prstGeom prst="rect">
@@ -8265,7 +8270,7 @@
               <a:tabLst/>
             </a:pPr>
             <a:r>
-              <a:rPr kumimoji="0" lang="zh-CN" altLang="zh-CN" sz="1200" b="0" i="0" u="none" strike="noStrike" cap="none" normalizeH="0" baseline="0" smtClean="0">
+              <a:rPr kumimoji="0" lang="zh-CN" altLang="zh-CN" sz="1200" b="0" i="0" u="none" strike="noStrike" cap="none" normalizeH="0" baseline="0" dirty="0" smtClean="0">
                 <a:ln>
                   <a:noFill/>
                 </a:ln>
@@ -8277,7 +8282,7 @@
               </a:rPr>
               <a:t>&gt; fit$coefficients</a:t>
             </a:r>
-            <a:endParaRPr kumimoji="0" lang="zh-CN" altLang="zh-CN" sz="2800" b="0" i="0" u="none" strike="noStrike" cap="none" normalizeH="0" baseline="0" smtClean="0">
+            <a:endParaRPr kumimoji="0" lang="zh-CN" altLang="zh-CN" sz="2800" b="0" i="0" u="none" strike="noStrike" cap="none" normalizeH="0" baseline="0" dirty="0" smtClean="0">
               <a:ln>
                 <a:noFill/>
               </a:ln>
@@ -9929,7 +9934,7 @@
           <a:graphicData uri="http://schemas.openxmlformats.org/presentationml/2006/ole">
             <mc:AlternateContent xmlns:mc="http://schemas.openxmlformats.org/markup-compatibility/2006">
               <mc:Choice xmlns:v="urn:schemas-microsoft-com:vml" Requires="v">
-                <p:oleObj spid="_x0000_s1028" name="Equation" r:id="rId4" imgW="1777680" imgH="241200" progId="Equation.DSMT4">
+                <p:oleObj spid="_x0000_s1029" name="Equation" r:id="rId4" imgW="1777680" imgH="241200" progId="Equation.DSMT4">
                   <p:embed/>
                 </p:oleObj>
               </mc:Choice>
@@ -10058,11 +10063,7 @@
             </a:r>
             <a:r>
               <a:rPr lang="zh-CN" altLang="en-US" dirty="0" smtClean="0"/>
-              <a:t>）</a:t>
-            </a:r>
-            <a:r>
-              <a:rPr lang="zh-CN" altLang="en-US" dirty="0" smtClean="0"/>
-              <a:t>非线性回归，以生产函数为例：</a:t>
+              <a:t>）非线性回归，以生产函数为例：</a:t>
             </a:r>
             <a:endParaRPr lang="en-US" altLang="zh-CN" dirty="0" smtClean="0"/>
           </a:p>
@@ -10132,7 +10133,7 @@
           <a:graphicData uri="http://schemas.openxmlformats.org/presentationml/2006/ole">
             <mc:AlternateContent xmlns:mc="http://schemas.openxmlformats.org/markup-compatibility/2006">
               <mc:Choice xmlns:v="urn:schemas-microsoft-com:vml" Requires="v">
-                <p:oleObj spid="_x0000_s2053" name="Equation" r:id="rId4" imgW="2869920" imgH="228600" progId="Equation.DSMT4">
+                <p:oleObj spid="_x0000_s2057" name="Equation" r:id="rId4" imgW="2869920" imgH="228600" progId="Equation.DSMT4">
                   <p:embed/>
                 </p:oleObj>
               </mc:Choice>
@@ -10222,7 +10223,7 @@
           <a:graphicData uri="http://schemas.openxmlformats.org/presentationml/2006/ole">
             <mc:AlternateContent xmlns:mc="http://schemas.openxmlformats.org/markup-compatibility/2006">
               <mc:Choice xmlns:v="urn:schemas-microsoft-com:vml" Requires="v">
-                <p:oleObj spid="_x0000_s2054" name="Equation" r:id="rId6" imgW="927000" imgH="203040" progId="Equation.DSMT4">
+                <p:oleObj spid="_x0000_s2058" name="Equation" r:id="rId6" imgW="927000" imgH="203040" progId="Equation.DSMT4">
                   <p:embed/>
                 </p:oleObj>
               </mc:Choice>
@@ -10279,7 +10280,7 @@
           <a:graphicData uri="http://schemas.openxmlformats.org/presentationml/2006/ole">
             <mc:AlternateContent xmlns:mc="http://schemas.openxmlformats.org/markup-compatibility/2006">
               <mc:Choice xmlns:v="urn:schemas-microsoft-com:vml" Requires="v">
-                <p:oleObj spid="_x0000_s2055" name="Equation" r:id="rId8" imgW="1981080" imgH="203040" progId="Equation.DSMT4">
+                <p:oleObj spid="_x0000_s2059" name="Equation" r:id="rId8" imgW="1981080" imgH="203040" progId="Equation.DSMT4">
                   <p:embed/>
                 </p:oleObj>
               </mc:Choice>
@@ -10359,7 +10360,7 @@
           <a:graphicData uri="http://schemas.openxmlformats.org/presentationml/2006/ole">
             <mc:AlternateContent xmlns:mc="http://schemas.openxmlformats.org/markup-compatibility/2006">
               <mc:Choice xmlns:v="urn:schemas-microsoft-com:vml" Requires="v">
-                <p:oleObj spid="_x0000_s2056" name="Equation" r:id="rId11" imgW="1244520" imgH="241200" progId="Equation.DSMT4">
+                <p:oleObj spid="_x0000_s2060" name="Equation" r:id="rId11" imgW="1244520" imgH="241200" progId="Equation.DSMT4">
                   <p:embed/>
                 </p:oleObj>
               </mc:Choice>
